--- a/DigiBP_Rhein_Presentation.pptx
+++ b/DigiBP_Rhein_Presentation.pptx
@@ -1,125 +1,30 @@
 
 <file path=ppt/presentation.xml><?xml version="1.0" encoding="utf-8"?>
-<p:presentation xmlns:a="http://schemas.openxmlformats.org/drawingml/2006/main" xmlns:r="http://schemas.openxmlformats.org/officeDocument/2006/relationships" xmlns:p="http://schemas.openxmlformats.org/presentationml/2006/main">
+<p:presentation xmlns:a="http://schemas.openxmlformats.org/drawingml/2006/main" xmlns:p="http://schemas.openxmlformats.org/presentationml/2006/main" xmlns:r="http://schemas.openxmlformats.org/officeDocument/2006/relationships" xmlns:p14="http://schemas.microsoft.com/office/powerpoint/2010/main" xmlns:p15="http://schemas.microsoft.com/office/powerpoint/2012/main" xmlns:mc="http://schemas.openxmlformats.org/markup-compatibility/2006">
   <p:sldMasterIdLst>
-    <p:sldMasterId id="2147483648" r:id="rId1"/>
-    <p:sldMasterId id="2147483661" r:id="rId2"/>
+    <p:sldMasterId id="2147483648" r:id="rId2"/>
+    <p:sldMasterId id="2147483661" r:id="rId3"/>
   </p:sldMasterIdLst>
   <p:sldIdLst>
-    <p:sldId id="256" r:id="rId3"/>
-    <p:sldId id="257" r:id="rId4"/>
-    <p:sldId id="258" r:id="rId5"/>
-    <p:sldId id="259" r:id="rId6"/>
-    <p:sldId id="260" r:id="rId7"/>
-    <p:sldId id="261" r:id="rId8"/>
-    <p:sldId id="262" r:id="rId9"/>
-    <p:sldId id="263" r:id="rId10"/>
-    <p:sldId id="265" r:id="rId11"/>
+    <p:sldId id="256" r:id="rId4"/>
+    <p:sldId id="257" r:id="rId5"/>
+    <p:sldId id="258" r:id="rId6"/>
+    <p:sldId id="259" r:id="rId7"/>
+    <p:sldId id="260" r:id="rId8"/>
+    <p:sldId id="261" r:id="rId9"/>
+    <p:sldId id="262" r:id="rId10"/>
+    <p:sldId id="263" r:id="rId11"/>
     <p:sldId id="264" r:id="rId12"/>
-    <p:sldId id="267" r:id="rId13"/>
+    <p:sldId id="265" r:id="rId13"/>
+    <p:sldId id="266" r:id="rId14"/>
   </p:sldIdLst>
-  <p:sldSz cx="10693400" cy="7561263"/>
-  <p:notesSz cx="7559675" cy="10691813"/>
-  <p:defaultTextStyle>
-    <a:defPPr>
-      <a:defRPr lang="de-DE"/>
-    </a:defPPr>
-    <a:lvl1pPr marL="0" algn="l" defTabSz="914400" rtl="0" eaLnBrk="1" latinLnBrk="0" hangingPunct="1">
-      <a:defRPr sz="1800" kern="1200">
-        <a:solidFill>
-          <a:schemeClr val="tx1"/>
-        </a:solidFill>
-        <a:latin typeface="+mn-lt"/>
-        <a:ea typeface="+mn-ea"/>
-        <a:cs typeface="+mn-cs"/>
-      </a:defRPr>
-    </a:lvl1pPr>
-    <a:lvl2pPr marL="457200" algn="l" defTabSz="914400" rtl="0" eaLnBrk="1" latinLnBrk="0" hangingPunct="1">
-      <a:defRPr sz="1800" kern="1200">
-        <a:solidFill>
-          <a:schemeClr val="tx1"/>
-        </a:solidFill>
-        <a:latin typeface="+mn-lt"/>
-        <a:ea typeface="+mn-ea"/>
-        <a:cs typeface="+mn-cs"/>
-      </a:defRPr>
-    </a:lvl2pPr>
-    <a:lvl3pPr marL="914400" algn="l" defTabSz="914400" rtl="0" eaLnBrk="1" latinLnBrk="0" hangingPunct="1">
-      <a:defRPr sz="1800" kern="1200">
-        <a:solidFill>
-          <a:schemeClr val="tx1"/>
-        </a:solidFill>
-        <a:latin typeface="+mn-lt"/>
-        <a:ea typeface="+mn-ea"/>
-        <a:cs typeface="+mn-cs"/>
-      </a:defRPr>
-    </a:lvl3pPr>
-    <a:lvl4pPr marL="1371600" algn="l" defTabSz="914400" rtl="0" eaLnBrk="1" latinLnBrk="0" hangingPunct="1">
-      <a:defRPr sz="1800" kern="1200">
-        <a:solidFill>
-          <a:schemeClr val="tx1"/>
-        </a:solidFill>
-        <a:latin typeface="+mn-lt"/>
-        <a:ea typeface="+mn-ea"/>
-        <a:cs typeface="+mn-cs"/>
-      </a:defRPr>
-    </a:lvl4pPr>
-    <a:lvl5pPr marL="1828800" algn="l" defTabSz="914400" rtl="0" eaLnBrk="1" latinLnBrk="0" hangingPunct="1">
-      <a:defRPr sz="1800" kern="1200">
-        <a:solidFill>
-          <a:schemeClr val="tx1"/>
-        </a:solidFill>
-        <a:latin typeface="+mn-lt"/>
-        <a:ea typeface="+mn-ea"/>
-        <a:cs typeface="+mn-cs"/>
-      </a:defRPr>
-    </a:lvl5pPr>
-    <a:lvl6pPr marL="2286000" algn="l" defTabSz="914400" rtl="0" eaLnBrk="1" latinLnBrk="0" hangingPunct="1">
-      <a:defRPr sz="1800" kern="1200">
-        <a:solidFill>
-          <a:schemeClr val="tx1"/>
-        </a:solidFill>
-        <a:latin typeface="+mn-lt"/>
-        <a:ea typeface="+mn-ea"/>
-        <a:cs typeface="+mn-cs"/>
-      </a:defRPr>
-    </a:lvl6pPr>
-    <a:lvl7pPr marL="2743200" algn="l" defTabSz="914400" rtl="0" eaLnBrk="1" latinLnBrk="0" hangingPunct="1">
-      <a:defRPr sz="1800" kern="1200">
-        <a:solidFill>
-          <a:schemeClr val="tx1"/>
-        </a:solidFill>
-        <a:latin typeface="+mn-lt"/>
-        <a:ea typeface="+mn-ea"/>
-        <a:cs typeface="+mn-cs"/>
-      </a:defRPr>
-    </a:lvl7pPr>
-    <a:lvl8pPr marL="3200400" algn="l" defTabSz="914400" rtl="0" eaLnBrk="1" latinLnBrk="0" hangingPunct="1">
-      <a:defRPr sz="1800" kern="1200">
-        <a:solidFill>
-          <a:schemeClr val="tx1"/>
-        </a:solidFill>
-        <a:latin typeface="+mn-lt"/>
-        <a:ea typeface="+mn-ea"/>
-        <a:cs typeface="+mn-cs"/>
-      </a:defRPr>
-    </a:lvl8pPr>
-    <a:lvl9pPr marL="3657600" algn="l" defTabSz="914400" rtl="0" eaLnBrk="1" latinLnBrk="0" hangingPunct="1">
-      <a:defRPr sz="1800" kern="1200">
-        <a:solidFill>
-          <a:schemeClr val="tx1"/>
-        </a:solidFill>
-        <a:latin typeface="+mn-lt"/>
-        <a:ea typeface="+mn-ea"/>
-        <a:cs typeface="+mn-cs"/>
-      </a:defRPr>
-    </a:lvl9pPr>
-  </p:defaultTextStyle>
+  <p:sldSz cx="10693400" cy="7561262"/>
+  <p:notesSz cx="7559675" cy="10691812"/>
 </p:presentation>
 </file>
 
 <file path=ppt/slideLayouts/slideLayout1.xml><?xml version="1.0" encoding="utf-8"?>
-<p:sldLayout xmlns:a="http://schemas.openxmlformats.org/drawingml/2006/main" xmlns:r="http://schemas.openxmlformats.org/officeDocument/2006/relationships" xmlns:p="http://schemas.openxmlformats.org/presentationml/2006/main" type="blank" preserve="1">
+<p:sldLayout xmlns:a="http://schemas.openxmlformats.org/drawingml/2006/main" xmlns:p="http://schemas.openxmlformats.org/presentationml/2006/main" xmlns:r="http://schemas.openxmlformats.org/officeDocument/2006/relationships" xmlns:p14="http://schemas.microsoft.com/office/powerpoint/2010/main" xmlns:p15="http://schemas.microsoft.com/office/powerpoint/2012/main" xmlns:mc="http://schemas.openxmlformats.org/markup-compatibility/2006" type="blank" preserve="1">
   <p:cSld name="Blank Slide">
     <p:spTree>
       <p:nvGrpSpPr>
@@ -137,14 +42,11 @@
       </p:grpSpPr>
     </p:spTree>
   </p:cSld>
-  <p:clrMapOvr>
-    <a:masterClrMapping/>
-  </p:clrMapOvr>
 </p:sldLayout>
 </file>
 
 <file path=ppt/slideLayouts/slideLayout10.xml><?xml version="1.0" encoding="utf-8"?>
-<p:sldLayout xmlns:a="http://schemas.openxmlformats.org/drawingml/2006/main" xmlns:r="http://schemas.openxmlformats.org/officeDocument/2006/relationships" xmlns:p="http://schemas.openxmlformats.org/presentationml/2006/main" type="objOverTx" preserve="1">
+<p:sldLayout xmlns:a="http://schemas.openxmlformats.org/drawingml/2006/main" xmlns:p="http://schemas.openxmlformats.org/presentationml/2006/main" xmlns:r="http://schemas.openxmlformats.org/officeDocument/2006/relationships" xmlns:p14="http://schemas.microsoft.com/office/powerpoint/2010/main" xmlns:p15="http://schemas.microsoft.com/office/powerpoint/2012/main" xmlns:mc="http://schemas.openxmlformats.org/markup-compatibility/2006" type="objOverTx" preserve="1">
   <p:cSld name="Title, Content over Content">
     <p:spTree>
       <p:nvGrpSpPr>
@@ -180,11 +82,12 @@
           </a:prstGeom>
         </p:spPr>
         <p:txBody>
-          <a:bodyPr lIns="0" tIns="0" rIns="0" bIns="0" anchor="ctr"/>
-          <a:lstStyle/>
-          <a:p>
-            <a:pPr algn="ctr"/>
-            <a:endParaRPr lang="en-US" sz="4400" b="0" strike="noStrike" spc="-1">
+          <a:bodyPr lIns="0" rIns="0" tIns="0" bIns="0" anchor="ctr"/>
+          <a:p>
+            <a:endParaRPr b="0" lang="de-DE" sz="1800" spc="-1" strike="noStrike">
+              <a:solidFill>
+                <a:srgbClr val="000000"/>
+              </a:solidFill>
               <a:latin typeface="Arial"/>
             </a:endParaRPr>
           </a:p>
@@ -210,12 +113,14 @@
           </a:prstGeom>
         </p:spPr>
         <p:txBody>
-          <a:bodyPr lIns="0" tIns="0" rIns="0" bIns="0">
+          <a:bodyPr lIns="0" rIns="0" tIns="0" bIns="0">
             <a:normAutofit/>
           </a:bodyPr>
-          <a:lstStyle/>
-          <a:p>
-            <a:endParaRPr lang="en-US" sz="3200" b="0" strike="noStrike" spc="-1">
+          <a:p>
+            <a:endParaRPr b="0" lang="de-DE" sz="2800" spc="-1" strike="noStrike">
+              <a:solidFill>
+                <a:srgbClr val="000000"/>
+              </a:solidFill>
               <a:latin typeface="Arial"/>
             </a:endParaRPr>
           </a:p>
@@ -241,12 +146,14 @@
           </a:prstGeom>
         </p:spPr>
         <p:txBody>
-          <a:bodyPr lIns="0" tIns="0" rIns="0" bIns="0">
+          <a:bodyPr lIns="0" rIns="0" tIns="0" bIns="0">
             <a:normAutofit/>
           </a:bodyPr>
-          <a:lstStyle/>
-          <a:p>
-            <a:endParaRPr lang="en-US" sz="3200" b="0" strike="noStrike" spc="-1">
+          <a:p>
+            <a:endParaRPr b="0" lang="de-DE" sz="2800" spc="-1" strike="noStrike">
+              <a:solidFill>
+                <a:srgbClr val="000000"/>
+              </a:solidFill>
               <a:latin typeface="Arial"/>
             </a:endParaRPr>
           </a:p>
@@ -254,14 +161,11 @@
       </p:sp>
     </p:spTree>
   </p:cSld>
-  <p:clrMapOvr>
-    <a:masterClrMapping/>
-  </p:clrMapOvr>
 </p:sldLayout>
 </file>
 
 <file path=ppt/slideLayouts/slideLayout11.xml><?xml version="1.0" encoding="utf-8"?>
-<p:sldLayout xmlns:a="http://schemas.openxmlformats.org/drawingml/2006/main" xmlns:r="http://schemas.openxmlformats.org/officeDocument/2006/relationships" xmlns:p="http://schemas.openxmlformats.org/presentationml/2006/main" type="fourObj" preserve="1">
+<p:sldLayout xmlns:a="http://schemas.openxmlformats.org/drawingml/2006/main" xmlns:p="http://schemas.openxmlformats.org/presentationml/2006/main" xmlns:r="http://schemas.openxmlformats.org/officeDocument/2006/relationships" xmlns:p14="http://schemas.microsoft.com/office/powerpoint/2010/main" xmlns:p15="http://schemas.microsoft.com/office/powerpoint/2012/main" xmlns:mc="http://schemas.openxmlformats.org/markup-compatibility/2006" type="fourObj" preserve="1">
   <p:cSld name="Title, 4 Content">
     <p:spTree>
       <p:nvGrpSpPr>
@@ -297,11 +201,12 @@
           </a:prstGeom>
         </p:spPr>
         <p:txBody>
-          <a:bodyPr lIns="0" tIns="0" rIns="0" bIns="0" anchor="ctr"/>
-          <a:lstStyle/>
-          <a:p>
-            <a:pPr algn="ctr"/>
-            <a:endParaRPr lang="en-US" sz="4400" b="0" strike="noStrike" spc="-1">
+          <a:bodyPr lIns="0" rIns="0" tIns="0" bIns="0" anchor="ctr"/>
+          <a:p>
+            <a:endParaRPr b="0" lang="de-DE" sz="1800" spc="-1" strike="noStrike">
+              <a:solidFill>
+                <a:srgbClr val="000000"/>
+              </a:solidFill>
               <a:latin typeface="Arial"/>
             </a:endParaRPr>
           </a:p>
@@ -327,12 +232,14 @@
           </a:prstGeom>
         </p:spPr>
         <p:txBody>
-          <a:bodyPr lIns="0" tIns="0" rIns="0" bIns="0">
+          <a:bodyPr lIns="0" rIns="0" tIns="0" bIns="0">
             <a:normAutofit/>
           </a:bodyPr>
-          <a:lstStyle/>
-          <a:p>
-            <a:endParaRPr lang="en-US" sz="3200" b="0" strike="noStrike" spc="-1">
+          <a:p>
+            <a:endParaRPr b="0" lang="de-DE" sz="2800" spc="-1" strike="noStrike">
+              <a:solidFill>
+                <a:srgbClr val="000000"/>
+              </a:solidFill>
               <a:latin typeface="Arial"/>
             </a:endParaRPr>
           </a:p>
@@ -358,12 +265,14 @@
           </a:prstGeom>
         </p:spPr>
         <p:txBody>
-          <a:bodyPr lIns="0" tIns="0" rIns="0" bIns="0">
+          <a:bodyPr lIns="0" rIns="0" tIns="0" bIns="0">
             <a:normAutofit/>
           </a:bodyPr>
-          <a:lstStyle/>
-          <a:p>
-            <a:endParaRPr lang="en-US" sz="3200" b="0" strike="noStrike" spc="-1">
+          <a:p>
+            <a:endParaRPr b="0" lang="de-DE" sz="2800" spc="-1" strike="noStrike">
+              <a:solidFill>
+                <a:srgbClr val="000000"/>
+              </a:solidFill>
               <a:latin typeface="Arial"/>
             </a:endParaRPr>
           </a:p>
@@ -389,12 +298,14 @@
           </a:prstGeom>
         </p:spPr>
         <p:txBody>
-          <a:bodyPr lIns="0" tIns="0" rIns="0" bIns="0">
+          <a:bodyPr lIns="0" rIns="0" tIns="0" bIns="0">
             <a:normAutofit/>
           </a:bodyPr>
-          <a:lstStyle/>
-          <a:p>
-            <a:endParaRPr lang="en-US" sz="3200" b="0" strike="noStrike" spc="-1">
+          <a:p>
+            <a:endParaRPr b="0" lang="de-DE" sz="2800" spc="-1" strike="noStrike">
+              <a:solidFill>
+                <a:srgbClr val="000000"/>
+              </a:solidFill>
               <a:latin typeface="Arial"/>
             </a:endParaRPr>
           </a:p>
@@ -420,12 +331,14 @@
           </a:prstGeom>
         </p:spPr>
         <p:txBody>
-          <a:bodyPr lIns="0" tIns="0" rIns="0" bIns="0">
+          <a:bodyPr lIns="0" rIns="0" tIns="0" bIns="0">
             <a:normAutofit/>
           </a:bodyPr>
-          <a:lstStyle/>
-          <a:p>
-            <a:endParaRPr lang="en-US" sz="3200" b="0" strike="noStrike" spc="-1">
+          <a:p>
+            <a:endParaRPr b="0" lang="de-DE" sz="2800" spc="-1" strike="noStrike">
+              <a:solidFill>
+                <a:srgbClr val="000000"/>
+              </a:solidFill>
               <a:latin typeface="Arial"/>
             </a:endParaRPr>
           </a:p>
@@ -433,14 +346,11 @@
       </p:sp>
     </p:spTree>
   </p:cSld>
-  <p:clrMapOvr>
-    <a:masterClrMapping/>
-  </p:clrMapOvr>
 </p:sldLayout>
 </file>
 
 <file path=ppt/slideLayouts/slideLayout12.xml><?xml version="1.0" encoding="utf-8"?>
-<p:sldLayout xmlns:a="http://schemas.openxmlformats.org/drawingml/2006/main" xmlns:r="http://schemas.openxmlformats.org/officeDocument/2006/relationships" xmlns:p="http://schemas.openxmlformats.org/presentationml/2006/main" type="blank" preserve="1">
+<p:sldLayout xmlns:a="http://schemas.openxmlformats.org/drawingml/2006/main" xmlns:p="http://schemas.openxmlformats.org/presentationml/2006/main" xmlns:r="http://schemas.openxmlformats.org/officeDocument/2006/relationships" xmlns:p14="http://schemas.microsoft.com/office/powerpoint/2010/main" xmlns:p15="http://schemas.microsoft.com/office/powerpoint/2012/main" xmlns:mc="http://schemas.openxmlformats.org/markup-compatibility/2006" type="blank" preserve="1">
   <p:cSld name="Title, 6 Content">
     <p:spTree>
       <p:nvGrpSpPr>
@@ -476,11 +386,12 @@
           </a:prstGeom>
         </p:spPr>
         <p:txBody>
-          <a:bodyPr lIns="0" tIns="0" rIns="0" bIns="0" anchor="ctr"/>
-          <a:lstStyle/>
-          <a:p>
-            <a:pPr algn="ctr"/>
-            <a:endParaRPr lang="en-US" sz="4400" b="0" strike="noStrike" spc="-1">
+          <a:bodyPr lIns="0" rIns="0" tIns="0" bIns="0" anchor="ctr"/>
+          <a:p>
+            <a:endParaRPr b="0" lang="de-DE" sz="1800" spc="-1" strike="noStrike">
+              <a:solidFill>
+                <a:srgbClr val="000000"/>
+              </a:solidFill>
               <a:latin typeface="Arial"/>
             </a:endParaRPr>
           </a:p>
@@ -506,12 +417,14 @@
           </a:prstGeom>
         </p:spPr>
         <p:txBody>
-          <a:bodyPr lIns="0" tIns="0" rIns="0" bIns="0">
+          <a:bodyPr lIns="0" rIns="0" tIns="0" bIns="0">
             <a:normAutofit/>
           </a:bodyPr>
-          <a:lstStyle/>
-          <a:p>
-            <a:endParaRPr lang="en-US" sz="3200" b="0" strike="noStrike" spc="-1">
+          <a:p>
+            <a:endParaRPr b="0" lang="de-DE" sz="2800" spc="-1" strike="noStrike">
+              <a:solidFill>
+                <a:srgbClr val="000000"/>
+              </a:solidFill>
               <a:latin typeface="Arial"/>
             </a:endParaRPr>
           </a:p>
@@ -537,12 +450,14 @@
           </a:prstGeom>
         </p:spPr>
         <p:txBody>
-          <a:bodyPr lIns="0" tIns="0" rIns="0" bIns="0">
+          <a:bodyPr lIns="0" rIns="0" tIns="0" bIns="0">
             <a:normAutofit/>
           </a:bodyPr>
-          <a:lstStyle/>
-          <a:p>
-            <a:endParaRPr lang="en-US" sz="3200" b="0" strike="noStrike" spc="-1">
+          <a:p>
+            <a:endParaRPr b="0" lang="de-DE" sz="2800" spc="-1" strike="noStrike">
+              <a:solidFill>
+                <a:srgbClr val="000000"/>
+              </a:solidFill>
               <a:latin typeface="Arial"/>
             </a:endParaRPr>
           </a:p>
@@ -568,12 +483,14 @@
           </a:prstGeom>
         </p:spPr>
         <p:txBody>
-          <a:bodyPr lIns="0" tIns="0" rIns="0" bIns="0">
+          <a:bodyPr lIns="0" rIns="0" tIns="0" bIns="0">
             <a:normAutofit/>
           </a:bodyPr>
-          <a:lstStyle/>
-          <a:p>
-            <a:endParaRPr lang="en-US" sz="3200" b="0" strike="noStrike" spc="-1">
+          <a:p>
+            <a:endParaRPr b="0" lang="de-DE" sz="2800" spc="-1" strike="noStrike">
+              <a:solidFill>
+                <a:srgbClr val="000000"/>
+              </a:solidFill>
               <a:latin typeface="Arial"/>
             </a:endParaRPr>
           </a:p>
@@ -599,12 +516,14 @@
           </a:prstGeom>
         </p:spPr>
         <p:txBody>
-          <a:bodyPr lIns="0" tIns="0" rIns="0" bIns="0">
+          <a:bodyPr lIns="0" rIns="0" tIns="0" bIns="0">
             <a:normAutofit/>
           </a:bodyPr>
-          <a:lstStyle/>
-          <a:p>
-            <a:endParaRPr lang="en-US" sz="3200" b="0" strike="noStrike" spc="-1">
+          <a:p>
+            <a:endParaRPr b="0" lang="de-DE" sz="2800" spc="-1" strike="noStrike">
+              <a:solidFill>
+                <a:srgbClr val="000000"/>
+              </a:solidFill>
               <a:latin typeface="Arial"/>
             </a:endParaRPr>
           </a:p>
@@ -630,12 +549,14 @@
           </a:prstGeom>
         </p:spPr>
         <p:txBody>
-          <a:bodyPr lIns="0" tIns="0" rIns="0" bIns="0">
+          <a:bodyPr lIns="0" rIns="0" tIns="0" bIns="0">
             <a:normAutofit/>
           </a:bodyPr>
-          <a:lstStyle/>
-          <a:p>
-            <a:endParaRPr lang="en-US" sz="3200" b="0" strike="noStrike" spc="-1">
+          <a:p>
+            <a:endParaRPr b="0" lang="de-DE" sz="2800" spc="-1" strike="noStrike">
+              <a:solidFill>
+                <a:srgbClr val="000000"/>
+              </a:solidFill>
               <a:latin typeface="Arial"/>
             </a:endParaRPr>
           </a:p>
@@ -661,12 +582,14 @@
           </a:prstGeom>
         </p:spPr>
         <p:txBody>
-          <a:bodyPr lIns="0" tIns="0" rIns="0" bIns="0">
+          <a:bodyPr lIns="0" rIns="0" tIns="0" bIns="0">
             <a:normAutofit/>
           </a:bodyPr>
-          <a:lstStyle/>
-          <a:p>
-            <a:endParaRPr lang="en-US" sz="3200" b="0" strike="noStrike" spc="-1">
+          <a:p>
+            <a:endParaRPr b="0" lang="de-DE" sz="2800" spc="-1" strike="noStrike">
+              <a:solidFill>
+                <a:srgbClr val="000000"/>
+              </a:solidFill>
               <a:latin typeface="Arial"/>
             </a:endParaRPr>
           </a:p>
@@ -674,14 +597,11 @@
       </p:sp>
     </p:spTree>
   </p:cSld>
-  <p:clrMapOvr>
-    <a:masterClrMapping/>
-  </p:clrMapOvr>
 </p:sldLayout>
 </file>
 
 <file path=ppt/slideLayouts/slideLayout13.xml><?xml version="1.0" encoding="utf-8"?>
-<p:sldLayout xmlns:a="http://schemas.openxmlformats.org/drawingml/2006/main" xmlns:r="http://schemas.openxmlformats.org/officeDocument/2006/relationships" xmlns:p="http://schemas.openxmlformats.org/presentationml/2006/main" type="blank" preserve="1">
+<p:sldLayout xmlns:a="http://schemas.openxmlformats.org/drawingml/2006/main" xmlns:p="http://schemas.openxmlformats.org/presentationml/2006/main" xmlns:r="http://schemas.openxmlformats.org/officeDocument/2006/relationships" xmlns:p14="http://schemas.microsoft.com/office/powerpoint/2010/main" xmlns:p15="http://schemas.microsoft.com/office/powerpoint/2012/main" xmlns:mc="http://schemas.openxmlformats.org/markup-compatibility/2006" type="blank" preserve="1">
   <p:cSld name="Blank Slide">
     <p:spTree>
       <p:nvGrpSpPr>
@@ -699,14 +619,11 @@
       </p:grpSpPr>
     </p:spTree>
   </p:cSld>
-  <p:clrMapOvr>
-    <a:masterClrMapping/>
-  </p:clrMapOvr>
 </p:sldLayout>
 </file>
 
 <file path=ppt/slideLayouts/slideLayout14.xml><?xml version="1.0" encoding="utf-8"?>
-<p:sldLayout xmlns:a="http://schemas.openxmlformats.org/drawingml/2006/main" xmlns:r="http://schemas.openxmlformats.org/officeDocument/2006/relationships" xmlns:p="http://schemas.openxmlformats.org/presentationml/2006/main" type="tx" preserve="1">
+<p:sldLayout xmlns:a="http://schemas.openxmlformats.org/drawingml/2006/main" xmlns:p="http://schemas.openxmlformats.org/presentationml/2006/main" xmlns:r="http://schemas.openxmlformats.org/officeDocument/2006/relationships" xmlns:p14="http://schemas.microsoft.com/office/powerpoint/2010/main" xmlns:p15="http://schemas.microsoft.com/office/powerpoint/2012/main" xmlns:mc="http://schemas.openxmlformats.org/markup-compatibility/2006" type="tx" preserve="1">
   <p:cSld name="Title Slide">
     <p:spTree>
       <p:nvGrpSpPr>
@@ -742,11 +659,12 @@
           </a:prstGeom>
         </p:spPr>
         <p:txBody>
-          <a:bodyPr lIns="0" tIns="0" rIns="0" bIns="0" anchor="ctr"/>
-          <a:lstStyle/>
-          <a:p>
-            <a:pPr algn="ctr"/>
-            <a:endParaRPr lang="en-US" sz="4400" b="0" strike="noStrike" spc="-1">
+          <a:bodyPr lIns="0" rIns="0" tIns="0" bIns="0" anchor="ctr"/>
+          <a:p>
+            <a:endParaRPr b="0" lang="de-DE" sz="1800" spc="-1" strike="noStrike">
+              <a:solidFill>
+                <a:srgbClr val="000000"/>
+              </a:solidFill>
               <a:latin typeface="Arial"/>
             </a:endParaRPr>
           </a:p>
@@ -772,11 +690,10 @@
           </a:prstGeom>
         </p:spPr>
         <p:txBody>
-          <a:bodyPr lIns="0" tIns="0" rIns="0" bIns="0" anchor="ctr"/>
-          <a:lstStyle/>
+          <a:bodyPr lIns="0" rIns="0" tIns="0" bIns="0" anchor="ctr"/>
           <a:p>
             <a:pPr algn="ctr"/>
-            <a:endParaRPr lang="en-US" sz="3200" b="0" strike="noStrike" spc="-1">
+            <a:endParaRPr b="0" lang="en-US" sz="3200" spc="-1" strike="noStrike">
               <a:latin typeface="Arial"/>
             </a:endParaRPr>
           </a:p>
@@ -784,14 +701,11 @@
       </p:sp>
     </p:spTree>
   </p:cSld>
-  <p:clrMapOvr>
-    <a:masterClrMapping/>
-  </p:clrMapOvr>
 </p:sldLayout>
 </file>
 
 <file path=ppt/slideLayouts/slideLayout15.xml><?xml version="1.0" encoding="utf-8"?>
-<p:sldLayout xmlns:a="http://schemas.openxmlformats.org/drawingml/2006/main" xmlns:r="http://schemas.openxmlformats.org/officeDocument/2006/relationships" xmlns:p="http://schemas.openxmlformats.org/presentationml/2006/main" type="obj" preserve="1">
+<p:sldLayout xmlns:a="http://schemas.openxmlformats.org/drawingml/2006/main" xmlns:p="http://schemas.openxmlformats.org/presentationml/2006/main" xmlns:r="http://schemas.openxmlformats.org/officeDocument/2006/relationships" xmlns:p14="http://schemas.microsoft.com/office/powerpoint/2010/main" xmlns:p15="http://schemas.microsoft.com/office/powerpoint/2012/main" xmlns:mc="http://schemas.openxmlformats.org/markup-compatibility/2006" type="obj" preserve="1">
   <p:cSld name="Title, Content">
     <p:spTree>
       <p:nvGrpSpPr>
@@ -827,11 +741,12 @@
           </a:prstGeom>
         </p:spPr>
         <p:txBody>
-          <a:bodyPr lIns="0" tIns="0" rIns="0" bIns="0" anchor="ctr"/>
-          <a:lstStyle/>
-          <a:p>
-            <a:pPr algn="ctr"/>
-            <a:endParaRPr lang="en-US" sz="4400" b="0" strike="noStrike" spc="-1">
+          <a:bodyPr lIns="0" rIns="0" tIns="0" bIns="0" anchor="ctr"/>
+          <a:p>
+            <a:endParaRPr b="0" lang="de-DE" sz="1800" spc="-1" strike="noStrike">
+              <a:solidFill>
+                <a:srgbClr val="000000"/>
+              </a:solidFill>
               <a:latin typeface="Arial"/>
             </a:endParaRPr>
           </a:p>
@@ -857,12 +772,14 @@
           </a:prstGeom>
         </p:spPr>
         <p:txBody>
-          <a:bodyPr lIns="0" tIns="0" rIns="0" bIns="0">
+          <a:bodyPr lIns="0" rIns="0" tIns="0" bIns="0">
             <a:normAutofit/>
           </a:bodyPr>
-          <a:lstStyle/>
-          <a:p>
-            <a:endParaRPr lang="en-US" sz="3200" b="0" strike="noStrike" spc="-1">
+          <a:p>
+            <a:endParaRPr b="0" lang="de-DE" sz="2800" spc="-1" strike="noStrike">
+              <a:solidFill>
+                <a:srgbClr val="000000"/>
+              </a:solidFill>
               <a:latin typeface="Arial"/>
             </a:endParaRPr>
           </a:p>
@@ -870,14 +787,11 @@
       </p:sp>
     </p:spTree>
   </p:cSld>
-  <p:clrMapOvr>
-    <a:masterClrMapping/>
-  </p:clrMapOvr>
 </p:sldLayout>
 </file>
 
 <file path=ppt/slideLayouts/slideLayout16.xml><?xml version="1.0" encoding="utf-8"?>
-<p:sldLayout xmlns:a="http://schemas.openxmlformats.org/drawingml/2006/main" xmlns:r="http://schemas.openxmlformats.org/officeDocument/2006/relationships" xmlns:p="http://schemas.openxmlformats.org/presentationml/2006/main" type="twoObj" preserve="1">
+<p:sldLayout xmlns:a="http://schemas.openxmlformats.org/drawingml/2006/main" xmlns:p="http://schemas.openxmlformats.org/presentationml/2006/main" xmlns:r="http://schemas.openxmlformats.org/officeDocument/2006/relationships" xmlns:p14="http://schemas.microsoft.com/office/powerpoint/2010/main" xmlns:p15="http://schemas.microsoft.com/office/powerpoint/2012/main" xmlns:mc="http://schemas.openxmlformats.org/markup-compatibility/2006" type="twoObj" preserve="1">
   <p:cSld name="Title, 2 Content">
     <p:spTree>
       <p:nvGrpSpPr>
@@ -913,11 +827,12 @@
           </a:prstGeom>
         </p:spPr>
         <p:txBody>
-          <a:bodyPr lIns="0" tIns="0" rIns="0" bIns="0" anchor="ctr"/>
-          <a:lstStyle/>
-          <a:p>
-            <a:pPr algn="ctr"/>
-            <a:endParaRPr lang="en-US" sz="4400" b="0" strike="noStrike" spc="-1">
+          <a:bodyPr lIns="0" rIns="0" tIns="0" bIns="0" anchor="ctr"/>
+          <a:p>
+            <a:endParaRPr b="0" lang="de-DE" sz="1800" spc="-1" strike="noStrike">
+              <a:solidFill>
+                <a:srgbClr val="000000"/>
+              </a:solidFill>
               <a:latin typeface="Arial"/>
             </a:endParaRPr>
           </a:p>
@@ -943,12 +858,14 @@
           </a:prstGeom>
         </p:spPr>
         <p:txBody>
-          <a:bodyPr lIns="0" tIns="0" rIns="0" bIns="0">
+          <a:bodyPr lIns="0" rIns="0" tIns="0" bIns="0">
             <a:normAutofit/>
           </a:bodyPr>
-          <a:lstStyle/>
-          <a:p>
-            <a:endParaRPr lang="en-US" sz="3200" b="0" strike="noStrike" spc="-1">
+          <a:p>
+            <a:endParaRPr b="0" lang="de-DE" sz="2800" spc="-1" strike="noStrike">
+              <a:solidFill>
+                <a:srgbClr val="000000"/>
+              </a:solidFill>
               <a:latin typeface="Arial"/>
             </a:endParaRPr>
           </a:p>
@@ -974,12 +891,14 @@
           </a:prstGeom>
         </p:spPr>
         <p:txBody>
-          <a:bodyPr lIns="0" tIns="0" rIns="0" bIns="0">
+          <a:bodyPr lIns="0" rIns="0" tIns="0" bIns="0">
             <a:normAutofit/>
           </a:bodyPr>
-          <a:lstStyle/>
-          <a:p>
-            <a:endParaRPr lang="en-US" sz="3200" b="0" strike="noStrike" spc="-1">
+          <a:p>
+            <a:endParaRPr b="0" lang="de-DE" sz="2800" spc="-1" strike="noStrike">
+              <a:solidFill>
+                <a:srgbClr val="000000"/>
+              </a:solidFill>
               <a:latin typeface="Arial"/>
             </a:endParaRPr>
           </a:p>
@@ -987,14 +906,11 @@
       </p:sp>
     </p:spTree>
   </p:cSld>
-  <p:clrMapOvr>
-    <a:masterClrMapping/>
-  </p:clrMapOvr>
 </p:sldLayout>
 </file>
 
 <file path=ppt/slideLayouts/slideLayout17.xml><?xml version="1.0" encoding="utf-8"?>
-<p:sldLayout xmlns:a="http://schemas.openxmlformats.org/drawingml/2006/main" xmlns:r="http://schemas.openxmlformats.org/officeDocument/2006/relationships" xmlns:p="http://schemas.openxmlformats.org/presentationml/2006/main" type="titleOnly" preserve="1">
+<p:sldLayout xmlns:a="http://schemas.openxmlformats.org/drawingml/2006/main" xmlns:p="http://schemas.openxmlformats.org/presentationml/2006/main" xmlns:r="http://schemas.openxmlformats.org/officeDocument/2006/relationships" xmlns:p14="http://schemas.microsoft.com/office/powerpoint/2010/main" xmlns:p15="http://schemas.microsoft.com/office/powerpoint/2012/main" xmlns:mc="http://schemas.openxmlformats.org/markup-compatibility/2006" type="titleOnly" preserve="1">
   <p:cSld name="Title Only">
     <p:spTree>
       <p:nvGrpSpPr>
@@ -1030,11 +946,12 @@
           </a:prstGeom>
         </p:spPr>
         <p:txBody>
-          <a:bodyPr lIns="0" tIns="0" rIns="0" bIns="0" anchor="ctr"/>
-          <a:lstStyle/>
-          <a:p>
-            <a:pPr algn="ctr"/>
-            <a:endParaRPr lang="en-US" sz="4400" b="0" strike="noStrike" spc="-1">
+          <a:bodyPr lIns="0" rIns="0" tIns="0" bIns="0" anchor="ctr"/>
+          <a:p>
+            <a:endParaRPr b="0" lang="de-DE" sz="1800" spc="-1" strike="noStrike">
+              <a:solidFill>
+                <a:srgbClr val="000000"/>
+              </a:solidFill>
               <a:latin typeface="Arial"/>
             </a:endParaRPr>
           </a:p>
@@ -1042,14 +959,11 @@
       </p:sp>
     </p:spTree>
   </p:cSld>
-  <p:clrMapOvr>
-    <a:masterClrMapping/>
-  </p:clrMapOvr>
 </p:sldLayout>
 </file>
 
 <file path=ppt/slideLayouts/slideLayout18.xml><?xml version="1.0" encoding="utf-8"?>
-<p:sldLayout xmlns:a="http://schemas.openxmlformats.org/drawingml/2006/main" xmlns:r="http://schemas.openxmlformats.org/officeDocument/2006/relationships" xmlns:p="http://schemas.openxmlformats.org/presentationml/2006/main" type="objOnly" preserve="1">
+<p:sldLayout xmlns:a="http://schemas.openxmlformats.org/drawingml/2006/main" xmlns:p="http://schemas.openxmlformats.org/presentationml/2006/main" xmlns:r="http://schemas.openxmlformats.org/officeDocument/2006/relationships" xmlns:p14="http://schemas.microsoft.com/office/powerpoint/2010/main" xmlns:p15="http://schemas.microsoft.com/office/powerpoint/2012/main" xmlns:mc="http://schemas.openxmlformats.org/markup-compatibility/2006" type="objOnly" preserve="1">
   <p:cSld name="Centered Text">
     <p:spTree>
       <p:nvGrpSpPr>
@@ -1085,11 +999,10 @@
           </a:prstGeom>
         </p:spPr>
         <p:txBody>
-          <a:bodyPr lIns="0" tIns="0" rIns="0" bIns="0" anchor="ctr"/>
-          <a:lstStyle/>
+          <a:bodyPr lIns="0" rIns="0" tIns="0" bIns="0" anchor="ctr"/>
           <a:p>
             <a:pPr algn="ctr"/>
-            <a:endParaRPr lang="en-US" sz="3200" b="0" strike="noStrike" spc="-1">
+            <a:endParaRPr b="0" lang="en-US" sz="3200" spc="-1" strike="noStrike">
               <a:latin typeface="Arial"/>
             </a:endParaRPr>
           </a:p>
@@ -1097,14 +1010,11 @@
       </p:sp>
     </p:spTree>
   </p:cSld>
-  <p:clrMapOvr>
-    <a:masterClrMapping/>
-  </p:clrMapOvr>
 </p:sldLayout>
 </file>
 
 <file path=ppt/slideLayouts/slideLayout19.xml><?xml version="1.0" encoding="utf-8"?>
-<p:sldLayout xmlns:a="http://schemas.openxmlformats.org/drawingml/2006/main" xmlns:r="http://schemas.openxmlformats.org/officeDocument/2006/relationships" xmlns:p="http://schemas.openxmlformats.org/presentationml/2006/main" type="twoObjAndObj" preserve="1">
+<p:sldLayout xmlns:a="http://schemas.openxmlformats.org/drawingml/2006/main" xmlns:p="http://schemas.openxmlformats.org/presentationml/2006/main" xmlns:r="http://schemas.openxmlformats.org/officeDocument/2006/relationships" xmlns:p14="http://schemas.microsoft.com/office/powerpoint/2010/main" xmlns:p15="http://schemas.microsoft.com/office/powerpoint/2012/main" xmlns:mc="http://schemas.openxmlformats.org/markup-compatibility/2006" type="twoObjAndObj" preserve="1">
   <p:cSld name="Title, 2 Content and Content">
     <p:spTree>
       <p:nvGrpSpPr>
@@ -1140,11 +1050,12 @@
           </a:prstGeom>
         </p:spPr>
         <p:txBody>
-          <a:bodyPr lIns="0" tIns="0" rIns="0" bIns="0" anchor="ctr"/>
-          <a:lstStyle/>
-          <a:p>
-            <a:pPr algn="ctr"/>
-            <a:endParaRPr lang="en-US" sz="4400" b="0" strike="noStrike" spc="-1">
+          <a:bodyPr lIns="0" rIns="0" tIns="0" bIns="0" anchor="ctr"/>
+          <a:p>
+            <a:endParaRPr b="0" lang="de-DE" sz="1800" spc="-1" strike="noStrike">
+              <a:solidFill>
+                <a:srgbClr val="000000"/>
+              </a:solidFill>
               <a:latin typeface="Arial"/>
             </a:endParaRPr>
           </a:p>
@@ -1170,12 +1081,14 @@
           </a:prstGeom>
         </p:spPr>
         <p:txBody>
-          <a:bodyPr lIns="0" tIns="0" rIns="0" bIns="0">
+          <a:bodyPr lIns="0" rIns="0" tIns="0" bIns="0">
             <a:normAutofit/>
           </a:bodyPr>
-          <a:lstStyle/>
-          <a:p>
-            <a:endParaRPr lang="en-US" sz="3200" b="0" strike="noStrike" spc="-1">
+          <a:p>
+            <a:endParaRPr b="0" lang="de-DE" sz="2800" spc="-1" strike="noStrike">
+              <a:solidFill>
+                <a:srgbClr val="000000"/>
+              </a:solidFill>
               <a:latin typeface="Arial"/>
             </a:endParaRPr>
           </a:p>
@@ -1201,12 +1114,14 @@
           </a:prstGeom>
         </p:spPr>
         <p:txBody>
-          <a:bodyPr lIns="0" tIns="0" rIns="0" bIns="0">
+          <a:bodyPr lIns="0" rIns="0" tIns="0" bIns="0">
             <a:normAutofit/>
           </a:bodyPr>
-          <a:lstStyle/>
-          <a:p>
-            <a:endParaRPr lang="en-US" sz="3200" b="0" strike="noStrike" spc="-1">
+          <a:p>
+            <a:endParaRPr b="0" lang="de-DE" sz="2800" spc="-1" strike="noStrike">
+              <a:solidFill>
+                <a:srgbClr val="000000"/>
+              </a:solidFill>
               <a:latin typeface="Arial"/>
             </a:endParaRPr>
           </a:p>
@@ -1232,12 +1147,14 @@
           </a:prstGeom>
         </p:spPr>
         <p:txBody>
-          <a:bodyPr lIns="0" tIns="0" rIns="0" bIns="0">
+          <a:bodyPr lIns="0" rIns="0" tIns="0" bIns="0">
             <a:normAutofit/>
           </a:bodyPr>
-          <a:lstStyle/>
-          <a:p>
-            <a:endParaRPr lang="en-US" sz="3200" b="0" strike="noStrike" spc="-1">
+          <a:p>
+            <a:endParaRPr b="0" lang="de-DE" sz="2800" spc="-1" strike="noStrike">
+              <a:solidFill>
+                <a:srgbClr val="000000"/>
+              </a:solidFill>
               <a:latin typeface="Arial"/>
             </a:endParaRPr>
           </a:p>
@@ -1245,14 +1162,11 @@
       </p:sp>
     </p:spTree>
   </p:cSld>
-  <p:clrMapOvr>
-    <a:masterClrMapping/>
-  </p:clrMapOvr>
 </p:sldLayout>
 </file>
 
 <file path=ppt/slideLayouts/slideLayout2.xml><?xml version="1.0" encoding="utf-8"?>
-<p:sldLayout xmlns:a="http://schemas.openxmlformats.org/drawingml/2006/main" xmlns:r="http://schemas.openxmlformats.org/officeDocument/2006/relationships" xmlns:p="http://schemas.openxmlformats.org/presentationml/2006/main" type="tx" preserve="1">
+<p:sldLayout xmlns:a="http://schemas.openxmlformats.org/drawingml/2006/main" xmlns:p="http://schemas.openxmlformats.org/presentationml/2006/main" xmlns:r="http://schemas.openxmlformats.org/officeDocument/2006/relationships" xmlns:p14="http://schemas.microsoft.com/office/powerpoint/2010/main" xmlns:p15="http://schemas.microsoft.com/office/powerpoint/2012/main" xmlns:mc="http://schemas.openxmlformats.org/markup-compatibility/2006" type="tx" preserve="1">
   <p:cSld name="Title Slide">
     <p:spTree>
       <p:nvGrpSpPr>
@@ -1288,11 +1202,12 @@
           </a:prstGeom>
         </p:spPr>
         <p:txBody>
-          <a:bodyPr lIns="0" tIns="0" rIns="0" bIns="0" anchor="ctr"/>
-          <a:lstStyle/>
-          <a:p>
-            <a:pPr algn="ctr"/>
-            <a:endParaRPr lang="en-US" sz="4400" b="0" strike="noStrike" spc="-1">
+          <a:bodyPr lIns="0" rIns="0" tIns="0" bIns="0" anchor="ctr"/>
+          <a:p>
+            <a:endParaRPr b="0" lang="de-DE" sz="1800" spc="-1" strike="noStrike">
+              <a:solidFill>
+                <a:srgbClr val="000000"/>
+              </a:solidFill>
               <a:latin typeface="Arial"/>
             </a:endParaRPr>
           </a:p>
@@ -1318,11 +1233,10 @@
           </a:prstGeom>
         </p:spPr>
         <p:txBody>
-          <a:bodyPr lIns="0" tIns="0" rIns="0" bIns="0" anchor="ctr"/>
-          <a:lstStyle/>
+          <a:bodyPr lIns="0" rIns="0" tIns="0" bIns="0" anchor="ctr"/>
           <a:p>
             <a:pPr algn="ctr"/>
-            <a:endParaRPr lang="en-US" sz="3200" b="0" strike="noStrike" spc="-1">
+            <a:endParaRPr b="0" lang="en-US" sz="3200" spc="-1" strike="noStrike">
               <a:latin typeface="Arial"/>
             </a:endParaRPr>
           </a:p>
@@ -1330,14 +1244,11 @@
       </p:sp>
     </p:spTree>
   </p:cSld>
-  <p:clrMapOvr>
-    <a:masterClrMapping/>
-  </p:clrMapOvr>
 </p:sldLayout>
 </file>
 
 <file path=ppt/slideLayouts/slideLayout20.xml><?xml version="1.0" encoding="utf-8"?>
-<p:sldLayout xmlns:a="http://schemas.openxmlformats.org/drawingml/2006/main" xmlns:r="http://schemas.openxmlformats.org/officeDocument/2006/relationships" xmlns:p="http://schemas.openxmlformats.org/presentationml/2006/main" type="objAndTwoObj" preserve="1">
+<p:sldLayout xmlns:a="http://schemas.openxmlformats.org/drawingml/2006/main" xmlns:p="http://schemas.openxmlformats.org/presentationml/2006/main" xmlns:r="http://schemas.openxmlformats.org/officeDocument/2006/relationships" xmlns:p14="http://schemas.microsoft.com/office/powerpoint/2010/main" xmlns:p15="http://schemas.microsoft.com/office/powerpoint/2012/main" xmlns:mc="http://schemas.openxmlformats.org/markup-compatibility/2006" type="objAndTwoObj" preserve="1">
   <p:cSld name="Title Content and 2 Content">
     <p:spTree>
       <p:nvGrpSpPr>
@@ -1373,11 +1284,12 @@
           </a:prstGeom>
         </p:spPr>
         <p:txBody>
-          <a:bodyPr lIns="0" tIns="0" rIns="0" bIns="0" anchor="ctr"/>
-          <a:lstStyle/>
-          <a:p>
-            <a:pPr algn="ctr"/>
-            <a:endParaRPr lang="en-US" sz="4400" b="0" strike="noStrike" spc="-1">
+          <a:bodyPr lIns="0" rIns="0" tIns="0" bIns="0" anchor="ctr"/>
+          <a:p>
+            <a:endParaRPr b="0" lang="de-DE" sz="1800" spc="-1" strike="noStrike">
+              <a:solidFill>
+                <a:srgbClr val="000000"/>
+              </a:solidFill>
               <a:latin typeface="Arial"/>
             </a:endParaRPr>
           </a:p>
@@ -1403,12 +1315,14 @@
           </a:prstGeom>
         </p:spPr>
         <p:txBody>
-          <a:bodyPr lIns="0" tIns="0" rIns="0" bIns="0">
+          <a:bodyPr lIns="0" rIns="0" tIns="0" bIns="0">
             <a:normAutofit/>
           </a:bodyPr>
-          <a:lstStyle/>
-          <a:p>
-            <a:endParaRPr lang="en-US" sz="3200" b="0" strike="noStrike" spc="-1">
+          <a:p>
+            <a:endParaRPr b="0" lang="de-DE" sz="2800" spc="-1" strike="noStrike">
+              <a:solidFill>
+                <a:srgbClr val="000000"/>
+              </a:solidFill>
               <a:latin typeface="Arial"/>
             </a:endParaRPr>
           </a:p>
@@ -1434,12 +1348,14 @@
           </a:prstGeom>
         </p:spPr>
         <p:txBody>
-          <a:bodyPr lIns="0" tIns="0" rIns="0" bIns="0">
+          <a:bodyPr lIns="0" rIns="0" tIns="0" bIns="0">
             <a:normAutofit/>
           </a:bodyPr>
-          <a:lstStyle/>
-          <a:p>
-            <a:endParaRPr lang="en-US" sz="3200" b="0" strike="noStrike" spc="-1">
+          <a:p>
+            <a:endParaRPr b="0" lang="de-DE" sz="2800" spc="-1" strike="noStrike">
+              <a:solidFill>
+                <a:srgbClr val="000000"/>
+              </a:solidFill>
               <a:latin typeface="Arial"/>
             </a:endParaRPr>
           </a:p>
@@ -1465,12 +1381,14 @@
           </a:prstGeom>
         </p:spPr>
         <p:txBody>
-          <a:bodyPr lIns="0" tIns="0" rIns="0" bIns="0">
+          <a:bodyPr lIns="0" rIns="0" tIns="0" bIns="0">
             <a:normAutofit/>
           </a:bodyPr>
-          <a:lstStyle/>
-          <a:p>
-            <a:endParaRPr lang="en-US" sz="3200" b="0" strike="noStrike" spc="-1">
+          <a:p>
+            <a:endParaRPr b="0" lang="de-DE" sz="2800" spc="-1" strike="noStrike">
+              <a:solidFill>
+                <a:srgbClr val="000000"/>
+              </a:solidFill>
               <a:latin typeface="Arial"/>
             </a:endParaRPr>
           </a:p>
@@ -1478,14 +1396,11 @@
       </p:sp>
     </p:spTree>
   </p:cSld>
-  <p:clrMapOvr>
-    <a:masterClrMapping/>
-  </p:clrMapOvr>
 </p:sldLayout>
 </file>
 
 <file path=ppt/slideLayouts/slideLayout21.xml><?xml version="1.0" encoding="utf-8"?>
-<p:sldLayout xmlns:a="http://schemas.openxmlformats.org/drawingml/2006/main" xmlns:r="http://schemas.openxmlformats.org/officeDocument/2006/relationships" xmlns:p="http://schemas.openxmlformats.org/presentationml/2006/main" type="twoObjOverTx" preserve="1">
+<p:sldLayout xmlns:a="http://schemas.openxmlformats.org/drawingml/2006/main" xmlns:p="http://schemas.openxmlformats.org/presentationml/2006/main" xmlns:r="http://schemas.openxmlformats.org/officeDocument/2006/relationships" xmlns:p14="http://schemas.microsoft.com/office/powerpoint/2010/main" xmlns:p15="http://schemas.microsoft.com/office/powerpoint/2012/main" xmlns:mc="http://schemas.openxmlformats.org/markup-compatibility/2006" type="twoObjOverTx" preserve="1">
   <p:cSld name="Title, 2 Content over Content">
     <p:spTree>
       <p:nvGrpSpPr>
@@ -1521,11 +1436,12 @@
           </a:prstGeom>
         </p:spPr>
         <p:txBody>
-          <a:bodyPr lIns="0" tIns="0" rIns="0" bIns="0" anchor="ctr"/>
-          <a:lstStyle/>
-          <a:p>
-            <a:pPr algn="ctr"/>
-            <a:endParaRPr lang="en-US" sz="4400" b="0" strike="noStrike" spc="-1">
+          <a:bodyPr lIns="0" rIns="0" tIns="0" bIns="0" anchor="ctr"/>
+          <a:p>
+            <a:endParaRPr b="0" lang="de-DE" sz="1800" spc="-1" strike="noStrike">
+              <a:solidFill>
+                <a:srgbClr val="000000"/>
+              </a:solidFill>
               <a:latin typeface="Arial"/>
             </a:endParaRPr>
           </a:p>
@@ -1551,12 +1467,14 @@
           </a:prstGeom>
         </p:spPr>
         <p:txBody>
-          <a:bodyPr lIns="0" tIns="0" rIns="0" bIns="0">
+          <a:bodyPr lIns="0" rIns="0" tIns="0" bIns="0">
             <a:normAutofit/>
           </a:bodyPr>
-          <a:lstStyle/>
-          <a:p>
-            <a:endParaRPr lang="en-US" sz="3200" b="0" strike="noStrike" spc="-1">
+          <a:p>
+            <a:endParaRPr b="0" lang="de-DE" sz="2800" spc="-1" strike="noStrike">
+              <a:solidFill>
+                <a:srgbClr val="000000"/>
+              </a:solidFill>
               <a:latin typeface="Arial"/>
             </a:endParaRPr>
           </a:p>
@@ -1582,12 +1500,14 @@
           </a:prstGeom>
         </p:spPr>
         <p:txBody>
-          <a:bodyPr lIns="0" tIns="0" rIns="0" bIns="0">
+          <a:bodyPr lIns="0" rIns="0" tIns="0" bIns="0">
             <a:normAutofit/>
           </a:bodyPr>
-          <a:lstStyle/>
-          <a:p>
-            <a:endParaRPr lang="en-US" sz="3200" b="0" strike="noStrike" spc="-1">
+          <a:p>
+            <a:endParaRPr b="0" lang="de-DE" sz="2800" spc="-1" strike="noStrike">
+              <a:solidFill>
+                <a:srgbClr val="000000"/>
+              </a:solidFill>
               <a:latin typeface="Arial"/>
             </a:endParaRPr>
           </a:p>
@@ -1613,12 +1533,14 @@
           </a:prstGeom>
         </p:spPr>
         <p:txBody>
-          <a:bodyPr lIns="0" tIns="0" rIns="0" bIns="0">
+          <a:bodyPr lIns="0" rIns="0" tIns="0" bIns="0">
             <a:normAutofit/>
           </a:bodyPr>
-          <a:lstStyle/>
-          <a:p>
-            <a:endParaRPr lang="en-US" sz="3200" b="0" strike="noStrike" spc="-1">
+          <a:p>
+            <a:endParaRPr b="0" lang="de-DE" sz="2800" spc="-1" strike="noStrike">
+              <a:solidFill>
+                <a:srgbClr val="000000"/>
+              </a:solidFill>
               <a:latin typeface="Arial"/>
             </a:endParaRPr>
           </a:p>
@@ -1626,14 +1548,11 @@
       </p:sp>
     </p:spTree>
   </p:cSld>
-  <p:clrMapOvr>
-    <a:masterClrMapping/>
-  </p:clrMapOvr>
 </p:sldLayout>
 </file>
 
 <file path=ppt/slideLayouts/slideLayout22.xml><?xml version="1.0" encoding="utf-8"?>
-<p:sldLayout xmlns:a="http://schemas.openxmlformats.org/drawingml/2006/main" xmlns:r="http://schemas.openxmlformats.org/officeDocument/2006/relationships" xmlns:p="http://schemas.openxmlformats.org/presentationml/2006/main" type="objOverTx" preserve="1">
+<p:sldLayout xmlns:a="http://schemas.openxmlformats.org/drawingml/2006/main" xmlns:p="http://schemas.openxmlformats.org/presentationml/2006/main" xmlns:r="http://schemas.openxmlformats.org/officeDocument/2006/relationships" xmlns:p14="http://schemas.microsoft.com/office/powerpoint/2010/main" xmlns:p15="http://schemas.microsoft.com/office/powerpoint/2012/main" xmlns:mc="http://schemas.openxmlformats.org/markup-compatibility/2006" type="objOverTx" preserve="1">
   <p:cSld name="Title, Content over Content">
     <p:spTree>
       <p:nvGrpSpPr>
@@ -1669,11 +1588,12 @@
           </a:prstGeom>
         </p:spPr>
         <p:txBody>
-          <a:bodyPr lIns="0" tIns="0" rIns="0" bIns="0" anchor="ctr"/>
-          <a:lstStyle/>
-          <a:p>
-            <a:pPr algn="ctr"/>
-            <a:endParaRPr lang="en-US" sz="4400" b="0" strike="noStrike" spc="-1">
+          <a:bodyPr lIns="0" rIns="0" tIns="0" bIns="0" anchor="ctr"/>
+          <a:p>
+            <a:endParaRPr b="0" lang="de-DE" sz="1800" spc="-1" strike="noStrike">
+              <a:solidFill>
+                <a:srgbClr val="000000"/>
+              </a:solidFill>
               <a:latin typeface="Arial"/>
             </a:endParaRPr>
           </a:p>
@@ -1699,12 +1619,14 @@
           </a:prstGeom>
         </p:spPr>
         <p:txBody>
-          <a:bodyPr lIns="0" tIns="0" rIns="0" bIns="0">
+          <a:bodyPr lIns="0" rIns="0" tIns="0" bIns="0">
             <a:normAutofit/>
           </a:bodyPr>
-          <a:lstStyle/>
-          <a:p>
-            <a:endParaRPr lang="en-US" sz="3200" b="0" strike="noStrike" spc="-1">
+          <a:p>
+            <a:endParaRPr b="0" lang="de-DE" sz="2800" spc="-1" strike="noStrike">
+              <a:solidFill>
+                <a:srgbClr val="000000"/>
+              </a:solidFill>
               <a:latin typeface="Arial"/>
             </a:endParaRPr>
           </a:p>
@@ -1730,12 +1652,14 @@
           </a:prstGeom>
         </p:spPr>
         <p:txBody>
-          <a:bodyPr lIns="0" tIns="0" rIns="0" bIns="0">
+          <a:bodyPr lIns="0" rIns="0" tIns="0" bIns="0">
             <a:normAutofit/>
           </a:bodyPr>
-          <a:lstStyle/>
-          <a:p>
-            <a:endParaRPr lang="en-US" sz="3200" b="0" strike="noStrike" spc="-1">
+          <a:p>
+            <a:endParaRPr b="0" lang="de-DE" sz="2800" spc="-1" strike="noStrike">
+              <a:solidFill>
+                <a:srgbClr val="000000"/>
+              </a:solidFill>
               <a:latin typeface="Arial"/>
             </a:endParaRPr>
           </a:p>
@@ -1743,14 +1667,11 @@
       </p:sp>
     </p:spTree>
   </p:cSld>
-  <p:clrMapOvr>
-    <a:masterClrMapping/>
-  </p:clrMapOvr>
 </p:sldLayout>
 </file>
 
 <file path=ppt/slideLayouts/slideLayout23.xml><?xml version="1.0" encoding="utf-8"?>
-<p:sldLayout xmlns:a="http://schemas.openxmlformats.org/drawingml/2006/main" xmlns:r="http://schemas.openxmlformats.org/officeDocument/2006/relationships" xmlns:p="http://schemas.openxmlformats.org/presentationml/2006/main" type="fourObj" preserve="1">
+<p:sldLayout xmlns:a="http://schemas.openxmlformats.org/drawingml/2006/main" xmlns:p="http://schemas.openxmlformats.org/presentationml/2006/main" xmlns:r="http://schemas.openxmlformats.org/officeDocument/2006/relationships" xmlns:p14="http://schemas.microsoft.com/office/powerpoint/2010/main" xmlns:p15="http://schemas.microsoft.com/office/powerpoint/2012/main" xmlns:mc="http://schemas.openxmlformats.org/markup-compatibility/2006" type="fourObj" preserve="1">
   <p:cSld name="Title, 4 Content">
     <p:spTree>
       <p:nvGrpSpPr>
@@ -1786,11 +1707,12 @@
           </a:prstGeom>
         </p:spPr>
         <p:txBody>
-          <a:bodyPr lIns="0" tIns="0" rIns="0" bIns="0" anchor="ctr"/>
-          <a:lstStyle/>
-          <a:p>
-            <a:pPr algn="ctr"/>
-            <a:endParaRPr lang="en-US" sz="4400" b="0" strike="noStrike" spc="-1">
+          <a:bodyPr lIns="0" rIns="0" tIns="0" bIns="0" anchor="ctr"/>
+          <a:p>
+            <a:endParaRPr b="0" lang="de-DE" sz="1800" spc="-1" strike="noStrike">
+              <a:solidFill>
+                <a:srgbClr val="000000"/>
+              </a:solidFill>
               <a:latin typeface="Arial"/>
             </a:endParaRPr>
           </a:p>
@@ -1816,12 +1738,14 @@
           </a:prstGeom>
         </p:spPr>
         <p:txBody>
-          <a:bodyPr lIns="0" tIns="0" rIns="0" bIns="0">
+          <a:bodyPr lIns="0" rIns="0" tIns="0" bIns="0">
             <a:normAutofit/>
           </a:bodyPr>
-          <a:lstStyle/>
-          <a:p>
-            <a:endParaRPr lang="en-US" sz="3200" b="0" strike="noStrike" spc="-1">
+          <a:p>
+            <a:endParaRPr b="0" lang="de-DE" sz="2800" spc="-1" strike="noStrike">
+              <a:solidFill>
+                <a:srgbClr val="000000"/>
+              </a:solidFill>
               <a:latin typeface="Arial"/>
             </a:endParaRPr>
           </a:p>
@@ -1847,12 +1771,14 @@
           </a:prstGeom>
         </p:spPr>
         <p:txBody>
-          <a:bodyPr lIns="0" tIns="0" rIns="0" bIns="0">
+          <a:bodyPr lIns="0" rIns="0" tIns="0" bIns="0">
             <a:normAutofit/>
           </a:bodyPr>
-          <a:lstStyle/>
-          <a:p>
-            <a:endParaRPr lang="en-US" sz="3200" b="0" strike="noStrike" spc="-1">
+          <a:p>
+            <a:endParaRPr b="0" lang="de-DE" sz="2800" spc="-1" strike="noStrike">
+              <a:solidFill>
+                <a:srgbClr val="000000"/>
+              </a:solidFill>
               <a:latin typeface="Arial"/>
             </a:endParaRPr>
           </a:p>
@@ -1878,12 +1804,14 @@
           </a:prstGeom>
         </p:spPr>
         <p:txBody>
-          <a:bodyPr lIns="0" tIns="0" rIns="0" bIns="0">
+          <a:bodyPr lIns="0" rIns="0" tIns="0" bIns="0">
             <a:normAutofit/>
           </a:bodyPr>
-          <a:lstStyle/>
-          <a:p>
-            <a:endParaRPr lang="en-US" sz="3200" b="0" strike="noStrike" spc="-1">
+          <a:p>
+            <a:endParaRPr b="0" lang="de-DE" sz="2800" spc="-1" strike="noStrike">
+              <a:solidFill>
+                <a:srgbClr val="000000"/>
+              </a:solidFill>
               <a:latin typeface="Arial"/>
             </a:endParaRPr>
           </a:p>
@@ -1909,12 +1837,14 @@
           </a:prstGeom>
         </p:spPr>
         <p:txBody>
-          <a:bodyPr lIns="0" tIns="0" rIns="0" bIns="0">
+          <a:bodyPr lIns="0" rIns="0" tIns="0" bIns="0">
             <a:normAutofit/>
           </a:bodyPr>
-          <a:lstStyle/>
-          <a:p>
-            <a:endParaRPr lang="en-US" sz="3200" b="0" strike="noStrike" spc="-1">
+          <a:p>
+            <a:endParaRPr b="0" lang="de-DE" sz="2800" spc="-1" strike="noStrike">
+              <a:solidFill>
+                <a:srgbClr val="000000"/>
+              </a:solidFill>
               <a:latin typeface="Arial"/>
             </a:endParaRPr>
           </a:p>
@@ -1922,14 +1852,11 @@
       </p:sp>
     </p:spTree>
   </p:cSld>
-  <p:clrMapOvr>
-    <a:masterClrMapping/>
-  </p:clrMapOvr>
 </p:sldLayout>
 </file>
 
 <file path=ppt/slideLayouts/slideLayout24.xml><?xml version="1.0" encoding="utf-8"?>
-<p:sldLayout xmlns:a="http://schemas.openxmlformats.org/drawingml/2006/main" xmlns:r="http://schemas.openxmlformats.org/officeDocument/2006/relationships" xmlns:p="http://schemas.openxmlformats.org/presentationml/2006/main" type="blank" preserve="1">
+<p:sldLayout xmlns:a="http://schemas.openxmlformats.org/drawingml/2006/main" xmlns:p="http://schemas.openxmlformats.org/presentationml/2006/main" xmlns:r="http://schemas.openxmlformats.org/officeDocument/2006/relationships" xmlns:p14="http://schemas.microsoft.com/office/powerpoint/2010/main" xmlns:p15="http://schemas.microsoft.com/office/powerpoint/2012/main" xmlns:mc="http://schemas.openxmlformats.org/markup-compatibility/2006" type="blank" preserve="1">
   <p:cSld name="Title, 6 Content">
     <p:spTree>
       <p:nvGrpSpPr>
@@ -1965,11 +1892,12 @@
           </a:prstGeom>
         </p:spPr>
         <p:txBody>
-          <a:bodyPr lIns="0" tIns="0" rIns="0" bIns="0" anchor="ctr"/>
-          <a:lstStyle/>
-          <a:p>
-            <a:pPr algn="ctr"/>
-            <a:endParaRPr lang="en-US" sz="4400" b="0" strike="noStrike" spc="-1">
+          <a:bodyPr lIns="0" rIns="0" tIns="0" bIns="0" anchor="ctr"/>
+          <a:p>
+            <a:endParaRPr b="0" lang="de-DE" sz="1800" spc="-1" strike="noStrike">
+              <a:solidFill>
+                <a:srgbClr val="000000"/>
+              </a:solidFill>
               <a:latin typeface="Arial"/>
             </a:endParaRPr>
           </a:p>
@@ -1995,12 +1923,14 @@
           </a:prstGeom>
         </p:spPr>
         <p:txBody>
-          <a:bodyPr lIns="0" tIns="0" rIns="0" bIns="0">
+          <a:bodyPr lIns="0" rIns="0" tIns="0" bIns="0">
             <a:normAutofit/>
           </a:bodyPr>
-          <a:lstStyle/>
-          <a:p>
-            <a:endParaRPr lang="en-US" sz="3200" b="0" strike="noStrike" spc="-1">
+          <a:p>
+            <a:endParaRPr b="0" lang="de-DE" sz="2800" spc="-1" strike="noStrike">
+              <a:solidFill>
+                <a:srgbClr val="000000"/>
+              </a:solidFill>
               <a:latin typeface="Arial"/>
             </a:endParaRPr>
           </a:p>
@@ -2026,12 +1956,14 @@
           </a:prstGeom>
         </p:spPr>
         <p:txBody>
-          <a:bodyPr lIns="0" tIns="0" rIns="0" bIns="0">
+          <a:bodyPr lIns="0" rIns="0" tIns="0" bIns="0">
             <a:normAutofit/>
           </a:bodyPr>
-          <a:lstStyle/>
-          <a:p>
-            <a:endParaRPr lang="en-US" sz="3200" b="0" strike="noStrike" spc="-1">
+          <a:p>
+            <a:endParaRPr b="0" lang="de-DE" sz="2800" spc="-1" strike="noStrike">
+              <a:solidFill>
+                <a:srgbClr val="000000"/>
+              </a:solidFill>
               <a:latin typeface="Arial"/>
             </a:endParaRPr>
           </a:p>
@@ -2057,12 +1989,14 @@
           </a:prstGeom>
         </p:spPr>
         <p:txBody>
-          <a:bodyPr lIns="0" tIns="0" rIns="0" bIns="0">
+          <a:bodyPr lIns="0" rIns="0" tIns="0" bIns="0">
             <a:normAutofit/>
           </a:bodyPr>
-          <a:lstStyle/>
-          <a:p>
-            <a:endParaRPr lang="en-US" sz="3200" b="0" strike="noStrike" spc="-1">
+          <a:p>
+            <a:endParaRPr b="0" lang="de-DE" sz="2800" spc="-1" strike="noStrike">
+              <a:solidFill>
+                <a:srgbClr val="000000"/>
+              </a:solidFill>
               <a:latin typeface="Arial"/>
             </a:endParaRPr>
           </a:p>
@@ -2088,12 +2022,14 @@
           </a:prstGeom>
         </p:spPr>
         <p:txBody>
-          <a:bodyPr lIns="0" tIns="0" rIns="0" bIns="0">
+          <a:bodyPr lIns="0" rIns="0" tIns="0" bIns="0">
             <a:normAutofit/>
           </a:bodyPr>
-          <a:lstStyle/>
-          <a:p>
-            <a:endParaRPr lang="en-US" sz="3200" b="0" strike="noStrike" spc="-1">
+          <a:p>
+            <a:endParaRPr b="0" lang="de-DE" sz="2800" spc="-1" strike="noStrike">
+              <a:solidFill>
+                <a:srgbClr val="000000"/>
+              </a:solidFill>
               <a:latin typeface="Arial"/>
             </a:endParaRPr>
           </a:p>
@@ -2119,12 +2055,14 @@
           </a:prstGeom>
         </p:spPr>
         <p:txBody>
-          <a:bodyPr lIns="0" tIns="0" rIns="0" bIns="0">
+          <a:bodyPr lIns="0" rIns="0" tIns="0" bIns="0">
             <a:normAutofit/>
           </a:bodyPr>
-          <a:lstStyle/>
-          <a:p>
-            <a:endParaRPr lang="en-US" sz="3200" b="0" strike="noStrike" spc="-1">
+          <a:p>
+            <a:endParaRPr b="0" lang="de-DE" sz="2800" spc="-1" strike="noStrike">
+              <a:solidFill>
+                <a:srgbClr val="000000"/>
+              </a:solidFill>
               <a:latin typeface="Arial"/>
             </a:endParaRPr>
           </a:p>
@@ -2150,12 +2088,14 @@
           </a:prstGeom>
         </p:spPr>
         <p:txBody>
-          <a:bodyPr lIns="0" tIns="0" rIns="0" bIns="0">
+          <a:bodyPr lIns="0" rIns="0" tIns="0" bIns="0">
             <a:normAutofit/>
           </a:bodyPr>
-          <a:lstStyle/>
-          <a:p>
-            <a:endParaRPr lang="en-US" sz="3200" b="0" strike="noStrike" spc="-1">
+          <a:p>
+            <a:endParaRPr b="0" lang="de-DE" sz="2800" spc="-1" strike="noStrike">
+              <a:solidFill>
+                <a:srgbClr val="000000"/>
+              </a:solidFill>
               <a:latin typeface="Arial"/>
             </a:endParaRPr>
           </a:p>
@@ -2163,14 +2103,11 @@
       </p:sp>
     </p:spTree>
   </p:cSld>
-  <p:clrMapOvr>
-    <a:masterClrMapping/>
-  </p:clrMapOvr>
 </p:sldLayout>
 </file>
 
 <file path=ppt/slideLayouts/slideLayout3.xml><?xml version="1.0" encoding="utf-8"?>
-<p:sldLayout xmlns:a="http://schemas.openxmlformats.org/drawingml/2006/main" xmlns:r="http://schemas.openxmlformats.org/officeDocument/2006/relationships" xmlns:p="http://schemas.openxmlformats.org/presentationml/2006/main" type="obj" preserve="1">
+<p:sldLayout xmlns:a="http://schemas.openxmlformats.org/drawingml/2006/main" xmlns:p="http://schemas.openxmlformats.org/presentationml/2006/main" xmlns:r="http://schemas.openxmlformats.org/officeDocument/2006/relationships" xmlns:p14="http://schemas.microsoft.com/office/powerpoint/2010/main" xmlns:p15="http://schemas.microsoft.com/office/powerpoint/2012/main" xmlns:mc="http://schemas.openxmlformats.org/markup-compatibility/2006" type="obj" preserve="1">
   <p:cSld name="Title, Content">
     <p:spTree>
       <p:nvGrpSpPr>
@@ -2206,11 +2143,12 @@
           </a:prstGeom>
         </p:spPr>
         <p:txBody>
-          <a:bodyPr lIns="0" tIns="0" rIns="0" bIns="0" anchor="ctr"/>
-          <a:lstStyle/>
-          <a:p>
-            <a:pPr algn="ctr"/>
-            <a:endParaRPr lang="en-US" sz="4400" b="0" strike="noStrike" spc="-1">
+          <a:bodyPr lIns="0" rIns="0" tIns="0" bIns="0" anchor="ctr"/>
+          <a:p>
+            <a:endParaRPr b="0" lang="de-DE" sz="1800" spc="-1" strike="noStrike">
+              <a:solidFill>
+                <a:srgbClr val="000000"/>
+              </a:solidFill>
               <a:latin typeface="Arial"/>
             </a:endParaRPr>
           </a:p>
@@ -2236,12 +2174,14 @@
           </a:prstGeom>
         </p:spPr>
         <p:txBody>
-          <a:bodyPr lIns="0" tIns="0" rIns="0" bIns="0">
+          <a:bodyPr lIns="0" rIns="0" tIns="0" bIns="0">
             <a:normAutofit/>
           </a:bodyPr>
-          <a:lstStyle/>
-          <a:p>
-            <a:endParaRPr lang="en-US" sz="3200" b="0" strike="noStrike" spc="-1">
+          <a:p>
+            <a:endParaRPr b="0" lang="de-DE" sz="2800" spc="-1" strike="noStrike">
+              <a:solidFill>
+                <a:srgbClr val="000000"/>
+              </a:solidFill>
               <a:latin typeface="Arial"/>
             </a:endParaRPr>
           </a:p>
@@ -2249,14 +2189,11 @@
       </p:sp>
     </p:spTree>
   </p:cSld>
-  <p:clrMapOvr>
-    <a:masterClrMapping/>
-  </p:clrMapOvr>
 </p:sldLayout>
 </file>
 
 <file path=ppt/slideLayouts/slideLayout4.xml><?xml version="1.0" encoding="utf-8"?>
-<p:sldLayout xmlns:a="http://schemas.openxmlformats.org/drawingml/2006/main" xmlns:r="http://schemas.openxmlformats.org/officeDocument/2006/relationships" xmlns:p="http://schemas.openxmlformats.org/presentationml/2006/main" type="twoObj" preserve="1">
+<p:sldLayout xmlns:a="http://schemas.openxmlformats.org/drawingml/2006/main" xmlns:p="http://schemas.openxmlformats.org/presentationml/2006/main" xmlns:r="http://schemas.openxmlformats.org/officeDocument/2006/relationships" xmlns:p14="http://schemas.microsoft.com/office/powerpoint/2010/main" xmlns:p15="http://schemas.microsoft.com/office/powerpoint/2012/main" xmlns:mc="http://schemas.openxmlformats.org/markup-compatibility/2006" type="twoObj" preserve="1">
   <p:cSld name="Title, 2 Content">
     <p:spTree>
       <p:nvGrpSpPr>
@@ -2292,11 +2229,12 @@
           </a:prstGeom>
         </p:spPr>
         <p:txBody>
-          <a:bodyPr lIns="0" tIns="0" rIns="0" bIns="0" anchor="ctr"/>
-          <a:lstStyle/>
-          <a:p>
-            <a:pPr algn="ctr"/>
-            <a:endParaRPr lang="en-US" sz="4400" b="0" strike="noStrike" spc="-1">
+          <a:bodyPr lIns="0" rIns="0" tIns="0" bIns="0" anchor="ctr"/>
+          <a:p>
+            <a:endParaRPr b="0" lang="de-DE" sz="1800" spc="-1" strike="noStrike">
+              <a:solidFill>
+                <a:srgbClr val="000000"/>
+              </a:solidFill>
               <a:latin typeface="Arial"/>
             </a:endParaRPr>
           </a:p>
@@ -2322,12 +2260,14 @@
           </a:prstGeom>
         </p:spPr>
         <p:txBody>
-          <a:bodyPr lIns="0" tIns="0" rIns="0" bIns="0">
+          <a:bodyPr lIns="0" rIns="0" tIns="0" bIns="0">
             <a:normAutofit/>
           </a:bodyPr>
-          <a:lstStyle/>
-          <a:p>
-            <a:endParaRPr lang="en-US" sz="3200" b="0" strike="noStrike" spc="-1">
+          <a:p>
+            <a:endParaRPr b="0" lang="de-DE" sz="2800" spc="-1" strike="noStrike">
+              <a:solidFill>
+                <a:srgbClr val="000000"/>
+              </a:solidFill>
               <a:latin typeface="Arial"/>
             </a:endParaRPr>
           </a:p>
@@ -2353,12 +2293,14 @@
           </a:prstGeom>
         </p:spPr>
         <p:txBody>
-          <a:bodyPr lIns="0" tIns="0" rIns="0" bIns="0">
+          <a:bodyPr lIns="0" rIns="0" tIns="0" bIns="0">
             <a:normAutofit/>
           </a:bodyPr>
-          <a:lstStyle/>
-          <a:p>
-            <a:endParaRPr lang="en-US" sz="3200" b="0" strike="noStrike" spc="-1">
+          <a:p>
+            <a:endParaRPr b="0" lang="de-DE" sz="2800" spc="-1" strike="noStrike">
+              <a:solidFill>
+                <a:srgbClr val="000000"/>
+              </a:solidFill>
               <a:latin typeface="Arial"/>
             </a:endParaRPr>
           </a:p>
@@ -2366,14 +2308,11 @@
       </p:sp>
     </p:spTree>
   </p:cSld>
-  <p:clrMapOvr>
-    <a:masterClrMapping/>
-  </p:clrMapOvr>
 </p:sldLayout>
 </file>
 
 <file path=ppt/slideLayouts/slideLayout5.xml><?xml version="1.0" encoding="utf-8"?>
-<p:sldLayout xmlns:a="http://schemas.openxmlformats.org/drawingml/2006/main" xmlns:r="http://schemas.openxmlformats.org/officeDocument/2006/relationships" xmlns:p="http://schemas.openxmlformats.org/presentationml/2006/main" type="titleOnly" preserve="1">
+<p:sldLayout xmlns:a="http://schemas.openxmlformats.org/drawingml/2006/main" xmlns:p="http://schemas.openxmlformats.org/presentationml/2006/main" xmlns:r="http://schemas.openxmlformats.org/officeDocument/2006/relationships" xmlns:p14="http://schemas.microsoft.com/office/powerpoint/2010/main" xmlns:p15="http://schemas.microsoft.com/office/powerpoint/2012/main" xmlns:mc="http://schemas.openxmlformats.org/markup-compatibility/2006" type="titleOnly" preserve="1">
   <p:cSld name="Title Only">
     <p:spTree>
       <p:nvGrpSpPr>
@@ -2409,11 +2348,12 @@
           </a:prstGeom>
         </p:spPr>
         <p:txBody>
-          <a:bodyPr lIns="0" tIns="0" rIns="0" bIns="0" anchor="ctr"/>
-          <a:lstStyle/>
-          <a:p>
-            <a:pPr algn="ctr"/>
-            <a:endParaRPr lang="en-US" sz="4400" b="0" strike="noStrike" spc="-1">
+          <a:bodyPr lIns="0" rIns="0" tIns="0" bIns="0" anchor="ctr"/>
+          <a:p>
+            <a:endParaRPr b="0" lang="de-DE" sz="1800" spc="-1" strike="noStrike">
+              <a:solidFill>
+                <a:srgbClr val="000000"/>
+              </a:solidFill>
               <a:latin typeface="Arial"/>
             </a:endParaRPr>
           </a:p>
@@ -2421,14 +2361,11 @@
       </p:sp>
     </p:spTree>
   </p:cSld>
-  <p:clrMapOvr>
-    <a:masterClrMapping/>
-  </p:clrMapOvr>
 </p:sldLayout>
 </file>
 
 <file path=ppt/slideLayouts/slideLayout6.xml><?xml version="1.0" encoding="utf-8"?>
-<p:sldLayout xmlns:a="http://schemas.openxmlformats.org/drawingml/2006/main" xmlns:r="http://schemas.openxmlformats.org/officeDocument/2006/relationships" xmlns:p="http://schemas.openxmlformats.org/presentationml/2006/main" type="objOnly" preserve="1">
+<p:sldLayout xmlns:a="http://schemas.openxmlformats.org/drawingml/2006/main" xmlns:p="http://schemas.openxmlformats.org/presentationml/2006/main" xmlns:r="http://schemas.openxmlformats.org/officeDocument/2006/relationships" xmlns:p14="http://schemas.microsoft.com/office/powerpoint/2010/main" xmlns:p15="http://schemas.microsoft.com/office/powerpoint/2012/main" xmlns:mc="http://schemas.openxmlformats.org/markup-compatibility/2006" type="objOnly" preserve="1">
   <p:cSld name="Centered Text">
     <p:spTree>
       <p:nvGrpSpPr>
@@ -2464,11 +2401,10 @@
           </a:prstGeom>
         </p:spPr>
         <p:txBody>
-          <a:bodyPr lIns="0" tIns="0" rIns="0" bIns="0" anchor="ctr"/>
-          <a:lstStyle/>
+          <a:bodyPr lIns="0" rIns="0" tIns="0" bIns="0" anchor="ctr"/>
           <a:p>
             <a:pPr algn="ctr"/>
-            <a:endParaRPr lang="en-US" sz="3200" b="0" strike="noStrike" spc="-1">
+            <a:endParaRPr b="0" lang="en-US" sz="3200" spc="-1" strike="noStrike">
               <a:latin typeface="Arial"/>
             </a:endParaRPr>
           </a:p>
@@ -2476,14 +2412,11 @@
       </p:sp>
     </p:spTree>
   </p:cSld>
-  <p:clrMapOvr>
-    <a:masterClrMapping/>
-  </p:clrMapOvr>
 </p:sldLayout>
 </file>
 
 <file path=ppt/slideLayouts/slideLayout7.xml><?xml version="1.0" encoding="utf-8"?>
-<p:sldLayout xmlns:a="http://schemas.openxmlformats.org/drawingml/2006/main" xmlns:r="http://schemas.openxmlformats.org/officeDocument/2006/relationships" xmlns:p="http://schemas.openxmlformats.org/presentationml/2006/main" type="twoObjAndObj" preserve="1">
+<p:sldLayout xmlns:a="http://schemas.openxmlformats.org/drawingml/2006/main" xmlns:p="http://schemas.openxmlformats.org/presentationml/2006/main" xmlns:r="http://schemas.openxmlformats.org/officeDocument/2006/relationships" xmlns:p14="http://schemas.microsoft.com/office/powerpoint/2010/main" xmlns:p15="http://schemas.microsoft.com/office/powerpoint/2012/main" xmlns:mc="http://schemas.openxmlformats.org/markup-compatibility/2006" type="twoObjAndObj" preserve="1">
   <p:cSld name="Title, 2 Content and Content">
     <p:spTree>
       <p:nvGrpSpPr>
@@ -2519,11 +2452,12 @@
           </a:prstGeom>
         </p:spPr>
         <p:txBody>
-          <a:bodyPr lIns="0" tIns="0" rIns="0" bIns="0" anchor="ctr"/>
-          <a:lstStyle/>
-          <a:p>
-            <a:pPr algn="ctr"/>
-            <a:endParaRPr lang="en-US" sz="4400" b="0" strike="noStrike" spc="-1">
+          <a:bodyPr lIns="0" rIns="0" tIns="0" bIns="0" anchor="ctr"/>
+          <a:p>
+            <a:endParaRPr b="0" lang="de-DE" sz="1800" spc="-1" strike="noStrike">
+              <a:solidFill>
+                <a:srgbClr val="000000"/>
+              </a:solidFill>
               <a:latin typeface="Arial"/>
             </a:endParaRPr>
           </a:p>
@@ -2549,12 +2483,14 @@
           </a:prstGeom>
         </p:spPr>
         <p:txBody>
-          <a:bodyPr lIns="0" tIns="0" rIns="0" bIns="0">
+          <a:bodyPr lIns="0" rIns="0" tIns="0" bIns="0">
             <a:normAutofit/>
           </a:bodyPr>
-          <a:lstStyle/>
-          <a:p>
-            <a:endParaRPr lang="en-US" sz="3200" b="0" strike="noStrike" spc="-1">
+          <a:p>
+            <a:endParaRPr b="0" lang="de-DE" sz="2800" spc="-1" strike="noStrike">
+              <a:solidFill>
+                <a:srgbClr val="000000"/>
+              </a:solidFill>
               <a:latin typeface="Arial"/>
             </a:endParaRPr>
           </a:p>
@@ -2580,12 +2516,14 @@
           </a:prstGeom>
         </p:spPr>
         <p:txBody>
-          <a:bodyPr lIns="0" tIns="0" rIns="0" bIns="0">
+          <a:bodyPr lIns="0" rIns="0" tIns="0" bIns="0">
             <a:normAutofit/>
           </a:bodyPr>
-          <a:lstStyle/>
-          <a:p>
-            <a:endParaRPr lang="en-US" sz="3200" b="0" strike="noStrike" spc="-1">
+          <a:p>
+            <a:endParaRPr b="0" lang="de-DE" sz="2800" spc="-1" strike="noStrike">
+              <a:solidFill>
+                <a:srgbClr val="000000"/>
+              </a:solidFill>
               <a:latin typeface="Arial"/>
             </a:endParaRPr>
           </a:p>
@@ -2611,12 +2549,14 @@
           </a:prstGeom>
         </p:spPr>
         <p:txBody>
-          <a:bodyPr lIns="0" tIns="0" rIns="0" bIns="0">
+          <a:bodyPr lIns="0" rIns="0" tIns="0" bIns="0">
             <a:normAutofit/>
           </a:bodyPr>
-          <a:lstStyle/>
-          <a:p>
-            <a:endParaRPr lang="en-US" sz="3200" b="0" strike="noStrike" spc="-1">
+          <a:p>
+            <a:endParaRPr b="0" lang="de-DE" sz="2800" spc="-1" strike="noStrike">
+              <a:solidFill>
+                <a:srgbClr val="000000"/>
+              </a:solidFill>
               <a:latin typeface="Arial"/>
             </a:endParaRPr>
           </a:p>
@@ -2624,14 +2564,11 @@
       </p:sp>
     </p:spTree>
   </p:cSld>
-  <p:clrMapOvr>
-    <a:masterClrMapping/>
-  </p:clrMapOvr>
 </p:sldLayout>
 </file>
 
 <file path=ppt/slideLayouts/slideLayout8.xml><?xml version="1.0" encoding="utf-8"?>
-<p:sldLayout xmlns:a="http://schemas.openxmlformats.org/drawingml/2006/main" xmlns:r="http://schemas.openxmlformats.org/officeDocument/2006/relationships" xmlns:p="http://schemas.openxmlformats.org/presentationml/2006/main" type="objAndTwoObj" preserve="1">
+<p:sldLayout xmlns:a="http://schemas.openxmlformats.org/drawingml/2006/main" xmlns:p="http://schemas.openxmlformats.org/presentationml/2006/main" xmlns:r="http://schemas.openxmlformats.org/officeDocument/2006/relationships" xmlns:p14="http://schemas.microsoft.com/office/powerpoint/2010/main" xmlns:p15="http://schemas.microsoft.com/office/powerpoint/2012/main" xmlns:mc="http://schemas.openxmlformats.org/markup-compatibility/2006" type="objAndTwoObj" preserve="1">
   <p:cSld name="Title Content and 2 Content">
     <p:spTree>
       <p:nvGrpSpPr>
@@ -2667,11 +2604,12 @@
           </a:prstGeom>
         </p:spPr>
         <p:txBody>
-          <a:bodyPr lIns="0" tIns="0" rIns="0" bIns="0" anchor="ctr"/>
-          <a:lstStyle/>
-          <a:p>
-            <a:pPr algn="ctr"/>
-            <a:endParaRPr lang="en-US" sz="4400" b="0" strike="noStrike" spc="-1">
+          <a:bodyPr lIns="0" rIns="0" tIns="0" bIns="0" anchor="ctr"/>
+          <a:p>
+            <a:endParaRPr b="0" lang="de-DE" sz="1800" spc="-1" strike="noStrike">
+              <a:solidFill>
+                <a:srgbClr val="000000"/>
+              </a:solidFill>
               <a:latin typeface="Arial"/>
             </a:endParaRPr>
           </a:p>
@@ -2697,12 +2635,14 @@
           </a:prstGeom>
         </p:spPr>
         <p:txBody>
-          <a:bodyPr lIns="0" tIns="0" rIns="0" bIns="0">
+          <a:bodyPr lIns="0" rIns="0" tIns="0" bIns="0">
             <a:normAutofit/>
           </a:bodyPr>
-          <a:lstStyle/>
-          <a:p>
-            <a:endParaRPr lang="en-US" sz="3200" b="0" strike="noStrike" spc="-1">
+          <a:p>
+            <a:endParaRPr b="0" lang="de-DE" sz="2800" spc="-1" strike="noStrike">
+              <a:solidFill>
+                <a:srgbClr val="000000"/>
+              </a:solidFill>
               <a:latin typeface="Arial"/>
             </a:endParaRPr>
           </a:p>
@@ -2728,12 +2668,14 @@
           </a:prstGeom>
         </p:spPr>
         <p:txBody>
-          <a:bodyPr lIns="0" tIns="0" rIns="0" bIns="0">
+          <a:bodyPr lIns="0" rIns="0" tIns="0" bIns="0">
             <a:normAutofit/>
           </a:bodyPr>
-          <a:lstStyle/>
-          <a:p>
-            <a:endParaRPr lang="en-US" sz="3200" b="0" strike="noStrike" spc="-1">
+          <a:p>
+            <a:endParaRPr b="0" lang="de-DE" sz="2800" spc="-1" strike="noStrike">
+              <a:solidFill>
+                <a:srgbClr val="000000"/>
+              </a:solidFill>
               <a:latin typeface="Arial"/>
             </a:endParaRPr>
           </a:p>
@@ -2759,12 +2701,14 @@
           </a:prstGeom>
         </p:spPr>
         <p:txBody>
-          <a:bodyPr lIns="0" tIns="0" rIns="0" bIns="0">
+          <a:bodyPr lIns="0" rIns="0" tIns="0" bIns="0">
             <a:normAutofit/>
           </a:bodyPr>
-          <a:lstStyle/>
-          <a:p>
-            <a:endParaRPr lang="en-US" sz="3200" b="0" strike="noStrike" spc="-1">
+          <a:p>
+            <a:endParaRPr b="0" lang="de-DE" sz="2800" spc="-1" strike="noStrike">
+              <a:solidFill>
+                <a:srgbClr val="000000"/>
+              </a:solidFill>
               <a:latin typeface="Arial"/>
             </a:endParaRPr>
           </a:p>
@@ -2772,14 +2716,11 @@
       </p:sp>
     </p:spTree>
   </p:cSld>
-  <p:clrMapOvr>
-    <a:masterClrMapping/>
-  </p:clrMapOvr>
 </p:sldLayout>
 </file>
 
 <file path=ppt/slideLayouts/slideLayout9.xml><?xml version="1.0" encoding="utf-8"?>
-<p:sldLayout xmlns:a="http://schemas.openxmlformats.org/drawingml/2006/main" xmlns:r="http://schemas.openxmlformats.org/officeDocument/2006/relationships" xmlns:p="http://schemas.openxmlformats.org/presentationml/2006/main" type="twoObjOverTx" preserve="1">
+<p:sldLayout xmlns:a="http://schemas.openxmlformats.org/drawingml/2006/main" xmlns:p="http://schemas.openxmlformats.org/presentationml/2006/main" xmlns:r="http://schemas.openxmlformats.org/officeDocument/2006/relationships" xmlns:p14="http://schemas.microsoft.com/office/powerpoint/2010/main" xmlns:p15="http://schemas.microsoft.com/office/powerpoint/2012/main" xmlns:mc="http://schemas.openxmlformats.org/markup-compatibility/2006" type="twoObjOverTx" preserve="1">
   <p:cSld name="Title, 2 Content over Content">
     <p:spTree>
       <p:nvGrpSpPr>
@@ -2815,11 +2756,12 @@
           </a:prstGeom>
         </p:spPr>
         <p:txBody>
-          <a:bodyPr lIns="0" tIns="0" rIns="0" bIns="0" anchor="ctr"/>
-          <a:lstStyle/>
-          <a:p>
-            <a:pPr algn="ctr"/>
-            <a:endParaRPr lang="en-US" sz="4400" b="0" strike="noStrike" spc="-1">
+          <a:bodyPr lIns="0" rIns="0" tIns="0" bIns="0" anchor="ctr"/>
+          <a:p>
+            <a:endParaRPr b="0" lang="de-DE" sz="1800" spc="-1" strike="noStrike">
+              <a:solidFill>
+                <a:srgbClr val="000000"/>
+              </a:solidFill>
               <a:latin typeface="Arial"/>
             </a:endParaRPr>
           </a:p>
@@ -2845,12 +2787,14 @@
           </a:prstGeom>
         </p:spPr>
         <p:txBody>
-          <a:bodyPr lIns="0" tIns="0" rIns="0" bIns="0">
+          <a:bodyPr lIns="0" rIns="0" tIns="0" bIns="0">
             <a:normAutofit/>
           </a:bodyPr>
-          <a:lstStyle/>
-          <a:p>
-            <a:endParaRPr lang="en-US" sz="3200" b="0" strike="noStrike" spc="-1">
+          <a:p>
+            <a:endParaRPr b="0" lang="de-DE" sz="2800" spc="-1" strike="noStrike">
+              <a:solidFill>
+                <a:srgbClr val="000000"/>
+              </a:solidFill>
               <a:latin typeface="Arial"/>
             </a:endParaRPr>
           </a:p>
@@ -2876,12 +2820,14 @@
           </a:prstGeom>
         </p:spPr>
         <p:txBody>
-          <a:bodyPr lIns="0" tIns="0" rIns="0" bIns="0">
+          <a:bodyPr lIns="0" rIns="0" tIns="0" bIns="0">
             <a:normAutofit/>
           </a:bodyPr>
-          <a:lstStyle/>
-          <a:p>
-            <a:endParaRPr lang="en-US" sz="3200" b="0" strike="noStrike" spc="-1">
+          <a:p>
+            <a:endParaRPr b="0" lang="de-DE" sz="2800" spc="-1" strike="noStrike">
+              <a:solidFill>
+                <a:srgbClr val="000000"/>
+              </a:solidFill>
               <a:latin typeface="Arial"/>
             </a:endParaRPr>
           </a:p>
@@ -2907,12 +2853,14 @@
           </a:prstGeom>
         </p:spPr>
         <p:txBody>
-          <a:bodyPr lIns="0" tIns="0" rIns="0" bIns="0">
+          <a:bodyPr lIns="0" rIns="0" tIns="0" bIns="0">
             <a:normAutofit/>
           </a:bodyPr>
-          <a:lstStyle/>
-          <a:p>
-            <a:endParaRPr lang="en-US" sz="3200" b="0" strike="noStrike" spc="-1">
+          <a:p>
+            <a:endParaRPr b="0" lang="de-DE" sz="2800" spc="-1" strike="noStrike">
+              <a:solidFill>
+                <a:srgbClr val="000000"/>
+              </a:solidFill>
               <a:latin typeface="Arial"/>
             </a:endParaRPr>
           </a:p>
@@ -2920,21 +2868,17 @@
       </p:sp>
     </p:spTree>
   </p:cSld>
-  <p:clrMapOvr>
-    <a:masterClrMapping/>
-  </p:clrMapOvr>
 </p:sldLayout>
 </file>
 
 <file path=ppt/slideMasters/slideMaster1.xml><?xml version="1.0" encoding="utf-8"?>
-<p:sldMaster xmlns:a="http://schemas.openxmlformats.org/drawingml/2006/main" xmlns:r="http://schemas.openxmlformats.org/officeDocument/2006/relationships" xmlns:p="http://schemas.openxmlformats.org/presentationml/2006/main">
+<p:sldMaster xmlns:a="http://schemas.openxmlformats.org/drawingml/2006/main" xmlns:p="http://schemas.openxmlformats.org/presentationml/2006/main" xmlns:r="http://schemas.openxmlformats.org/officeDocument/2006/relationships" xmlns:p14="http://schemas.microsoft.com/office/powerpoint/2010/main" xmlns:p15="http://schemas.microsoft.com/office/powerpoint/2012/main" xmlns:mc="http://schemas.openxmlformats.org/markup-compatibility/2006">
   <p:cSld>
     <p:bg>
       <p:bgPr>
         <a:solidFill>
-          <a:srgbClr val="FFFFFF"/>
+          <a:srgbClr val="ffffff"/>
         </a:solidFill>
-        <a:effectLst/>
       </p:bgPr>
     </p:bg>
     <p:spTree>
@@ -2953,7 +2897,7 @@
       </p:grpSpPr>
       <p:sp>
         <p:nvSpPr>
-          <p:cNvPr id="5" name="Line 1"/>
+          <p:cNvPr id="0" name="Line 1"/>
           <p:cNvSpPr/>
           <p:nvPr/>
         </p:nvSpPr>
@@ -2973,32 +2917,26 @@
           </a:ln>
         </p:spPr>
         <p:style>
-          <a:lnRef idx="0">
-            <a:scrgbClr r="0" g="0" b="0"/>
-          </a:lnRef>
-          <a:fillRef idx="0">
-            <a:scrgbClr r="0" g="0" b="0"/>
-          </a:fillRef>
-          <a:effectRef idx="0">
-            <a:scrgbClr r="0" g="0" b="0"/>
-          </a:effectRef>
+          <a:lnRef idx="0"/>
+          <a:fillRef idx="0"/>
+          <a:effectRef idx="0"/>
           <a:fontRef idx="minor"/>
         </p:style>
       </p:sp>
       <p:pic>
         <p:nvPicPr>
-          <p:cNvPr id="6" name="Grafik 1"/>
+          <p:cNvPr id="1" name="Grafik 1" descr=""/>
           <p:cNvPicPr/>
           <p:nvPr/>
         </p:nvPicPr>
         <p:blipFill>
-          <a:blip r:embed="rId14"/>
+          <a:blip r:embed="rId2"/>
           <a:stretch/>
         </p:blipFill>
         <p:spPr>
           <a:xfrm>
             <a:off x="324000" y="250200"/>
-            <a:ext cx="916560" cy="539640"/>
+            <a:ext cx="916200" cy="539280"/>
           </a:xfrm>
           <a:prstGeom prst="rect">
             <a:avLst/>
@@ -3010,18 +2948,18 @@
       </p:pic>
       <p:pic>
         <p:nvPicPr>
-          <p:cNvPr id="2" name="Grafik 6"/>
+          <p:cNvPr id="2" name="Grafik 6" descr=""/>
           <p:cNvPicPr/>
           <p:nvPr/>
         </p:nvPicPr>
         <p:blipFill>
-          <a:blip r:embed="rId14"/>
+          <a:blip r:embed="rId3"/>
           <a:stretch/>
         </p:blipFill>
         <p:spPr>
           <a:xfrm>
             <a:off x="324000" y="250200"/>
-            <a:ext cx="916560" cy="539640"/>
+            <a:ext cx="916200" cy="539280"/>
           </a:xfrm>
           <a:prstGeom prst="rect">
             <a:avLst/>
@@ -3051,16 +2989,23 @@
           </a:prstGeom>
         </p:spPr>
         <p:txBody>
-          <a:bodyPr lIns="0" tIns="0" rIns="0" bIns="0" anchor="ctr"/>
-          <a:lstStyle/>
-          <a:p>
-            <a:pPr algn="ctr"/>
-            <a:r>
-              <a:rPr lang="en-US" sz="4400" b="0" strike="noStrike" spc="-1">
+          <a:bodyPr lIns="0" rIns="0" tIns="0" bIns="0" anchor="ctr"/>
+          <a:p>
+            <a:r>
+              <a:rPr b="0" lang="de-DE" sz="1800" spc="-1" strike="noStrike">
+                <a:solidFill>
+                  <a:srgbClr val="000000"/>
+                </a:solidFill>
                 <a:latin typeface="Arial"/>
               </a:rPr>
               <a:t>Click to edit the title text format</a:t>
             </a:r>
+            <a:endParaRPr b="0" lang="de-DE" sz="1800" spc="-1" strike="noStrike">
+              <a:solidFill>
+                <a:srgbClr val="000000"/>
+              </a:solidFill>
+              <a:latin typeface="Arial"/>
+            </a:endParaRPr>
           </a:p>
         </p:txBody>
       </p:sp>
@@ -3084,10 +3029,9 @@
           </a:prstGeom>
         </p:spPr>
         <p:txBody>
-          <a:bodyPr lIns="0" tIns="0" rIns="0" bIns="0">
+          <a:bodyPr lIns="0" rIns="0" tIns="0" bIns="0">
             <a:normAutofit/>
           </a:bodyPr>
-          <a:lstStyle/>
           <a:p>
             <a:pPr marL="432000" indent="-324000">
               <a:spcBef>
@@ -3101,14 +3045,23 @@
               <a:buChar char=""/>
             </a:pPr>
             <a:r>
-              <a:rPr lang="en-US" sz="3200" b="0" strike="noStrike" spc="-1">
+              <a:rPr b="0" lang="de-DE" sz="2800" spc="-1" strike="noStrike">
+                <a:solidFill>
+                  <a:srgbClr val="000000"/>
+                </a:solidFill>
                 <a:latin typeface="Arial"/>
               </a:rPr>
               <a:t>Click to edit the outline text format</a:t>
             </a:r>
-          </a:p>
-          <a:p>
-            <a:pPr marL="864000" lvl="1" indent="-324000">
+            <a:endParaRPr b="0" lang="de-DE" sz="2800" spc="-1" strike="noStrike">
+              <a:solidFill>
+                <a:srgbClr val="000000"/>
+              </a:solidFill>
+              <a:latin typeface="Arial"/>
+            </a:endParaRPr>
+          </a:p>
+          <a:p>
+            <a:pPr lvl="1" marL="864000" indent="-324000">
               <a:spcBef>
                 <a:spcPts val="1134"/>
               </a:spcBef>
@@ -3120,14 +3073,23 @@
               <a:buChar char=""/>
             </a:pPr>
             <a:r>
-              <a:rPr lang="en-US" sz="2800" b="0" strike="noStrike" spc="-1">
+              <a:rPr b="0" lang="de-DE" sz="2000" spc="-1" strike="noStrike">
+                <a:solidFill>
+                  <a:srgbClr val="000000"/>
+                </a:solidFill>
                 <a:latin typeface="Arial"/>
               </a:rPr>
               <a:t>Second Outline Level</a:t>
             </a:r>
-          </a:p>
-          <a:p>
-            <a:pPr marL="1296000" lvl="2" indent="-288000">
+            <a:endParaRPr b="0" lang="de-DE" sz="2000" spc="-1" strike="noStrike">
+              <a:solidFill>
+                <a:srgbClr val="000000"/>
+              </a:solidFill>
+              <a:latin typeface="Arial"/>
+            </a:endParaRPr>
+          </a:p>
+          <a:p>
+            <a:pPr lvl="2" marL="1296000" indent="-288000">
               <a:spcBef>
                 <a:spcPts val="850"/>
               </a:spcBef>
@@ -3139,14 +3101,23 @@
               <a:buChar char=""/>
             </a:pPr>
             <a:r>
-              <a:rPr lang="en-US" sz="2400" b="0" strike="noStrike" spc="-1">
+              <a:rPr b="0" lang="de-DE" sz="1800" spc="-1" strike="noStrike">
+                <a:solidFill>
+                  <a:srgbClr val="000000"/>
+                </a:solidFill>
                 <a:latin typeface="Arial"/>
               </a:rPr>
               <a:t>Third Outline Level</a:t>
             </a:r>
-          </a:p>
-          <a:p>
-            <a:pPr marL="1728000" lvl="3" indent="-216000">
+            <a:endParaRPr b="0" lang="de-DE" sz="1800" spc="-1" strike="noStrike">
+              <a:solidFill>
+                <a:srgbClr val="000000"/>
+              </a:solidFill>
+              <a:latin typeface="Arial"/>
+            </a:endParaRPr>
+          </a:p>
+          <a:p>
+            <a:pPr lvl="3" marL="1728000" indent="-216000">
               <a:spcBef>
                 <a:spcPts val="567"/>
               </a:spcBef>
@@ -3158,14 +3129,23 @@
               <a:buChar char=""/>
             </a:pPr>
             <a:r>
-              <a:rPr lang="en-US" sz="2000" b="0" strike="noStrike" spc="-1">
+              <a:rPr b="0" lang="de-DE" sz="1800" spc="-1" strike="noStrike">
+                <a:solidFill>
+                  <a:srgbClr val="000000"/>
+                </a:solidFill>
                 <a:latin typeface="Arial"/>
               </a:rPr>
               <a:t>Fourth Outline Level</a:t>
             </a:r>
-          </a:p>
-          <a:p>
-            <a:pPr marL="2160000" lvl="4" indent="-216000">
+            <a:endParaRPr b="0" lang="de-DE" sz="1800" spc="-1" strike="noStrike">
+              <a:solidFill>
+                <a:srgbClr val="000000"/>
+              </a:solidFill>
+              <a:latin typeface="Arial"/>
+            </a:endParaRPr>
+          </a:p>
+          <a:p>
+            <a:pPr lvl="4" marL="2160000" indent="-216000">
               <a:spcBef>
                 <a:spcPts val="283"/>
               </a:spcBef>
@@ -3177,14 +3157,23 @@
               <a:buChar char=""/>
             </a:pPr>
             <a:r>
-              <a:rPr lang="en-US" sz="2000" b="0" strike="noStrike" spc="-1">
+              <a:rPr b="0" lang="de-DE" sz="2000" spc="-1" strike="noStrike">
+                <a:solidFill>
+                  <a:srgbClr val="000000"/>
+                </a:solidFill>
                 <a:latin typeface="Arial"/>
               </a:rPr>
               <a:t>Fifth Outline Level</a:t>
             </a:r>
-          </a:p>
-          <a:p>
-            <a:pPr marL="2592000" lvl="5" indent="-216000">
+            <a:endParaRPr b="0" lang="de-DE" sz="2000" spc="-1" strike="noStrike">
+              <a:solidFill>
+                <a:srgbClr val="000000"/>
+              </a:solidFill>
+              <a:latin typeface="Arial"/>
+            </a:endParaRPr>
+          </a:p>
+          <a:p>
+            <a:pPr lvl="5" marL="2592000" indent="-216000">
               <a:spcBef>
                 <a:spcPts val="283"/>
               </a:spcBef>
@@ -3196,14 +3185,23 @@
               <a:buChar char=""/>
             </a:pPr>
             <a:r>
-              <a:rPr lang="en-US" sz="2000" b="0" strike="noStrike" spc="-1">
+              <a:rPr b="0" lang="de-DE" sz="2000" spc="-1" strike="noStrike">
+                <a:solidFill>
+                  <a:srgbClr val="000000"/>
+                </a:solidFill>
                 <a:latin typeface="Arial"/>
               </a:rPr>
               <a:t>Sixth Outline Level</a:t>
             </a:r>
-          </a:p>
-          <a:p>
-            <a:pPr marL="3024000" lvl="6" indent="-216000">
+            <a:endParaRPr b="0" lang="de-DE" sz="2000" spc="-1" strike="noStrike">
+              <a:solidFill>
+                <a:srgbClr val="000000"/>
+              </a:solidFill>
+              <a:latin typeface="Arial"/>
+            </a:endParaRPr>
+          </a:p>
+          <a:p>
+            <a:pPr lvl="6" marL="3024000" indent="-216000">
               <a:spcBef>
                 <a:spcPts val="283"/>
               </a:spcBef>
@@ -3215,323 +3213,51 @@
               <a:buChar char=""/>
             </a:pPr>
             <a:r>
-              <a:rPr lang="en-US" sz="2000" b="0" strike="noStrike" spc="-1">
+              <a:rPr b="0" lang="de-DE" sz="2000" spc="-1" strike="noStrike">
+                <a:solidFill>
+                  <a:srgbClr val="000000"/>
+                </a:solidFill>
                 <a:latin typeface="Arial"/>
               </a:rPr>
               <a:t>Seventh Outline Level</a:t>
             </a:r>
+            <a:endParaRPr b="0" lang="de-DE" sz="2000" spc="-1" strike="noStrike">
+              <a:solidFill>
+                <a:srgbClr val="000000"/>
+              </a:solidFill>
+              <a:latin typeface="Arial"/>
+            </a:endParaRPr>
           </a:p>
         </p:txBody>
       </p:sp>
     </p:spTree>
   </p:cSld>
-  <p:clrMap bg1="lt1" tx1="dk1" bg2="lt2" tx2="dk2" accent1="accent1" accent2="accent2" accent3="accent3" accent4="accent4" accent5="accent5" accent6="accent6" hlink="hlink" folHlink="folHlink"/>
+  <p:clrMap bg1="lt1" bg2="lt2" tx1="dk1" tx2="dk2" accent1="accent1" accent2="accent2" accent3="accent3" accent4="accent4" accent5="accent5" accent6="accent6" hlink="hlink" folHlink="folHlink"/>
   <p:sldLayoutIdLst>
-    <p:sldLayoutId id="2147483649" r:id="rId1"/>
-    <p:sldLayoutId id="2147483650" r:id="rId2"/>
-    <p:sldLayoutId id="2147483651" r:id="rId3"/>
-    <p:sldLayoutId id="2147483652" r:id="rId4"/>
-    <p:sldLayoutId id="2147483653" r:id="rId5"/>
-    <p:sldLayoutId id="2147483654" r:id="rId6"/>
-    <p:sldLayoutId id="2147483655" r:id="rId7"/>
-    <p:sldLayoutId id="2147483656" r:id="rId8"/>
-    <p:sldLayoutId id="2147483657" r:id="rId9"/>
-    <p:sldLayoutId id="2147483658" r:id="rId10"/>
-    <p:sldLayoutId id="2147483659" r:id="rId11"/>
-    <p:sldLayoutId id="2147483660" r:id="rId12"/>
+    <p:sldLayoutId id="2147483649" r:id="rId4"/>
+    <p:sldLayoutId id="2147483650" r:id="rId5"/>
+    <p:sldLayoutId id="2147483651" r:id="rId6"/>
+    <p:sldLayoutId id="2147483652" r:id="rId7"/>
+    <p:sldLayoutId id="2147483653" r:id="rId8"/>
+    <p:sldLayoutId id="2147483654" r:id="rId9"/>
+    <p:sldLayoutId id="2147483655" r:id="rId10"/>
+    <p:sldLayoutId id="2147483656" r:id="rId11"/>
+    <p:sldLayoutId id="2147483657" r:id="rId12"/>
+    <p:sldLayoutId id="2147483658" r:id="rId13"/>
+    <p:sldLayoutId id="2147483659" r:id="rId14"/>
+    <p:sldLayoutId id="2147483660" r:id="rId15"/>
   </p:sldLayoutIdLst>
-  <p:txStyles>
-    <p:titleStyle>
-      <a:lvl1pPr algn="l" defTabSz="914400" rtl="0" eaLnBrk="1" latinLnBrk="0" hangingPunct="1">
-        <a:lnSpc>
-          <a:spcPct val="90000"/>
-        </a:lnSpc>
-        <a:spcBef>
-          <a:spcPct val="0"/>
-        </a:spcBef>
-        <a:buNone/>
-        <a:defRPr sz="4400" kern="1200">
-          <a:solidFill>
-            <a:schemeClr val="tx1"/>
-          </a:solidFill>
-          <a:latin typeface="+mj-lt"/>
-          <a:ea typeface="+mj-ea"/>
-          <a:cs typeface="+mj-cs"/>
-        </a:defRPr>
-      </a:lvl1pPr>
-    </p:titleStyle>
-    <p:bodyStyle>
-      <a:lvl1pPr marL="228600" indent="-228600" algn="l" defTabSz="914400" rtl="0" eaLnBrk="1" latinLnBrk="0" hangingPunct="1">
-        <a:lnSpc>
-          <a:spcPct val="90000"/>
-        </a:lnSpc>
-        <a:spcBef>
-          <a:spcPts val="1000"/>
-        </a:spcBef>
-        <a:buFont typeface="Arial" panose="020B0604020202020204" pitchFamily="34" charset="0"/>
-        <a:buChar char="•"/>
-        <a:defRPr sz="2800" kern="1200">
-          <a:solidFill>
-            <a:schemeClr val="tx1"/>
-          </a:solidFill>
-          <a:latin typeface="+mn-lt"/>
-          <a:ea typeface="+mn-ea"/>
-          <a:cs typeface="+mn-cs"/>
-        </a:defRPr>
-      </a:lvl1pPr>
-      <a:lvl2pPr marL="685800" indent="-228600" algn="l" defTabSz="914400" rtl="0" eaLnBrk="1" latinLnBrk="0" hangingPunct="1">
-        <a:lnSpc>
-          <a:spcPct val="90000"/>
-        </a:lnSpc>
-        <a:spcBef>
-          <a:spcPts val="500"/>
-        </a:spcBef>
-        <a:buFont typeface="Arial" panose="020B0604020202020204" pitchFamily="34" charset="0"/>
-        <a:buChar char="•"/>
-        <a:defRPr sz="2400" kern="1200">
-          <a:solidFill>
-            <a:schemeClr val="tx1"/>
-          </a:solidFill>
-          <a:latin typeface="+mn-lt"/>
-          <a:ea typeface="+mn-ea"/>
-          <a:cs typeface="+mn-cs"/>
-        </a:defRPr>
-      </a:lvl2pPr>
-      <a:lvl3pPr marL="1143000" indent="-228600" algn="l" defTabSz="914400" rtl="0" eaLnBrk="1" latinLnBrk="0" hangingPunct="1">
-        <a:lnSpc>
-          <a:spcPct val="90000"/>
-        </a:lnSpc>
-        <a:spcBef>
-          <a:spcPts val="500"/>
-        </a:spcBef>
-        <a:buFont typeface="Arial" panose="020B0604020202020204" pitchFamily="34" charset="0"/>
-        <a:buChar char="•"/>
-        <a:defRPr sz="2000" kern="1200">
-          <a:solidFill>
-            <a:schemeClr val="tx1"/>
-          </a:solidFill>
-          <a:latin typeface="+mn-lt"/>
-          <a:ea typeface="+mn-ea"/>
-          <a:cs typeface="+mn-cs"/>
-        </a:defRPr>
-      </a:lvl3pPr>
-      <a:lvl4pPr marL="1600200" indent="-228600" algn="l" defTabSz="914400" rtl="0" eaLnBrk="1" latinLnBrk="0" hangingPunct="1">
-        <a:lnSpc>
-          <a:spcPct val="90000"/>
-        </a:lnSpc>
-        <a:spcBef>
-          <a:spcPts val="500"/>
-        </a:spcBef>
-        <a:buFont typeface="Arial" panose="020B0604020202020204" pitchFamily="34" charset="0"/>
-        <a:buChar char="•"/>
-        <a:defRPr sz="1800" kern="1200">
-          <a:solidFill>
-            <a:schemeClr val="tx1"/>
-          </a:solidFill>
-          <a:latin typeface="+mn-lt"/>
-          <a:ea typeface="+mn-ea"/>
-          <a:cs typeface="+mn-cs"/>
-        </a:defRPr>
-      </a:lvl4pPr>
-      <a:lvl5pPr marL="2057400" indent="-228600" algn="l" defTabSz="914400" rtl="0" eaLnBrk="1" latinLnBrk="0" hangingPunct="1">
-        <a:lnSpc>
-          <a:spcPct val="90000"/>
-        </a:lnSpc>
-        <a:spcBef>
-          <a:spcPts val="500"/>
-        </a:spcBef>
-        <a:buFont typeface="Arial" panose="020B0604020202020204" pitchFamily="34" charset="0"/>
-        <a:buChar char="•"/>
-        <a:defRPr sz="1800" kern="1200">
-          <a:solidFill>
-            <a:schemeClr val="tx1"/>
-          </a:solidFill>
-          <a:latin typeface="+mn-lt"/>
-          <a:ea typeface="+mn-ea"/>
-          <a:cs typeface="+mn-cs"/>
-        </a:defRPr>
-      </a:lvl5pPr>
-      <a:lvl6pPr marL="2514600" indent="-228600" algn="l" defTabSz="914400" rtl="0" eaLnBrk="1" latinLnBrk="0" hangingPunct="1">
-        <a:lnSpc>
-          <a:spcPct val="90000"/>
-        </a:lnSpc>
-        <a:spcBef>
-          <a:spcPts val="500"/>
-        </a:spcBef>
-        <a:buFont typeface="Arial" panose="020B0604020202020204" pitchFamily="34" charset="0"/>
-        <a:buChar char="•"/>
-        <a:defRPr sz="1800" kern="1200">
-          <a:solidFill>
-            <a:schemeClr val="tx1"/>
-          </a:solidFill>
-          <a:latin typeface="+mn-lt"/>
-          <a:ea typeface="+mn-ea"/>
-          <a:cs typeface="+mn-cs"/>
-        </a:defRPr>
-      </a:lvl6pPr>
-      <a:lvl7pPr marL="2971800" indent="-228600" algn="l" defTabSz="914400" rtl="0" eaLnBrk="1" latinLnBrk="0" hangingPunct="1">
-        <a:lnSpc>
-          <a:spcPct val="90000"/>
-        </a:lnSpc>
-        <a:spcBef>
-          <a:spcPts val="500"/>
-        </a:spcBef>
-        <a:buFont typeface="Arial" panose="020B0604020202020204" pitchFamily="34" charset="0"/>
-        <a:buChar char="•"/>
-        <a:defRPr sz="1800" kern="1200">
-          <a:solidFill>
-            <a:schemeClr val="tx1"/>
-          </a:solidFill>
-          <a:latin typeface="+mn-lt"/>
-          <a:ea typeface="+mn-ea"/>
-          <a:cs typeface="+mn-cs"/>
-        </a:defRPr>
-      </a:lvl7pPr>
-      <a:lvl8pPr marL="3429000" indent="-228600" algn="l" defTabSz="914400" rtl="0" eaLnBrk="1" latinLnBrk="0" hangingPunct="1">
-        <a:lnSpc>
-          <a:spcPct val="90000"/>
-        </a:lnSpc>
-        <a:spcBef>
-          <a:spcPts val="500"/>
-        </a:spcBef>
-        <a:buFont typeface="Arial" panose="020B0604020202020204" pitchFamily="34" charset="0"/>
-        <a:buChar char="•"/>
-        <a:defRPr sz="1800" kern="1200">
-          <a:solidFill>
-            <a:schemeClr val="tx1"/>
-          </a:solidFill>
-          <a:latin typeface="+mn-lt"/>
-          <a:ea typeface="+mn-ea"/>
-          <a:cs typeface="+mn-cs"/>
-        </a:defRPr>
-      </a:lvl8pPr>
-      <a:lvl9pPr marL="3886200" indent="-228600" algn="l" defTabSz="914400" rtl="0" eaLnBrk="1" latinLnBrk="0" hangingPunct="1">
-        <a:lnSpc>
-          <a:spcPct val="90000"/>
-        </a:lnSpc>
-        <a:spcBef>
-          <a:spcPts val="500"/>
-        </a:spcBef>
-        <a:buFont typeface="Arial" panose="020B0604020202020204" pitchFamily="34" charset="0"/>
-        <a:buChar char="•"/>
-        <a:defRPr sz="1800" kern="1200">
-          <a:solidFill>
-            <a:schemeClr val="tx1"/>
-          </a:solidFill>
-          <a:latin typeface="+mn-lt"/>
-          <a:ea typeface="+mn-ea"/>
-          <a:cs typeface="+mn-cs"/>
-        </a:defRPr>
-      </a:lvl9pPr>
-    </p:bodyStyle>
-    <p:otherStyle>
-      <a:defPPr>
-        <a:defRPr lang="de-DE"/>
-      </a:defPPr>
-      <a:lvl1pPr marL="0" algn="l" defTabSz="914400" rtl="0" eaLnBrk="1" latinLnBrk="0" hangingPunct="1">
-        <a:defRPr sz="1800" kern="1200">
-          <a:solidFill>
-            <a:schemeClr val="tx1"/>
-          </a:solidFill>
-          <a:latin typeface="+mn-lt"/>
-          <a:ea typeface="+mn-ea"/>
-          <a:cs typeface="+mn-cs"/>
-        </a:defRPr>
-      </a:lvl1pPr>
-      <a:lvl2pPr marL="457200" algn="l" defTabSz="914400" rtl="0" eaLnBrk="1" latinLnBrk="0" hangingPunct="1">
-        <a:defRPr sz="1800" kern="1200">
-          <a:solidFill>
-            <a:schemeClr val="tx1"/>
-          </a:solidFill>
-          <a:latin typeface="+mn-lt"/>
-          <a:ea typeface="+mn-ea"/>
-          <a:cs typeface="+mn-cs"/>
-        </a:defRPr>
-      </a:lvl2pPr>
-      <a:lvl3pPr marL="914400" algn="l" defTabSz="914400" rtl="0" eaLnBrk="1" latinLnBrk="0" hangingPunct="1">
-        <a:defRPr sz="1800" kern="1200">
-          <a:solidFill>
-            <a:schemeClr val="tx1"/>
-          </a:solidFill>
-          <a:latin typeface="+mn-lt"/>
-          <a:ea typeface="+mn-ea"/>
-          <a:cs typeface="+mn-cs"/>
-        </a:defRPr>
-      </a:lvl3pPr>
-      <a:lvl4pPr marL="1371600" algn="l" defTabSz="914400" rtl="0" eaLnBrk="1" latinLnBrk="0" hangingPunct="1">
-        <a:defRPr sz="1800" kern="1200">
-          <a:solidFill>
-            <a:schemeClr val="tx1"/>
-          </a:solidFill>
-          <a:latin typeface="+mn-lt"/>
-          <a:ea typeface="+mn-ea"/>
-          <a:cs typeface="+mn-cs"/>
-        </a:defRPr>
-      </a:lvl4pPr>
-      <a:lvl5pPr marL="1828800" algn="l" defTabSz="914400" rtl="0" eaLnBrk="1" latinLnBrk="0" hangingPunct="1">
-        <a:defRPr sz="1800" kern="1200">
-          <a:solidFill>
-            <a:schemeClr val="tx1"/>
-          </a:solidFill>
-          <a:latin typeface="+mn-lt"/>
-          <a:ea typeface="+mn-ea"/>
-          <a:cs typeface="+mn-cs"/>
-        </a:defRPr>
-      </a:lvl5pPr>
-      <a:lvl6pPr marL="2286000" algn="l" defTabSz="914400" rtl="0" eaLnBrk="1" latinLnBrk="0" hangingPunct="1">
-        <a:defRPr sz="1800" kern="1200">
-          <a:solidFill>
-            <a:schemeClr val="tx1"/>
-          </a:solidFill>
-          <a:latin typeface="+mn-lt"/>
-          <a:ea typeface="+mn-ea"/>
-          <a:cs typeface="+mn-cs"/>
-        </a:defRPr>
-      </a:lvl6pPr>
-      <a:lvl7pPr marL="2743200" algn="l" defTabSz="914400" rtl="0" eaLnBrk="1" latinLnBrk="0" hangingPunct="1">
-        <a:defRPr sz="1800" kern="1200">
-          <a:solidFill>
-            <a:schemeClr val="tx1"/>
-          </a:solidFill>
-          <a:latin typeface="+mn-lt"/>
-          <a:ea typeface="+mn-ea"/>
-          <a:cs typeface="+mn-cs"/>
-        </a:defRPr>
-      </a:lvl7pPr>
-      <a:lvl8pPr marL="3200400" algn="l" defTabSz="914400" rtl="0" eaLnBrk="1" latinLnBrk="0" hangingPunct="1">
-        <a:defRPr sz="1800" kern="1200">
-          <a:solidFill>
-            <a:schemeClr val="tx1"/>
-          </a:solidFill>
-          <a:latin typeface="+mn-lt"/>
-          <a:ea typeface="+mn-ea"/>
-          <a:cs typeface="+mn-cs"/>
-        </a:defRPr>
-      </a:lvl8pPr>
-      <a:lvl9pPr marL="3657600" algn="l" defTabSz="914400" rtl="0" eaLnBrk="1" latinLnBrk="0" hangingPunct="1">
-        <a:defRPr sz="1800" kern="1200">
-          <a:solidFill>
-            <a:schemeClr val="tx1"/>
-          </a:solidFill>
-          <a:latin typeface="+mn-lt"/>
-          <a:ea typeface="+mn-ea"/>
-          <a:cs typeface="+mn-cs"/>
-        </a:defRPr>
-      </a:lvl9pPr>
-    </p:otherStyle>
-  </p:txStyles>
 </p:sldMaster>
 </file>
 
 <file path=ppt/slideMasters/slideMaster2.xml><?xml version="1.0" encoding="utf-8"?>
-<p:sldMaster xmlns:a="http://schemas.openxmlformats.org/drawingml/2006/main" xmlns:r="http://schemas.openxmlformats.org/officeDocument/2006/relationships" xmlns:p="http://schemas.openxmlformats.org/presentationml/2006/main">
+<p:sldMaster xmlns:a="http://schemas.openxmlformats.org/drawingml/2006/main" xmlns:p="http://schemas.openxmlformats.org/presentationml/2006/main" xmlns:r="http://schemas.openxmlformats.org/officeDocument/2006/relationships" xmlns:p14="http://schemas.microsoft.com/office/powerpoint/2010/main" xmlns:p15="http://schemas.microsoft.com/office/powerpoint/2012/main" xmlns:mc="http://schemas.openxmlformats.org/markup-compatibility/2006">
   <p:cSld>
     <p:bg>
       <p:bgPr>
         <a:solidFill>
-          <a:srgbClr val="FFFFFF"/>
+          <a:srgbClr val="ffffff"/>
         </a:solidFill>
-        <a:effectLst/>
       </p:bgPr>
     </p:bg>
     <p:spTree>
@@ -3570,32 +3296,26 @@
           </a:ln>
         </p:spPr>
         <p:style>
-          <a:lnRef idx="0">
-            <a:scrgbClr r="0" g="0" b="0"/>
-          </a:lnRef>
-          <a:fillRef idx="0">
-            <a:scrgbClr r="0" g="0" b="0"/>
-          </a:fillRef>
-          <a:effectRef idx="0">
-            <a:scrgbClr r="0" g="0" b="0"/>
-          </a:effectRef>
+          <a:lnRef idx="0"/>
+          <a:fillRef idx="0"/>
+          <a:effectRef idx="0"/>
           <a:fontRef idx="minor"/>
         </p:style>
       </p:sp>
       <p:pic>
         <p:nvPicPr>
-          <p:cNvPr id="42" name="Grafik 1"/>
+          <p:cNvPr id="42" name="Grafik 1" descr=""/>
           <p:cNvPicPr/>
           <p:nvPr/>
         </p:nvPicPr>
         <p:blipFill>
-          <a:blip r:embed="rId14"/>
+          <a:blip r:embed="rId2"/>
           <a:stretch/>
         </p:blipFill>
         <p:spPr>
           <a:xfrm>
             <a:off x="324000" y="250200"/>
-            <a:ext cx="916560" cy="539640"/>
+            <a:ext cx="916200" cy="539280"/>
           </a:xfrm>
           <a:prstGeom prst="rect">
             <a:avLst/>
@@ -3625,16 +3345,23 @@
           </a:prstGeom>
         </p:spPr>
         <p:txBody>
-          <a:bodyPr lIns="0" tIns="0" rIns="0" bIns="0" anchor="ctr"/>
-          <a:lstStyle/>
-          <a:p>
-            <a:pPr algn="ctr"/>
-            <a:r>
-              <a:rPr lang="en-US" sz="4400" b="0" strike="noStrike" spc="-1">
+          <a:bodyPr lIns="0" rIns="0" tIns="0" bIns="0" anchor="ctr"/>
+          <a:p>
+            <a:r>
+              <a:rPr b="0" lang="de-DE" sz="1800" spc="-1" strike="noStrike">
+                <a:solidFill>
+                  <a:srgbClr val="000000"/>
+                </a:solidFill>
                 <a:latin typeface="Arial"/>
               </a:rPr>
               <a:t>Click to edit the title text format</a:t>
             </a:r>
+            <a:endParaRPr b="0" lang="de-DE" sz="1800" spc="-1" strike="noStrike">
+              <a:solidFill>
+                <a:srgbClr val="000000"/>
+              </a:solidFill>
+              <a:latin typeface="Arial"/>
+            </a:endParaRPr>
           </a:p>
         </p:txBody>
       </p:sp>
@@ -3658,10 +3385,9 @@
           </a:prstGeom>
         </p:spPr>
         <p:txBody>
-          <a:bodyPr lIns="0" tIns="0" rIns="0" bIns="0">
+          <a:bodyPr lIns="0" rIns="0" tIns="0" bIns="0">
             <a:normAutofit/>
           </a:bodyPr>
-          <a:lstStyle/>
           <a:p>
             <a:pPr marL="432000" indent="-324000">
               <a:spcBef>
@@ -3675,14 +3401,23 @@
               <a:buChar char=""/>
             </a:pPr>
             <a:r>
-              <a:rPr lang="en-US" sz="3200" b="0" strike="noStrike" spc="-1">
+              <a:rPr b="0" lang="de-DE" sz="2800" spc="-1" strike="noStrike">
+                <a:solidFill>
+                  <a:srgbClr val="000000"/>
+                </a:solidFill>
                 <a:latin typeface="Arial"/>
               </a:rPr>
               <a:t>Click to edit the outline text format</a:t>
             </a:r>
-          </a:p>
-          <a:p>
-            <a:pPr marL="864000" lvl="1" indent="-324000">
+            <a:endParaRPr b="0" lang="de-DE" sz="2800" spc="-1" strike="noStrike">
+              <a:solidFill>
+                <a:srgbClr val="000000"/>
+              </a:solidFill>
+              <a:latin typeface="Arial"/>
+            </a:endParaRPr>
+          </a:p>
+          <a:p>
+            <a:pPr lvl="1" marL="864000" indent="-324000">
               <a:spcBef>
                 <a:spcPts val="1134"/>
               </a:spcBef>
@@ -3694,14 +3429,23 @@
               <a:buChar char=""/>
             </a:pPr>
             <a:r>
-              <a:rPr lang="en-US" sz="2800" b="0" strike="noStrike" spc="-1">
+              <a:rPr b="0" lang="de-DE" sz="2000" spc="-1" strike="noStrike">
+                <a:solidFill>
+                  <a:srgbClr val="000000"/>
+                </a:solidFill>
                 <a:latin typeface="Arial"/>
               </a:rPr>
               <a:t>Second Outline Level</a:t>
             </a:r>
-          </a:p>
-          <a:p>
-            <a:pPr marL="1296000" lvl="2" indent="-288000">
+            <a:endParaRPr b="0" lang="de-DE" sz="2000" spc="-1" strike="noStrike">
+              <a:solidFill>
+                <a:srgbClr val="000000"/>
+              </a:solidFill>
+              <a:latin typeface="Arial"/>
+            </a:endParaRPr>
+          </a:p>
+          <a:p>
+            <a:pPr lvl="2" marL="1296000" indent="-288000">
               <a:spcBef>
                 <a:spcPts val="850"/>
               </a:spcBef>
@@ -3713,14 +3457,23 @@
               <a:buChar char=""/>
             </a:pPr>
             <a:r>
-              <a:rPr lang="en-US" sz="2400" b="0" strike="noStrike" spc="-1">
+              <a:rPr b="0" lang="de-DE" sz="1800" spc="-1" strike="noStrike">
+                <a:solidFill>
+                  <a:srgbClr val="000000"/>
+                </a:solidFill>
                 <a:latin typeface="Arial"/>
               </a:rPr>
               <a:t>Third Outline Level</a:t>
             </a:r>
-          </a:p>
-          <a:p>
-            <a:pPr marL="1728000" lvl="3" indent="-216000">
+            <a:endParaRPr b="0" lang="de-DE" sz="1800" spc="-1" strike="noStrike">
+              <a:solidFill>
+                <a:srgbClr val="000000"/>
+              </a:solidFill>
+              <a:latin typeface="Arial"/>
+            </a:endParaRPr>
+          </a:p>
+          <a:p>
+            <a:pPr lvl="3" marL="1728000" indent="-216000">
               <a:spcBef>
                 <a:spcPts val="567"/>
               </a:spcBef>
@@ -3732,14 +3485,23 @@
               <a:buChar char=""/>
             </a:pPr>
             <a:r>
-              <a:rPr lang="en-US" sz="2000" b="0" strike="noStrike" spc="-1">
+              <a:rPr b="0" lang="de-DE" sz="1800" spc="-1" strike="noStrike">
+                <a:solidFill>
+                  <a:srgbClr val="000000"/>
+                </a:solidFill>
                 <a:latin typeface="Arial"/>
               </a:rPr>
               <a:t>Fourth Outline Level</a:t>
             </a:r>
-          </a:p>
-          <a:p>
-            <a:pPr marL="2160000" lvl="4" indent="-216000">
+            <a:endParaRPr b="0" lang="de-DE" sz="1800" spc="-1" strike="noStrike">
+              <a:solidFill>
+                <a:srgbClr val="000000"/>
+              </a:solidFill>
+              <a:latin typeface="Arial"/>
+            </a:endParaRPr>
+          </a:p>
+          <a:p>
+            <a:pPr lvl="4" marL="2160000" indent="-216000">
               <a:spcBef>
                 <a:spcPts val="283"/>
               </a:spcBef>
@@ -3751,14 +3513,23 @@
               <a:buChar char=""/>
             </a:pPr>
             <a:r>
-              <a:rPr lang="en-US" sz="2000" b="0" strike="noStrike" spc="-1">
+              <a:rPr b="0" lang="de-DE" sz="2000" spc="-1" strike="noStrike">
+                <a:solidFill>
+                  <a:srgbClr val="000000"/>
+                </a:solidFill>
                 <a:latin typeface="Arial"/>
               </a:rPr>
               <a:t>Fifth Outline Level</a:t>
             </a:r>
-          </a:p>
-          <a:p>
-            <a:pPr marL="2592000" lvl="5" indent="-216000">
+            <a:endParaRPr b="0" lang="de-DE" sz="2000" spc="-1" strike="noStrike">
+              <a:solidFill>
+                <a:srgbClr val="000000"/>
+              </a:solidFill>
+              <a:latin typeface="Arial"/>
+            </a:endParaRPr>
+          </a:p>
+          <a:p>
+            <a:pPr lvl="5" marL="2592000" indent="-216000">
               <a:spcBef>
                 <a:spcPts val="283"/>
               </a:spcBef>
@@ -3770,14 +3541,23 @@
               <a:buChar char=""/>
             </a:pPr>
             <a:r>
-              <a:rPr lang="en-US" sz="2000" b="0" strike="noStrike" spc="-1">
+              <a:rPr b="0" lang="de-DE" sz="2000" spc="-1" strike="noStrike">
+                <a:solidFill>
+                  <a:srgbClr val="000000"/>
+                </a:solidFill>
                 <a:latin typeface="Arial"/>
               </a:rPr>
               <a:t>Sixth Outline Level</a:t>
             </a:r>
-          </a:p>
-          <a:p>
-            <a:pPr marL="3024000" lvl="6" indent="-216000">
+            <a:endParaRPr b="0" lang="de-DE" sz="2000" spc="-1" strike="noStrike">
+              <a:solidFill>
+                <a:srgbClr val="000000"/>
+              </a:solidFill>
+              <a:latin typeface="Arial"/>
+            </a:endParaRPr>
+          </a:p>
+          <a:p>
+            <a:pPr lvl="6" marL="3024000" indent="-216000">
               <a:spcBef>
                 <a:spcPts val="283"/>
               </a:spcBef>
@@ -3789,316 +3569,45 @@
               <a:buChar char=""/>
             </a:pPr>
             <a:r>
-              <a:rPr lang="en-US" sz="2000" b="0" strike="noStrike" spc="-1">
+              <a:rPr b="0" lang="de-DE" sz="2000" spc="-1" strike="noStrike">
+                <a:solidFill>
+                  <a:srgbClr val="000000"/>
+                </a:solidFill>
                 <a:latin typeface="Arial"/>
               </a:rPr>
               <a:t>Seventh Outline Level</a:t>
             </a:r>
+            <a:endParaRPr b="0" lang="de-DE" sz="2000" spc="-1" strike="noStrike">
+              <a:solidFill>
+                <a:srgbClr val="000000"/>
+              </a:solidFill>
+              <a:latin typeface="Arial"/>
+            </a:endParaRPr>
           </a:p>
         </p:txBody>
       </p:sp>
     </p:spTree>
   </p:cSld>
-  <p:clrMap bg1="lt1" tx1="dk1" bg2="lt2" tx2="dk2" accent1="accent1" accent2="accent2" accent3="accent3" accent4="accent4" accent5="accent5" accent6="accent6" hlink="hlink" folHlink="folHlink"/>
+  <p:clrMap bg1="lt1" bg2="lt2" tx1="dk1" tx2="dk2" accent1="accent1" accent2="accent2" accent3="accent3" accent4="accent4" accent5="accent5" accent6="accent6" hlink="hlink" folHlink="folHlink"/>
   <p:sldLayoutIdLst>
-    <p:sldLayoutId id="2147483662" r:id="rId1"/>
-    <p:sldLayoutId id="2147483663" r:id="rId2"/>
-    <p:sldLayoutId id="2147483664" r:id="rId3"/>
-    <p:sldLayoutId id="2147483665" r:id="rId4"/>
-    <p:sldLayoutId id="2147483666" r:id="rId5"/>
-    <p:sldLayoutId id="2147483667" r:id="rId6"/>
-    <p:sldLayoutId id="2147483668" r:id="rId7"/>
-    <p:sldLayoutId id="2147483669" r:id="rId8"/>
-    <p:sldLayoutId id="2147483670" r:id="rId9"/>
-    <p:sldLayoutId id="2147483671" r:id="rId10"/>
-    <p:sldLayoutId id="2147483672" r:id="rId11"/>
-    <p:sldLayoutId id="2147483673" r:id="rId12"/>
+    <p:sldLayoutId id="2147483662" r:id="rId3"/>
+    <p:sldLayoutId id="2147483663" r:id="rId4"/>
+    <p:sldLayoutId id="2147483664" r:id="rId5"/>
+    <p:sldLayoutId id="2147483665" r:id="rId6"/>
+    <p:sldLayoutId id="2147483666" r:id="rId7"/>
+    <p:sldLayoutId id="2147483667" r:id="rId8"/>
+    <p:sldLayoutId id="2147483668" r:id="rId9"/>
+    <p:sldLayoutId id="2147483669" r:id="rId10"/>
+    <p:sldLayoutId id="2147483670" r:id="rId11"/>
+    <p:sldLayoutId id="2147483671" r:id="rId12"/>
+    <p:sldLayoutId id="2147483672" r:id="rId13"/>
+    <p:sldLayoutId id="2147483673" r:id="rId14"/>
   </p:sldLayoutIdLst>
-  <p:txStyles>
-    <p:titleStyle>
-      <a:lvl1pPr algn="l" defTabSz="914400" rtl="0" eaLnBrk="1" latinLnBrk="0" hangingPunct="1">
-        <a:lnSpc>
-          <a:spcPct val="90000"/>
-        </a:lnSpc>
-        <a:spcBef>
-          <a:spcPct val="0"/>
-        </a:spcBef>
-        <a:buNone/>
-        <a:defRPr sz="4400" kern="1200">
-          <a:solidFill>
-            <a:schemeClr val="tx1"/>
-          </a:solidFill>
-          <a:latin typeface="+mj-lt"/>
-          <a:ea typeface="+mj-ea"/>
-          <a:cs typeface="+mj-cs"/>
-        </a:defRPr>
-      </a:lvl1pPr>
-    </p:titleStyle>
-    <p:bodyStyle>
-      <a:lvl1pPr marL="228600" indent="-228600" algn="l" defTabSz="914400" rtl="0" eaLnBrk="1" latinLnBrk="0" hangingPunct="1">
-        <a:lnSpc>
-          <a:spcPct val="90000"/>
-        </a:lnSpc>
-        <a:spcBef>
-          <a:spcPts val="1000"/>
-        </a:spcBef>
-        <a:buFont typeface="Arial" panose="020B0604020202020204" pitchFamily="34" charset="0"/>
-        <a:buChar char="•"/>
-        <a:defRPr sz="2800" kern="1200">
-          <a:solidFill>
-            <a:schemeClr val="tx1"/>
-          </a:solidFill>
-          <a:latin typeface="+mn-lt"/>
-          <a:ea typeface="+mn-ea"/>
-          <a:cs typeface="+mn-cs"/>
-        </a:defRPr>
-      </a:lvl1pPr>
-      <a:lvl2pPr marL="685800" indent="-228600" algn="l" defTabSz="914400" rtl="0" eaLnBrk="1" latinLnBrk="0" hangingPunct="1">
-        <a:lnSpc>
-          <a:spcPct val="90000"/>
-        </a:lnSpc>
-        <a:spcBef>
-          <a:spcPts val="500"/>
-        </a:spcBef>
-        <a:buFont typeface="Arial" panose="020B0604020202020204" pitchFamily="34" charset="0"/>
-        <a:buChar char="•"/>
-        <a:defRPr sz="2400" kern="1200">
-          <a:solidFill>
-            <a:schemeClr val="tx1"/>
-          </a:solidFill>
-          <a:latin typeface="+mn-lt"/>
-          <a:ea typeface="+mn-ea"/>
-          <a:cs typeface="+mn-cs"/>
-        </a:defRPr>
-      </a:lvl2pPr>
-      <a:lvl3pPr marL="1143000" indent="-228600" algn="l" defTabSz="914400" rtl="0" eaLnBrk="1" latinLnBrk="0" hangingPunct="1">
-        <a:lnSpc>
-          <a:spcPct val="90000"/>
-        </a:lnSpc>
-        <a:spcBef>
-          <a:spcPts val="500"/>
-        </a:spcBef>
-        <a:buFont typeface="Arial" panose="020B0604020202020204" pitchFamily="34" charset="0"/>
-        <a:buChar char="•"/>
-        <a:defRPr sz="2000" kern="1200">
-          <a:solidFill>
-            <a:schemeClr val="tx1"/>
-          </a:solidFill>
-          <a:latin typeface="+mn-lt"/>
-          <a:ea typeface="+mn-ea"/>
-          <a:cs typeface="+mn-cs"/>
-        </a:defRPr>
-      </a:lvl3pPr>
-      <a:lvl4pPr marL="1600200" indent="-228600" algn="l" defTabSz="914400" rtl="0" eaLnBrk="1" latinLnBrk="0" hangingPunct="1">
-        <a:lnSpc>
-          <a:spcPct val="90000"/>
-        </a:lnSpc>
-        <a:spcBef>
-          <a:spcPts val="500"/>
-        </a:spcBef>
-        <a:buFont typeface="Arial" panose="020B0604020202020204" pitchFamily="34" charset="0"/>
-        <a:buChar char="•"/>
-        <a:defRPr sz="1800" kern="1200">
-          <a:solidFill>
-            <a:schemeClr val="tx1"/>
-          </a:solidFill>
-          <a:latin typeface="+mn-lt"/>
-          <a:ea typeface="+mn-ea"/>
-          <a:cs typeface="+mn-cs"/>
-        </a:defRPr>
-      </a:lvl4pPr>
-      <a:lvl5pPr marL="2057400" indent="-228600" algn="l" defTabSz="914400" rtl="0" eaLnBrk="1" latinLnBrk="0" hangingPunct="1">
-        <a:lnSpc>
-          <a:spcPct val="90000"/>
-        </a:lnSpc>
-        <a:spcBef>
-          <a:spcPts val="500"/>
-        </a:spcBef>
-        <a:buFont typeface="Arial" panose="020B0604020202020204" pitchFamily="34" charset="0"/>
-        <a:buChar char="•"/>
-        <a:defRPr sz="1800" kern="1200">
-          <a:solidFill>
-            <a:schemeClr val="tx1"/>
-          </a:solidFill>
-          <a:latin typeface="+mn-lt"/>
-          <a:ea typeface="+mn-ea"/>
-          <a:cs typeface="+mn-cs"/>
-        </a:defRPr>
-      </a:lvl5pPr>
-      <a:lvl6pPr marL="2514600" indent="-228600" algn="l" defTabSz="914400" rtl="0" eaLnBrk="1" latinLnBrk="0" hangingPunct="1">
-        <a:lnSpc>
-          <a:spcPct val="90000"/>
-        </a:lnSpc>
-        <a:spcBef>
-          <a:spcPts val="500"/>
-        </a:spcBef>
-        <a:buFont typeface="Arial" panose="020B0604020202020204" pitchFamily="34" charset="0"/>
-        <a:buChar char="•"/>
-        <a:defRPr sz="1800" kern="1200">
-          <a:solidFill>
-            <a:schemeClr val="tx1"/>
-          </a:solidFill>
-          <a:latin typeface="+mn-lt"/>
-          <a:ea typeface="+mn-ea"/>
-          <a:cs typeface="+mn-cs"/>
-        </a:defRPr>
-      </a:lvl6pPr>
-      <a:lvl7pPr marL="2971800" indent="-228600" algn="l" defTabSz="914400" rtl="0" eaLnBrk="1" latinLnBrk="0" hangingPunct="1">
-        <a:lnSpc>
-          <a:spcPct val="90000"/>
-        </a:lnSpc>
-        <a:spcBef>
-          <a:spcPts val="500"/>
-        </a:spcBef>
-        <a:buFont typeface="Arial" panose="020B0604020202020204" pitchFamily="34" charset="0"/>
-        <a:buChar char="•"/>
-        <a:defRPr sz="1800" kern="1200">
-          <a:solidFill>
-            <a:schemeClr val="tx1"/>
-          </a:solidFill>
-          <a:latin typeface="+mn-lt"/>
-          <a:ea typeface="+mn-ea"/>
-          <a:cs typeface="+mn-cs"/>
-        </a:defRPr>
-      </a:lvl7pPr>
-      <a:lvl8pPr marL="3429000" indent="-228600" algn="l" defTabSz="914400" rtl="0" eaLnBrk="1" latinLnBrk="0" hangingPunct="1">
-        <a:lnSpc>
-          <a:spcPct val="90000"/>
-        </a:lnSpc>
-        <a:spcBef>
-          <a:spcPts val="500"/>
-        </a:spcBef>
-        <a:buFont typeface="Arial" panose="020B0604020202020204" pitchFamily="34" charset="0"/>
-        <a:buChar char="•"/>
-        <a:defRPr sz="1800" kern="1200">
-          <a:solidFill>
-            <a:schemeClr val="tx1"/>
-          </a:solidFill>
-          <a:latin typeface="+mn-lt"/>
-          <a:ea typeface="+mn-ea"/>
-          <a:cs typeface="+mn-cs"/>
-        </a:defRPr>
-      </a:lvl8pPr>
-      <a:lvl9pPr marL="3886200" indent="-228600" algn="l" defTabSz="914400" rtl="0" eaLnBrk="1" latinLnBrk="0" hangingPunct="1">
-        <a:lnSpc>
-          <a:spcPct val="90000"/>
-        </a:lnSpc>
-        <a:spcBef>
-          <a:spcPts val="500"/>
-        </a:spcBef>
-        <a:buFont typeface="Arial" panose="020B0604020202020204" pitchFamily="34" charset="0"/>
-        <a:buChar char="•"/>
-        <a:defRPr sz="1800" kern="1200">
-          <a:solidFill>
-            <a:schemeClr val="tx1"/>
-          </a:solidFill>
-          <a:latin typeface="+mn-lt"/>
-          <a:ea typeface="+mn-ea"/>
-          <a:cs typeface="+mn-cs"/>
-        </a:defRPr>
-      </a:lvl9pPr>
-    </p:bodyStyle>
-    <p:otherStyle>
-      <a:defPPr>
-        <a:defRPr lang="de-DE"/>
-      </a:defPPr>
-      <a:lvl1pPr marL="0" algn="l" defTabSz="914400" rtl="0" eaLnBrk="1" latinLnBrk="0" hangingPunct="1">
-        <a:defRPr sz="1800" kern="1200">
-          <a:solidFill>
-            <a:schemeClr val="tx1"/>
-          </a:solidFill>
-          <a:latin typeface="+mn-lt"/>
-          <a:ea typeface="+mn-ea"/>
-          <a:cs typeface="+mn-cs"/>
-        </a:defRPr>
-      </a:lvl1pPr>
-      <a:lvl2pPr marL="457200" algn="l" defTabSz="914400" rtl="0" eaLnBrk="1" latinLnBrk="0" hangingPunct="1">
-        <a:defRPr sz="1800" kern="1200">
-          <a:solidFill>
-            <a:schemeClr val="tx1"/>
-          </a:solidFill>
-          <a:latin typeface="+mn-lt"/>
-          <a:ea typeface="+mn-ea"/>
-          <a:cs typeface="+mn-cs"/>
-        </a:defRPr>
-      </a:lvl2pPr>
-      <a:lvl3pPr marL="914400" algn="l" defTabSz="914400" rtl="0" eaLnBrk="1" latinLnBrk="0" hangingPunct="1">
-        <a:defRPr sz="1800" kern="1200">
-          <a:solidFill>
-            <a:schemeClr val="tx1"/>
-          </a:solidFill>
-          <a:latin typeface="+mn-lt"/>
-          <a:ea typeface="+mn-ea"/>
-          <a:cs typeface="+mn-cs"/>
-        </a:defRPr>
-      </a:lvl3pPr>
-      <a:lvl4pPr marL="1371600" algn="l" defTabSz="914400" rtl="0" eaLnBrk="1" latinLnBrk="0" hangingPunct="1">
-        <a:defRPr sz="1800" kern="1200">
-          <a:solidFill>
-            <a:schemeClr val="tx1"/>
-          </a:solidFill>
-          <a:latin typeface="+mn-lt"/>
-          <a:ea typeface="+mn-ea"/>
-          <a:cs typeface="+mn-cs"/>
-        </a:defRPr>
-      </a:lvl4pPr>
-      <a:lvl5pPr marL="1828800" algn="l" defTabSz="914400" rtl="0" eaLnBrk="1" latinLnBrk="0" hangingPunct="1">
-        <a:defRPr sz="1800" kern="1200">
-          <a:solidFill>
-            <a:schemeClr val="tx1"/>
-          </a:solidFill>
-          <a:latin typeface="+mn-lt"/>
-          <a:ea typeface="+mn-ea"/>
-          <a:cs typeface="+mn-cs"/>
-        </a:defRPr>
-      </a:lvl5pPr>
-      <a:lvl6pPr marL="2286000" algn="l" defTabSz="914400" rtl="0" eaLnBrk="1" latinLnBrk="0" hangingPunct="1">
-        <a:defRPr sz="1800" kern="1200">
-          <a:solidFill>
-            <a:schemeClr val="tx1"/>
-          </a:solidFill>
-          <a:latin typeface="+mn-lt"/>
-          <a:ea typeface="+mn-ea"/>
-          <a:cs typeface="+mn-cs"/>
-        </a:defRPr>
-      </a:lvl6pPr>
-      <a:lvl7pPr marL="2743200" algn="l" defTabSz="914400" rtl="0" eaLnBrk="1" latinLnBrk="0" hangingPunct="1">
-        <a:defRPr sz="1800" kern="1200">
-          <a:solidFill>
-            <a:schemeClr val="tx1"/>
-          </a:solidFill>
-          <a:latin typeface="+mn-lt"/>
-          <a:ea typeface="+mn-ea"/>
-          <a:cs typeface="+mn-cs"/>
-        </a:defRPr>
-      </a:lvl7pPr>
-      <a:lvl8pPr marL="3200400" algn="l" defTabSz="914400" rtl="0" eaLnBrk="1" latinLnBrk="0" hangingPunct="1">
-        <a:defRPr sz="1800" kern="1200">
-          <a:solidFill>
-            <a:schemeClr val="tx1"/>
-          </a:solidFill>
-          <a:latin typeface="+mn-lt"/>
-          <a:ea typeface="+mn-ea"/>
-          <a:cs typeface="+mn-cs"/>
-        </a:defRPr>
-      </a:lvl8pPr>
-      <a:lvl9pPr marL="3657600" algn="l" defTabSz="914400" rtl="0" eaLnBrk="1" latinLnBrk="0" hangingPunct="1">
-        <a:defRPr sz="1800" kern="1200">
-          <a:solidFill>
-            <a:schemeClr val="tx1"/>
-          </a:solidFill>
-          <a:latin typeface="+mn-lt"/>
-          <a:ea typeface="+mn-ea"/>
-          <a:cs typeface="+mn-cs"/>
-        </a:defRPr>
-      </a:lvl9pPr>
-    </p:otherStyle>
-  </p:txStyles>
 </p:sldMaster>
 </file>
 
 <file path=ppt/slides/slide1.xml><?xml version="1.0" encoding="utf-8"?>
-<p:sld xmlns:a="http://schemas.openxmlformats.org/drawingml/2006/main" xmlns:r="http://schemas.openxmlformats.org/officeDocument/2006/relationships" xmlns:p="http://schemas.openxmlformats.org/presentationml/2006/main">
+<p:sld xmlns:a="http://schemas.openxmlformats.org/drawingml/2006/main" xmlns:p="http://schemas.openxmlformats.org/presentationml/2006/main" xmlns:r="http://schemas.openxmlformats.org/officeDocument/2006/relationships" xmlns:p14="http://schemas.microsoft.com/office/powerpoint/2010/main" xmlns:p15="http://schemas.microsoft.com/office/powerpoint/2012/main" xmlns:mc="http://schemas.openxmlformats.org/markup-compatibility/2006">
   <p:cSld>
     <p:spTree>
       <p:nvGrpSpPr>
@@ -4123,7 +3632,7 @@
         <p:spPr>
           <a:xfrm>
             <a:off x="744480" y="1332360"/>
-            <a:ext cx="9213120" cy="361080"/>
+            <a:ext cx="9212760" cy="360720"/>
           </a:xfrm>
           <a:prstGeom prst="rect">
             <a:avLst/>
@@ -4134,20 +3643,13 @@
           </a:ln>
         </p:spPr>
         <p:style>
-          <a:lnRef idx="0">
-            <a:scrgbClr r="0" g="0" b="0"/>
-          </a:lnRef>
-          <a:fillRef idx="0">
-            <a:scrgbClr r="0" g="0" b="0"/>
-          </a:fillRef>
-          <a:effectRef idx="0">
-            <a:scrgbClr r="0" g="0" b="0"/>
-          </a:effectRef>
+          <a:lnRef idx="0"/>
+          <a:fillRef idx="0"/>
+          <a:effectRef idx="0"/>
           <a:fontRef idx="minor"/>
         </p:style>
         <p:txBody>
-          <a:bodyPr lIns="0" tIns="0" rIns="0" bIns="0"/>
-          <a:lstStyle/>
+          <a:bodyPr lIns="0" rIns="0" tIns="0" bIns="0"/>
           <a:p>
             <a:pPr>
               <a:lnSpc>
@@ -4155,15 +3657,16 @@
               </a:lnSpc>
             </a:pPr>
             <a:r>
-              <a:rPr lang="en-US" sz="3600" b="1" strike="noStrike" spc="-1">
-                <a:solidFill>
-                  <a:srgbClr val="000000"/>
-                </a:solidFill>
-                <a:latin typeface="Arial"/>
+              <a:rPr b="1" lang="en-US" sz="3600" spc="-1" strike="noStrike">
+                <a:solidFill>
+                  <a:srgbClr val="000000"/>
+                </a:solidFill>
+                <a:latin typeface="Arial"/>
+                <a:ea typeface="DejaVu Sans"/>
               </a:rPr>
               <a:t>Group Assignment DigiBP Rhein</a:t>
             </a:r>
-            <a:endParaRPr lang="en-US" sz="3600" b="0" strike="noStrike" spc="-1">
+            <a:endParaRPr b="0" lang="en-US" sz="3600" spc="-1" strike="noStrike">
               <a:latin typeface="Arial"/>
             </a:endParaRPr>
           </a:p>
@@ -4178,28 +3681,22 @@
         <p:spPr>
           <a:xfrm>
             <a:off x="0" y="3276000"/>
-            <a:ext cx="737280" cy="3080880"/>
+            <a:ext cx="736920" cy="3080520"/>
           </a:xfrm>
           <a:prstGeom prst="rect">
             <a:avLst/>
           </a:prstGeom>
           <a:solidFill>
-            <a:srgbClr val="FFFF00"/>
+            <a:srgbClr val="ffff00"/>
           </a:solidFill>
           <a:ln>
             <a:noFill/>
           </a:ln>
         </p:spPr>
         <p:style>
-          <a:lnRef idx="0">
-            <a:scrgbClr r="0" g="0" b="0"/>
-          </a:lnRef>
-          <a:fillRef idx="0">
-            <a:scrgbClr r="0" g="0" b="0"/>
-          </a:fillRef>
-          <a:effectRef idx="0">
-            <a:scrgbClr r="0" g="0" b="0"/>
-          </a:effectRef>
+          <a:lnRef idx="0"/>
+          <a:fillRef idx="0"/>
+          <a:effectRef idx="0"/>
           <a:fontRef idx="minor"/>
         </p:style>
       </p:sp>
@@ -4212,7 +3709,7 @@
         <p:spPr>
           <a:xfrm>
             <a:off x="744480" y="1980360"/>
-            <a:ext cx="9213120" cy="361080"/>
+            <a:ext cx="9212760" cy="360720"/>
           </a:xfrm>
           <a:prstGeom prst="rect">
             <a:avLst/>
@@ -4223,20 +3720,13 @@
           </a:ln>
         </p:spPr>
         <p:style>
-          <a:lnRef idx="0">
-            <a:scrgbClr r="0" g="0" b="0"/>
-          </a:lnRef>
-          <a:fillRef idx="0">
-            <a:scrgbClr r="0" g="0" b="0"/>
-          </a:fillRef>
-          <a:effectRef idx="0">
-            <a:scrgbClr r="0" g="0" b="0"/>
-          </a:effectRef>
+          <a:lnRef idx="0"/>
+          <a:fillRef idx="0"/>
+          <a:effectRef idx="0"/>
           <a:fontRef idx="minor"/>
         </p:style>
         <p:txBody>
-          <a:bodyPr lIns="0" tIns="0" rIns="0" bIns="0"/>
-          <a:lstStyle/>
+          <a:bodyPr lIns="0" rIns="0" tIns="0" bIns="0"/>
           <a:p>
             <a:pPr>
               <a:lnSpc>
@@ -4244,7 +3734,7 @@
               </a:lnSpc>
             </a:pPr>
             <a:r>
-              <a:rPr lang="en-US" sz="2000" b="1" strike="noStrike" spc="-1">
+              <a:rPr b="1" lang="en-US" sz="2000" spc="-1" strike="noStrike">
                 <a:solidFill>
                   <a:srgbClr val="000000"/>
                 </a:solidFill>
@@ -4253,7 +3743,7 @@
               </a:rPr>
               <a:t>Pamela Streisguth, Sebastian Kluthe, Teyfik Agac</a:t>
             </a:r>
-            <a:endParaRPr lang="en-US" sz="2000" b="0" strike="noStrike" spc="-1">
+            <a:endParaRPr b="0" lang="en-US" sz="2000" spc="-1" strike="noStrike">
               <a:latin typeface="Arial"/>
             </a:endParaRPr>
           </a:p>
@@ -4261,18 +3751,18 @@
       </p:sp>
       <p:pic>
         <p:nvPicPr>
-          <p:cNvPr id="84" name="Picture 2"/>
+          <p:cNvPr id="84" name="Picture 2" descr=""/>
           <p:cNvPicPr/>
           <p:nvPr/>
         </p:nvPicPr>
         <p:blipFill>
-          <a:blip r:embed="rId2"/>
+          <a:blip r:embed="rId1"/>
           <a:stretch/>
         </p:blipFill>
         <p:spPr>
           <a:xfrm>
             <a:off x="1494360" y="2484360"/>
-            <a:ext cx="7704000" cy="4564080"/>
+            <a:ext cx="7703640" cy="4563720"/>
           </a:xfrm>
           <a:prstGeom prst="rect">
             <a:avLst/>
@@ -4291,7 +3781,7 @@
         <p:spPr>
           <a:xfrm>
             <a:off x="746640" y="7191360"/>
-            <a:ext cx="9213120" cy="361080"/>
+            <a:ext cx="9212760" cy="360720"/>
           </a:xfrm>
           <a:prstGeom prst="rect">
             <a:avLst/>
@@ -4302,20 +3792,13 @@
           </a:ln>
         </p:spPr>
         <p:style>
-          <a:lnRef idx="0">
-            <a:scrgbClr r="0" g="0" b="0"/>
-          </a:lnRef>
-          <a:fillRef idx="0">
-            <a:scrgbClr r="0" g="0" b="0"/>
-          </a:fillRef>
-          <a:effectRef idx="0">
-            <a:scrgbClr r="0" g="0" b="0"/>
-          </a:effectRef>
+          <a:lnRef idx="0"/>
+          <a:fillRef idx="0"/>
+          <a:effectRef idx="0"/>
           <a:fontRef idx="minor"/>
         </p:style>
         <p:txBody>
-          <a:bodyPr lIns="0" tIns="0" rIns="0" bIns="0"/>
-          <a:lstStyle/>
+          <a:bodyPr lIns="0" rIns="0" tIns="0" bIns="0"/>
           <a:p>
             <a:pPr>
               <a:lnSpc>
@@ -4323,7 +3806,7 @@
               </a:lnSpc>
             </a:pPr>
             <a:r>
-              <a:rPr lang="en-US" sz="800" b="0" strike="noStrike" spc="-1">
+              <a:rPr b="0" lang="en-US" sz="800" spc="-1" strike="noStrike">
                 <a:solidFill>
                   <a:srgbClr val="000000"/>
                 </a:solidFill>
@@ -4332,7 +3815,7 @@
               </a:rPr>
               <a:t>https://woxapp.com/industries/digitalization-solutions-development/</a:t>
             </a:r>
-            <a:endParaRPr lang="en-US" sz="800" b="0" strike="noStrike" spc="-1">
+            <a:endParaRPr b="0" lang="en-US" sz="800" spc="-1" strike="noStrike">
               <a:latin typeface="Arial"/>
             </a:endParaRPr>
           </a:p>
@@ -4340,9 +3823,6 @@
       </p:sp>
     </p:spTree>
   </p:cSld>
-  <p:clrMapOvr>
-    <a:masterClrMapping/>
-  </p:clrMapOvr>
   <p:timing>
     <p:tnLst>
       <p:par>
@@ -4351,14 +3831,14 @@
             <p:seq>
               <p:cTn id="2" dur="indefinite" nodeType="mainSeq"/>
               <p:prevCondLst>
-                <p:cond evt="onPrev" delay="0">
+                <p:cond delay="0" evt="onPrev">
                   <p:tgtEl>
                     <p:sldTgt/>
                   </p:tgtEl>
                 </p:cond>
               </p:prevCondLst>
               <p:nextCondLst>
-                <p:cond evt="onNext" delay="0">
+                <p:cond delay="0" evt="onNext">
                   <p:tgtEl>
                     <p:sldTgt/>
                   </p:tgtEl>
@@ -4374,7 +3854,7 @@
 </file>
 
 <file path=ppt/slides/slide10.xml><?xml version="1.0" encoding="utf-8"?>
-<p:sld xmlns:a="http://schemas.openxmlformats.org/drawingml/2006/main" xmlns:r="http://schemas.openxmlformats.org/officeDocument/2006/relationships" xmlns:p="http://schemas.openxmlformats.org/presentationml/2006/main">
+<p:sld xmlns:a="http://schemas.openxmlformats.org/drawingml/2006/main" xmlns:p="http://schemas.openxmlformats.org/presentationml/2006/main" xmlns:r="http://schemas.openxmlformats.org/officeDocument/2006/relationships" xmlns:p14="http://schemas.microsoft.com/office/powerpoint/2010/main" xmlns:p15="http://schemas.microsoft.com/office/powerpoint/2012/main" xmlns:mc="http://schemas.openxmlformats.org/markup-compatibility/2006">
   <p:cSld>
     <p:spTree>
       <p:nvGrpSpPr>
@@ -4392,14 +3872,14 @@
       </p:grpSpPr>
       <p:sp>
         <p:nvSpPr>
-          <p:cNvPr id="132" name="CustomShape 1"/>
+          <p:cNvPr id="138" name="CustomShape 1"/>
           <p:cNvSpPr/>
           <p:nvPr/>
         </p:nvSpPr>
         <p:spPr>
           <a:xfrm>
             <a:off x="736560" y="1509840"/>
-            <a:ext cx="9213120" cy="361080"/>
+            <a:ext cx="9212760" cy="360720"/>
           </a:xfrm>
           <a:prstGeom prst="rect">
             <a:avLst/>
@@ -4410,20 +3890,13 @@
           </a:ln>
         </p:spPr>
         <p:style>
-          <a:lnRef idx="0">
-            <a:scrgbClr r="0" g="0" b="0"/>
-          </a:lnRef>
-          <a:fillRef idx="0">
-            <a:scrgbClr r="0" g="0" b="0"/>
-          </a:fillRef>
-          <a:effectRef idx="0">
-            <a:scrgbClr r="0" g="0" b="0"/>
-          </a:effectRef>
+          <a:lnRef idx="0"/>
+          <a:fillRef idx="0"/>
+          <a:effectRef idx="0"/>
           <a:fontRef idx="minor"/>
         </p:style>
         <p:txBody>
-          <a:bodyPr lIns="0" tIns="0" rIns="0" bIns="0"/>
-          <a:lstStyle/>
+          <a:bodyPr lIns="0" rIns="0" tIns="0" bIns="0"/>
           <a:p>
             <a:pPr>
               <a:lnSpc>
@@ -4431,30 +3904,31 @@
               </a:lnSpc>
             </a:pPr>
             <a:r>
-              <a:rPr lang="en-US" sz="2000" b="1" strike="noStrike" spc="-1">
-                <a:solidFill>
-                  <a:srgbClr val="000000"/>
-                </a:solidFill>
-                <a:latin typeface="Arial"/>
+              <a:rPr b="1" lang="en-US" sz="2000" spc="-1" strike="noStrike">
+                <a:solidFill>
+                  <a:srgbClr val="000000"/>
+                </a:solidFill>
+                <a:latin typeface="Arial"/>
+                <a:ea typeface="DejaVu Sans"/>
               </a:rPr>
               <a:t>Outlook</a:t>
             </a:r>
-            <a:endParaRPr lang="en-US" sz="2000" b="0" strike="noStrike" spc="-1">
-              <a:latin typeface="Arial"/>
-            </a:endParaRPr>
-          </a:p>
-        </p:txBody>
-      </p:sp>
-      <p:sp>
-        <p:nvSpPr>
-          <p:cNvPr id="133" name="CustomShape 2"/>
+            <a:endParaRPr b="0" lang="en-US" sz="2000" spc="-1" strike="noStrike">
+              <a:latin typeface="Arial"/>
+            </a:endParaRPr>
+          </a:p>
+        </p:txBody>
+      </p:sp>
+      <p:sp>
+        <p:nvSpPr>
+          <p:cNvPr id="139" name="CustomShape 2"/>
           <p:cNvSpPr/>
           <p:nvPr/>
         </p:nvSpPr>
         <p:spPr>
           <a:xfrm>
             <a:off x="738360" y="2197080"/>
-            <a:ext cx="9213120" cy="4463280"/>
+            <a:ext cx="9212760" cy="4462920"/>
           </a:xfrm>
           <a:prstGeom prst="rect">
             <a:avLst/>
@@ -4465,22 +3939,15 @@
           </a:ln>
         </p:spPr>
         <p:style>
-          <a:lnRef idx="0">
-            <a:scrgbClr r="0" g="0" b="0"/>
-          </a:lnRef>
-          <a:fillRef idx="0">
-            <a:scrgbClr r="0" g="0" b="0"/>
-          </a:fillRef>
-          <a:effectRef idx="0">
-            <a:scrgbClr r="0" g="0" b="0"/>
-          </a:effectRef>
+          <a:lnRef idx="0"/>
+          <a:fillRef idx="0"/>
+          <a:effectRef idx="0"/>
           <a:fontRef idx="minor"/>
         </p:style>
         <p:txBody>
-          <a:bodyPr lIns="0" tIns="0" rIns="0" bIns="0"/>
-          <a:lstStyle/>
-          <a:p>
-            <a:pPr marL="343080" indent="-342360">
+          <a:bodyPr lIns="0" rIns="0" tIns="0" bIns="0"/>
+          <a:p>
+            <a:pPr marL="343080" indent="-342000">
               <a:lnSpc>
                 <a:spcPct val="115000"/>
               </a:lnSpc>
@@ -4494,42 +3961,44 @@
               <a:buChar char="-"/>
             </a:pPr>
             <a:r>
-              <a:rPr lang="en-US" sz="2000" b="0" strike="noStrike" spc="-1" dirty="0">
-                <a:latin typeface="Arial"/>
+              <a:rPr b="0" lang="en-US" sz="2000" spc="-1" strike="noStrike">
+                <a:solidFill>
+                  <a:srgbClr val="000000"/>
+                </a:solidFill>
+                <a:latin typeface="Arial"/>
+                <a:ea typeface="DejaVu Sans"/>
               </a:rPr>
               <a:t>Implementing a DMN to decide who attends the interviews</a:t>
             </a:r>
-          </a:p>
-          <a:p>
-            <a:pPr marL="343080" indent="-342360">
+            <a:endParaRPr b="0" lang="en-US" sz="2000" spc="-1" strike="noStrike">
+              <a:latin typeface="Arial"/>
+            </a:endParaRPr>
+          </a:p>
+          <a:p>
+            <a:pPr>
               <a:lnSpc>
                 <a:spcPct val="115000"/>
               </a:lnSpc>
               <a:spcBef>
                 <a:spcPts val="1199"/>
               </a:spcBef>
-              <a:buClr>
-                <a:srgbClr val="000000"/>
-              </a:buClr>
-              <a:buFont typeface="StarSymbol"/>
-              <a:buChar char="-"/>
-            </a:pPr>
-            <a:endParaRPr lang="en-US" sz="2000" b="0" strike="noStrike" spc="-1" dirty="0">
-              <a:latin typeface="Arial"/>
-            </a:endParaRPr>
-          </a:p>
-        </p:txBody>
-      </p:sp>
-      <p:sp>
-        <p:nvSpPr>
-          <p:cNvPr id="134" name="CustomShape 3"/>
+            </a:pPr>
+            <a:endParaRPr b="0" lang="en-US" sz="2000" spc="-1" strike="noStrike">
+              <a:latin typeface="Arial"/>
+            </a:endParaRPr>
+          </a:p>
+        </p:txBody>
+      </p:sp>
+      <p:sp>
+        <p:nvSpPr>
+          <p:cNvPr id="140" name="CustomShape 3"/>
           <p:cNvSpPr/>
           <p:nvPr/>
         </p:nvSpPr>
         <p:spPr>
           <a:xfrm>
             <a:off x="8221680" y="7197840"/>
-            <a:ext cx="864360" cy="178560"/>
+            <a:ext cx="864000" cy="178200"/>
           </a:xfrm>
           <a:prstGeom prst="rect">
             <a:avLst/>
@@ -4540,51 +4009,45 @@
           </a:ln>
         </p:spPr>
         <p:style>
-          <a:lnRef idx="0">
-            <a:scrgbClr r="0" g="0" b="0"/>
-          </a:lnRef>
-          <a:fillRef idx="0">
-            <a:scrgbClr r="0" g="0" b="0"/>
-          </a:fillRef>
-          <a:effectRef idx="0">
-            <a:scrgbClr r="0" g="0" b="0"/>
-          </a:effectRef>
+          <a:lnRef idx="0"/>
+          <a:fillRef idx="0"/>
+          <a:effectRef idx="0"/>
           <a:fontRef idx="minor"/>
         </p:style>
         <p:txBody>
-          <a:bodyPr lIns="0" tIns="0" rIns="0" bIns="0" anchor="b"/>
-          <a:lstStyle/>
+          <a:bodyPr lIns="0" rIns="0" tIns="0" bIns="0" anchor="b"/>
           <a:p>
             <a:pPr>
               <a:lnSpc>
                 <a:spcPct val="100000"/>
               </a:lnSpc>
             </a:pPr>
-            <a:fld id="{57CEC4F9-89D3-44B3-BBAB-37A2F335DF90}" type="datetime1">
-              <a:rPr lang="en-US" sz="1200" b="0" strike="noStrike" spc="-1">
-                <a:solidFill>
-                  <a:srgbClr val="000000"/>
-                </a:solidFill>
-                <a:latin typeface="Arial"/>
+            <a:fld id="{00360FBC-9C12-441C-9878-241551ECD6CC}" type="datetime1">
+              <a:rPr b="0" lang="en-US" sz="1200" spc="-1" strike="noStrike">
+                <a:solidFill>
+                  <a:srgbClr val="000000"/>
+                </a:solidFill>
+                <a:latin typeface="Arial"/>
+                <a:ea typeface="DejaVu Sans"/>
               </a:rPr>
               <a:t>12/18/2019</a:t>
             </a:fld>
-            <a:endParaRPr lang="en-US" sz="1200" b="0" strike="noStrike" spc="-1">
-              <a:latin typeface="Arial"/>
-            </a:endParaRPr>
-          </a:p>
-        </p:txBody>
-      </p:sp>
-      <p:sp>
-        <p:nvSpPr>
-          <p:cNvPr id="135" name="CustomShape 4"/>
+            <a:endParaRPr b="0" lang="en-US" sz="1200" spc="-1" strike="noStrike">
+              <a:latin typeface="Arial"/>
+            </a:endParaRPr>
+          </a:p>
+        </p:txBody>
+      </p:sp>
+      <p:sp>
+        <p:nvSpPr>
+          <p:cNvPr id="141" name="CustomShape 4"/>
           <p:cNvSpPr/>
           <p:nvPr/>
         </p:nvSpPr>
         <p:spPr>
           <a:xfrm>
             <a:off x="736560" y="7197840"/>
-            <a:ext cx="7484400" cy="178560"/>
+            <a:ext cx="7484040" cy="178200"/>
           </a:xfrm>
           <a:prstGeom prst="rect">
             <a:avLst/>
@@ -4595,20 +4058,13 @@
           </a:ln>
         </p:spPr>
         <p:style>
-          <a:lnRef idx="0">
-            <a:scrgbClr r="0" g="0" b="0"/>
-          </a:lnRef>
-          <a:fillRef idx="0">
-            <a:scrgbClr r="0" g="0" b="0"/>
-          </a:fillRef>
-          <a:effectRef idx="0">
-            <a:scrgbClr r="0" g="0" b="0"/>
-          </a:effectRef>
+          <a:lnRef idx="0"/>
+          <a:fillRef idx="0"/>
+          <a:effectRef idx="0"/>
           <a:fontRef idx="minor"/>
         </p:style>
         <p:txBody>
-          <a:bodyPr lIns="0" tIns="0" rIns="0" bIns="0" anchor="b"/>
-          <a:lstStyle/>
+          <a:bodyPr lIns="0" rIns="0" tIns="0" bIns="0" anchor="b"/>
           <a:p>
             <a:pPr>
               <a:lnSpc>
@@ -4616,30 +4072,51 @@
               </a:lnSpc>
             </a:pPr>
             <a:r>
-              <a:rPr lang="en-US" sz="1200" b="0" strike="noStrike" spc="-1">
-                <a:solidFill>
-                  <a:srgbClr val="000000"/>
-                </a:solidFill>
-                <a:latin typeface="Arial"/>
-              </a:rPr>
-              <a:t>DigiBP	Pamela Streisguth, Sebastian Kluthe, Teyfik Agac</a:t>
-            </a:r>
-            <a:endParaRPr lang="en-US" sz="1200" b="0" strike="noStrike" spc="-1">
-              <a:latin typeface="Arial"/>
-            </a:endParaRPr>
-          </a:p>
-        </p:txBody>
-      </p:sp>
-      <p:sp>
-        <p:nvSpPr>
-          <p:cNvPr id="136" name="CustomShape 5"/>
+              <a:rPr b="0" lang="en-US" sz="1200" spc="-1" strike="noStrike">
+                <a:solidFill>
+                  <a:srgbClr val="000000"/>
+                </a:solidFill>
+                <a:latin typeface="Arial"/>
+                <a:ea typeface="DejaVu Sans"/>
+              </a:rPr>
+              <a:t>DigiBP</a:t>
+            </a:r>
+            <a:r>
+              <a:rPr b="0" lang="en-US" sz="1200" spc="-1" strike="noStrike">
+                <a:solidFill>
+                  <a:srgbClr val="000000"/>
+                </a:solidFill>
+                <a:latin typeface="Arial"/>
+                <a:ea typeface="DejaVu Sans"/>
+              </a:rPr>
+              <a:t>	</a:t>
+            </a:r>
+            <a:r>
+              <a:rPr b="0" lang="en-US" sz="1200" spc="-1" strike="noStrike">
+                <a:solidFill>
+                  <a:srgbClr val="000000"/>
+                </a:solidFill>
+                <a:latin typeface="Arial"/>
+                <a:ea typeface="DejaVu Sans"/>
+              </a:rPr>
+              <a:t>Pamela Streisguth, Sebastian Kluthe, Teyfik Agac</a:t>
+            </a:r>
+            <a:endParaRPr b="0" lang="en-US" sz="1200" spc="-1" strike="noStrike">
+              <a:latin typeface="Arial"/>
+            </a:endParaRPr>
+          </a:p>
+        </p:txBody>
+      </p:sp>
+      <p:sp>
+        <p:nvSpPr>
+          <p:cNvPr id="142" name="CustomShape 5"/>
           <p:cNvSpPr/>
           <p:nvPr/>
         </p:nvSpPr>
         <p:spPr>
           <a:xfrm>
             <a:off x="9086760" y="7197840"/>
-            <a:ext cx="862920" cy="178560"/>
+            <a:ext cx="862560" cy="178200"/>
           </a:xfrm>
           <a:prstGeom prst="rect">
             <a:avLst/>
@@ -4650,36 +4127,30 @@
           </a:ln>
         </p:spPr>
         <p:style>
-          <a:lnRef idx="0">
-            <a:scrgbClr r="0" g="0" b="0"/>
-          </a:lnRef>
-          <a:fillRef idx="0">
-            <a:scrgbClr r="0" g="0" b="0"/>
-          </a:fillRef>
-          <a:effectRef idx="0">
-            <a:scrgbClr r="0" g="0" b="0"/>
-          </a:effectRef>
+          <a:lnRef idx="0"/>
+          <a:fillRef idx="0"/>
+          <a:effectRef idx="0"/>
           <a:fontRef idx="minor"/>
         </p:style>
         <p:txBody>
-          <a:bodyPr lIns="0" tIns="0" rIns="0" bIns="0" anchor="b"/>
-          <a:lstStyle/>
+          <a:bodyPr lIns="0" rIns="0" tIns="0" bIns="0" anchor="b"/>
           <a:p>
             <a:pPr algn="r">
               <a:lnSpc>
                 <a:spcPct val="100000"/>
               </a:lnSpc>
             </a:pPr>
-            <a:fld id="{87CE54F6-6672-4793-961F-9DAD0EA46DDB}" type="slidenum">
-              <a:rPr lang="en-US" sz="1200" b="0" strike="noStrike" spc="-1">
-                <a:solidFill>
-                  <a:srgbClr val="000000"/>
-                </a:solidFill>
-                <a:latin typeface="Arial"/>
-              </a:rPr>
-              <a:t>10</a:t>
+            <a:fld id="{81601301-AAE5-4070-9798-C4ED2C0D8C03}" type="slidenum">
+              <a:rPr b="0" lang="en-US" sz="1200" spc="-1" strike="noStrike">
+                <a:solidFill>
+                  <a:srgbClr val="000000"/>
+                </a:solidFill>
+                <a:latin typeface="Arial"/>
+                <a:ea typeface="DejaVu Sans"/>
+              </a:rPr>
+              <a:t>&lt;number&gt;</a:t>
             </a:fld>
-            <a:endParaRPr lang="en-US" sz="1200" b="0" strike="noStrike" spc="-1">
+            <a:endParaRPr b="0" lang="en-US" sz="1200" spc="-1" strike="noStrike">
               <a:latin typeface="Arial"/>
             </a:endParaRPr>
           </a:p>
@@ -4687,54 +4158,46 @@
       </p:sp>
       <p:pic>
         <p:nvPicPr>
-          <p:cNvPr id="2" name="Grafik 1">
-            <a:extLst>
-              <a:ext uri="{FF2B5EF4-FFF2-40B4-BE49-F238E27FC236}">
-                <a16:creationId xmlns:a16="http://schemas.microsoft.com/office/drawing/2014/main" id="{BA4ABD02-D536-477F-B6C8-BBFC4A0F36DD}"/>
-              </a:ext>
-            </a:extLst>
-          </p:cNvPr>
-          <p:cNvPicPr>
-            <a:picLocks noChangeAspect="1"/>
-          </p:cNvPicPr>
+          <p:cNvPr id="143" name="Grafik 1" descr=""/>
+          <p:cNvPicPr/>
           <p:nvPr/>
         </p:nvPicPr>
-        <p:blipFill rotWithShape="1">
-          <a:blip r:embed="rId2"/>
-          <a:srcRect r="168"/>
+        <p:blipFill>
+          <a:blip r:embed="rId1"/>
+          <a:srcRect l="0" t="0" r="169" b="0"/>
           <a:stretch/>
         </p:blipFill>
         <p:spPr>
           <a:xfrm>
-            <a:off x="526260" y="2759926"/>
-            <a:ext cx="9617598" cy="4022065"/>
-          </a:xfrm>
-          <a:prstGeom prst="rect">
-            <a:avLst/>
-          </a:prstGeom>
+            <a:off x="526320" y="2759760"/>
+            <a:ext cx="9617400" cy="4021560"/>
+          </a:xfrm>
+          <a:prstGeom prst="rect">
+            <a:avLst/>
+          </a:prstGeom>
+          <a:ln>
+            <a:noFill/>
+          </a:ln>
         </p:spPr>
       </p:pic>
     </p:spTree>
   </p:cSld>
-  <p:clrMapOvr>
-    <a:masterClrMapping/>
-  </p:clrMapOvr>
   <p:timing>
     <p:tnLst>
       <p:par>
-        <p:cTn id="1" dur="indefinite" restart="never" nodeType="tmRoot">
+        <p:cTn id="19" dur="indefinite" restart="never" nodeType="tmRoot">
           <p:childTnLst>
             <p:seq>
-              <p:cTn id="2" dur="indefinite" nodeType="mainSeq"/>
+              <p:cTn id="20" dur="indefinite" nodeType="mainSeq"/>
               <p:prevCondLst>
-                <p:cond evt="onPrev" delay="0">
+                <p:cond delay="0" evt="onPrev">
                   <p:tgtEl>
                     <p:sldTgt/>
                   </p:tgtEl>
                 </p:cond>
               </p:prevCondLst>
               <p:nextCondLst>
-                <p:cond evt="onNext" delay="0">
+                <p:cond delay="0" evt="onNext">
                   <p:tgtEl>
                     <p:sldTgt/>
                   </p:tgtEl>
@@ -4750,7 +4213,7 @@
 </file>
 
 <file path=ppt/slides/slide11.xml><?xml version="1.0" encoding="utf-8"?>
-<p:sld xmlns:a="http://schemas.openxmlformats.org/drawingml/2006/main" xmlns:r="http://schemas.openxmlformats.org/officeDocument/2006/relationships" xmlns:p="http://schemas.openxmlformats.org/presentationml/2006/main">
+<p:sld xmlns:a="http://schemas.openxmlformats.org/drawingml/2006/main" xmlns:p="http://schemas.openxmlformats.org/presentationml/2006/main" xmlns:r="http://schemas.openxmlformats.org/officeDocument/2006/relationships" xmlns:p14="http://schemas.microsoft.com/office/powerpoint/2010/main" xmlns:p15="http://schemas.microsoft.com/office/powerpoint/2012/main" xmlns:mc="http://schemas.openxmlformats.org/markup-compatibility/2006">
   <p:cSld>
     <p:spTree>
       <p:nvGrpSpPr>
@@ -4768,14 +4231,14 @@
       </p:grpSpPr>
       <p:sp>
         <p:nvSpPr>
-          <p:cNvPr id="132" name="CustomShape 1"/>
+          <p:cNvPr id="144" name="CustomShape 1"/>
           <p:cNvSpPr/>
           <p:nvPr/>
         </p:nvSpPr>
         <p:spPr>
           <a:xfrm>
             <a:off x="736560" y="1509840"/>
-            <a:ext cx="9213120" cy="361080"/>
+            <a:ext cx="9212760" cy="360720"/>
           </a:xfrm>
           <a:prstGeom prst="rect">
             <a:avLst/>
@@ -4786,20 +4249,13 @@
           </a:ln>
         </p:spPr>
         <p:style>
-          <a:lnRef idx="0">
-            <a:scrgbClr r="0" g="0" b="0"/>
-          </a:lnRef>
-          <a:fillRef idx="0">
-            <a:scrgbClr r="0" g="0" b="0"/>
-          </a:fillRef>
-          <a:effectRef idx="0">
-            <a:scrgbClr r="0" g="0" b="0"/>
-          </a:effectRef>
+          <a:lnRef idx="0"/>
+          <a:fillRef idx="0"/>
+          <a:effectRef idx="0"/>
           <a:fontRef idx="minor"/>
         </p:style>
         <p:txBody>
-          <a:bodyPr lIns="0" tIns="0" rIns="0" bIns="0"/>
-          <a:lstStyle/>
+          <a:bodyPr lIns="0" rIns="0" tIns="0" bIns="0"/>
           <a:p>
             <a:pPr>
               <a:lnSpc>
@@ -4807,30 +4263,31 @@
               </a:lnSpc>
             </a:pPr>
             <a:r>
-              <a:rPr lang="en-US" sz="2000" b="1" strike="noStrike" spc="-1">
-                <a:solidFill>
-                  <a:srgbClr val="000000"/>
-                </a:solidFill>
-                <a:latin typeface="Arial"/>
+              <a:rPr b="1" lang="en-US" sz="2000" spc="-1" strike="noStrike">
+                <a:solidFill>
+                  <a:srgbClr val="000000"/>
+                </a:solidFill>
+                <a:latin typeface="Arial"/>
+                <a:ea typeface="DejaVu Sans"/>
               </a:rPr>
               <a:t>Outlook</a:t>
             </a:r>
-            <a:endParaRPr lang="en-US" sz="2000" b="0" strike="noStrike" spc="-1">
-              <a:latin typeface="Arial"/>
-            </a:endParaRPr>
-          </a:p>
-        </p:txBody>
-      </p:sp>
-      <p:sp>
-        <p:nvSpPr>
-          <p:cNvPr id="133" name="CustomShape 2"/>
+            <a:endParaRPr b="0" lang="en-US" sz="2000" spc="-1" strike="noStrike">
+              <a:latin typeface="Arial"/>
+            </a:endParaRPr>
+          </a:p>
+        </p:txBody>
+      </p:sp>
+      <p:sp>
+        <p:nvSpPr>
+          <p:cNvPr id="145" name="CustomShape 2"/>
           <p:cNvSpPr/>
           <p:nvPr/>
         </p:nvSpPr>
         <p:spPr>
           <a:xfrm>
             <a:off x="738360" y="2197080"/>
-            <a:ext cx="9213120" cy="4463280"/>
+            <a:ext cx="9212760" cy="4462920"/>
           </a:xfrm>
           <a:prstGeom prst="rect">
             <a:avLst/>
@@ -4841,22 +4298,15 @@
           </a:ln>
         </p:spPr>
         <p:style>
-          <a:lnRef idx="0">
-            <a:scrgbClr r="0" g="0" b="0"/>
-          </a:lnRef>
-          <a:fillRef idx="0">
-            <a:scrgbClr r="0" g="0" b="0"/>
-          </a:fillRef>
-          <a:effectRef idx="0">
-            <a:scrgbClr r="0" g="0" b="0"/>
-          </a:effectRef>
+          <a:lnRef idx="0"/>
+          <a:fillRef idx="0"/>
+          <a:effectRef idx="0"/>
           <a:fontRef idx="minor"/>
         </p:style>
         <p:txBody>
-          <a:bodyPr lIns="0" tIns="0" rIns="0" bIns="0"/>
-          <a:lstStyle/>
-          <a:p>
-            <a:pPr marL="343080" indent="-342360">
+          <a:bodyPr lIns="0" rIns="0" tIns="0" bIns="0"/>
+          <a:p>
+            <a:pPr marL="343080" indent="-342000">
               <a:lnSpc>
                 <a:spcPct val="115000"/>
               </a:lnSpc>
@@ -4870,17 +4320,34 @@
               <a:buChar char="-"/>
             </a:pPr>
             <a:r>
-              <a:rPr lang="en-US" sz="2000" spc="-1" dirty="0">
-                <a:latin typeface="Arial"/>
+              <a:rPr b="0" lang="en-US" sz="2000" spc="-1" strike="noStrike">
+                <a:solidFill>
+                  <a:srgbClr val="000000"/>
+                </a:solidFill>
+                <a:latin typeface="Arial"/>
+                <a:ea typeface="DejaVu Sans"/>
               </a:rPr>
               <a:t>Build infrastructure for automated job-postings</a:t>
             </a:r>
-            <a:endParaRPr lang="en-US" sz="2000" b="0" strike="noStrike" spc="-1" dirty="0">
-              <a:latin typeface="Arial"/>
-            </a:endParaRPr>
-          </a:p>
-          <a:p>
-            <a:pPr marL="343080" indent="-342360">
+            <a:endParaRPr b="0" lang="en-US" sz="2000" spc="-1" strike="noStrike">
+              <a:latin typeface="Arial"/>
+            </a:endParaRPr>
+          </a:p>
+          <a:p>
+            <a:pPr>
+              <a:lnSpc>
+                <a:spcPct val="115000"/>
+              </a:lnSpc>
+              <a:spcBef>
+                <a:spcPts val="1199"/>
+              </a:spcBef>
+            </a:pPr>
+            <a:endParaRPr b="0" lang="en-US" sz="2000" spc="-1" strike="noStrike">
+              <a:latin typeface="Arial"/>
+            </a:endParaRPr>
+          </a:p>
+          <a:p>
+            <a:pPr marL="343080" indent="-342000">
               <a:lnSpc>
                 <a:spcPct val="115000"/>
               </a:lnSpc>
@@ -4893,12 +4360,35 @@
               <a:buFont typeface="StarSymbol"/>
               <a:buChar char="-"/>
             </a:pPr>
-            <a:endParaRPr lang="en-US" sz="2000" b="0" strike="noStrike" spc="-1" dirty="0">
-              <a:latin typeface="Arial"/>
-            </a:endParaRPr>
-          </a:p>
-          <a:p>
-            <a:pPr marL="343080" indent="-342360">
+            <a:r>
+              <a:rPr b="0" lang="en-US" sz="2000" spc="-1" strike="noStrike">
+                <a:solidFill>
+                  <a:srgbClr val="000000"/>
+                </a:solidFill>
+                <a:latin typeface="Arial"/>
+                <a:ea typeface="DejaVu Sans"/>
+              </a:rPr>
+              <a:t>Implement a Decision Support System (DSS) for evaluation of applicants</a:t>
+            </a:r>
+            <a:endParaRPr b="0" lang="en-US" sz="2000" spc="-1" strike="noStrike">
+              <a:latin typeface="Arial"/>
+            </a:endParaRPr>
+          </a:p>
+          <a:p>
+            <a:pPr>
+              <a:lnSpc>
+                <a:spcPct val="115000"/>
+              </a:lnSpc>
+              <a:spcBef>
+                <a:spcPts val="1199"/>
+              </a:spcBef>
+            </a:pPr>
+            <a:endParaRPr b="0" lang="en-US" sz="2000" spc="-1" strike="noStrike">
+              <a:latin typeface="Arial"/>
+            </a:endParaRPr>
+          </a:p>
+          <a:p>
+            <a:pPr marL="343080" indent="-342000">
               <a:lnSpc>
                 <a:spcPct val="115000"/>
               </a:lnSpc>
@@ -4912,14 +4402,21 @@
               <a:buChar char="-"/>
             </a:pPr>
             <a:r>
-              <a:rPr lang="en-US" sz="2000" b="0" strike="noStrike" spc="-1" dirty="0">
-                <a:latin typeface="Arial"/>
-              </a:rPr>
-              <a:t>Implement a Decision Support System (DSS) for evaluation of applicants</a:t>
-            </a:r>
-          </a:p>
-          <a:p>
-            <a:pPr marL="343080" indent="-342360">
+              <a:rPr b="0" lang="en-US" sz="2000" spc="-1" strike="noStrike">
+                <a:solidFill>
+                  <a:srgbClr val="000000"/>
+                </a:solidFill>
+                <a:latin typeface="Arial"/>
+                <a:ea typeface="DejaVu Sans"/>
+              </a:rPr>
+              <a:t>Implement a grading system for attachments of applicants</a:t>
+            </a:r>
+            <a:endParaRPr b="0" lang="en-US" sz="2000" spc="-1" strike="noStrike">
+              <a:latin typeface="Arial"/>
+            </a:endParaRPr>
+          </a:p>
+          <a:p>
+            <a:pPr lvl="1" marL="800280" indent="-342000">
               <a:lnSpc>
                 <a:spcPct val="115000"/>
               </a:lnSpc>
@@ -4932,85 +4429,45 @@
               <a:buFont typeface="StarSymbol"/>
               <a:buChar char="-"/>
             </a:pPr>
-            <a:endParaRPr lang="en-US" sz="2000" spc="-1" dirty="0">
-              <a:latin typeface="Arial"/>
-            </a:endParaRPr>
-          </a:p>
-          <a:p>
-            <a:pPr marL="343080" indent="-342360">
+            <a:r>
+              <a:rPr b="0" lang="en-US" sz="2000" spc="-1" strike="noStrike">
+                <a:solidFill>
+                  <a:srgbClr val="000000"/>
+                </a:solidFill>
+                <a:latin typeface="Arial"/>
+                <a:ea typeface="DejaVu Sans"/>
+              </a:rPr>
+              <a:t>Assigning scores for specific keywords and certification/diploma</a:t>
+            </a:r>
+            <a:endParaRPr b="0" lang="en-US" sz="2000" spc="-1" strike="noStrike">
+              <a:latin typeface="Arial"/>
+            </a:endParaRPr>
+          </a:p>
+          <a:p>
+            <a:pPr>
               <a:lnSpc>
                 <a:spcPct val="115000"/>
               </a:lnSpc>
               <a:spcBef>
                 <a:spcPts val="1199"/>
               </a:spcBef>
-              <a:buClr>
-                <a:srgbClr val="000000"/>
-              </a:buClr>
-              <a:buFont typeface="StarSymbol"/>
-              <a:buChar char="-"/>
-            </a:pPr>
-            <a:r>
-              <a:rPr lang="en-US" sz="2000" spc="-1" dirty="0">
-                <a:latin typeface="Arial"/>
-              </a:rPr>
-              <a:t>Implement a grading system for attachments of applicants</a:t>
-            </a:r>
-          </a:p>
-          <a:p>
-            <a:pPr marL="800280" lvl="1" indent="-342360">
-              <a:lnSpc>
-                <a:spcPct val="115000"/>
-              </a:lnSpc>
-              <a:spcBef>
-                <a:spcPts val="1199"/>
-              </a:spcBef>
-              <a:buClr>
-                <a:srgbClr val="000000"/>
-              </a:buClr>
-              <a:buFont typeface="StarSymbol"/>
-              <a:buChar char="-"/>
-            </a:pPr>
-            <a:r>
-              <a:rPr lang="en-US" sz="2000" spc="-1" dirty="0">
-                <a:latin typeface="Arial"/>
-              </a:rPr>
-              <a:t>Assigning scores for specific keywords and certification/diploma</a:t>
-            </a:r>
-            <a:endParaRPr lang="en-US" sz="2000" b="0" strike="noStrike" spc="-1" dirty="0">
-              <a:latin typeface="Arial"/>
-            </a:endParaRPr>
-          </a:p>
-          <a:p>
-            <a:pPr marL="343080" indent="-342360">
-              <a:lnSpc>
-                <a:spcPct val="115000"/>
-              </a:lnSpc>
-              <a:spcBef>
-                <a:spcPts val="1199"/>
-              </a:spcBef>
-              <a:buClr>
-                <a:srgbClr val="000000"/>
-              </a:buClr>
-              <a:buFont typeface="StarSymbol"/>
-              <a:buChar char="-"/>
-            </a:pPr>
-            <a:endParaRPr lang="en-US" sz="2000" b="0" strike="noStrike" spc="-1" dirty="0">
-              <a:latin typeface="Arial"/>
-            </a:endParaRPr>
-          </a:p>
-        </p:txBody>
-      </p:sp>
-      <p:sp>
-        <p:nvSpPr>
-          <p:cNvPr id="134" name="CustomShape 3"/>
+            </a:pPr>
+            <a:endParaRPr b="0" lang="en-US" sz="2000" spc="-1" strike="noStrike">
+              <a:latin typeface="Arial"/>
+            </a:endParaRPr>
+          </a:p>
+        </p:txBody>
+      </p:sp>
+      <p:sp>
+        <p:nvSpPr>
+          <p:cNvPr id="146" name="CustomShape 3"/>
           <p:cNvSpPr/>
           <p:nvPr/>
         </p:nvSpPr>
         <p:spPr>
           <a:xfrm>
             <a:off x="8221680" y="7197840"/>
-            <a:ext cx="864360" cy="178560"/>
+            <a:ext cx="864000" cy="178200"/>
           </a:xfrm>
           <a:prstGeom prst="rect">
             <a:avLst/>
@@ -5021,51 +4478,45 @@
           </a:ln>
         </p:spPr>
         <p:style>
-          <a:lnRef idx="0">
-            <a:scrgbClr r="0" g="0" b="0"/>
-          </a:lnRef>
-          <a:fillRef idx="0">
-            <a:scrgbClr r="0" g="0" b="0"/>
-          </a:fillRef>
-          <a:effectRef idx="0">
-            <a:scrgbClr r="0" g="0" b="0"/>
-          </a:effectRef>
+          <a:lnRef idx="0"/>
+          <a:fillRef idx="0"/>
+          <a:effectRef idx="0"/>
           <a:fontRef idx="minor"/>
         </p:style>
         <p:txBody>
-          <a:bodyPr lIns="0" tIns="0" rIns="0" bIns="0" anchor="b"/>
-          <a:lstStyle/>
+          <a:bodyPr lIns="0" rIns="0" tIns="0" bIns="0" anchor="b"/>
           <a:p>
             <a:pPr>
               <a:lnSpc>
                 <a:spcPct val="100000"/>
               </a:lnSpc>
             </a:pPr>
-            <a:fld id="{57CEC4F9-89D3-44B3-BBAB-37A2F335DF90}" type="datetime1">
-              <a:rPr lang="en-US" sz="1200" b="0" strike="noStrike" spc="-1">
-                <a:solidFill>
-                  <a:srgbClr val="000000"/>
-                </a:solidFill>
-                <a:latin typeface="Arial"/>
+            <a:fld id="{A28BB6F5-8A60-4BC5-9726-37B9F8E47EA8}" type="datetime1">
+              <a:rPr b="0" lang="en-US" sz="1200" spc="-1" strike="noStrike">
+                <a:solidFill>
+                  <a:srgbClr val="000000"/>
+                </a:solidFill>
+                <a:latin typeface="Arial"/>
+                <a:ea typeface="DejaVu Sans"/>
               </a:rPr>
               <a:t>12/18/2019</a:t>
             </a:fld>
-            <a:endParaRPr lang="en-US" sz="1200" b="0" strike="noStrike" spc="-1">
-              <a:latin typeface="Arial"/>
-            </a:endParaRPr>
-          </a:p>
-        </p:txBody>
-      </p:sp>
-      <p:sp>
-        <p:nvSpPr>
-          <p:cNvPr id="135" name="CustomShape 4"/>
+            <a:endParaRPr b="0" lang="en-US" sz="1200" spc="-1" strike="noStrike">
+              <a:latin typeface="Arial"/>
+            </a:endParaRPr>
+          </a:p>
+        </p:txBody>
+      </p:sp>
+      <p:sp>
+        <p:nvSpPr>
+          <p:cNvPr id="147" name="CustomShape 4"/>
           <p:cNvSpPr/>
           <p:nvPr/>
         </p:nvSpPr>
         <p:spPr>
           <a:xfrm>
             <a:off x="736560" y="7197840"/>
-            <a:ext cx="7484400" cy="178560"/>
+            <a:ext cx="7484040" cy="178200"/>
           </a:xfrm>
           <a:prstGeom prst="rect">
             <a:avLst/>
@@ -5076,20 +4527,13 @@
           </a:ln>
         </p:spPr>
         <p:style>
-          <a:lnRef idx="0">
-            <a:scrgbClr r="0" g="0" b="0"/>
-          </a:lnRef>
-          <a:fillRef idx="0">
-            <a:scrgbClr r="0" g="0" b="0"/>
-          </a:fillRef>
-          <a:effectRef idx="0">
-            <a:scrgbClr r="0" g="0" b="0"/>
-          </a:effectRef>
+          <a:lnRef idx="0"/>
+          <a:fillRef idx="0"/>
+          <a:effectRef idx="0"/>
           <a:fontRef idx="minor"/>
         </p:style>
         <p:txBody>
-          <a:bodyPr lIns="0" tIns="0" rIns="0" bIns="0" anchor="b"/>
-          <a:lstStyle/>
+          <a:bodyPr lIns="0" rIns="0" tIns="0" bIns="0" anchor="b"/>
           <a:p>
             <a:pPr>
               <a:lnSpc>
@@ -5097,30 +4541,51 @@
               </a:lnSpc>
             </a:pPr>
             <a:r>
-              <a:rPr lang="en-US" sz="1200" b="0" strike="noStrike" spc="-1">
-                <a:solidFill>
-                  <a:srgbClr val="000000"/>
-                </a:solidFill>
-                <a:latin typeface="Arial"/>
-              </a:rPr>
-              <a:t>DigiBP	Pamela Streisguth, Sebastian Kluthe, Teyfik Agac</a:t>
-            </a:r>
-            <a:endParaRPr lang="en-US" sz="1200" b="0" strike="noStrike" spc="-1">
-              <a:latin typeface="Arial"/>
-            </a:endParaRPr>
-          </a:p>
-        </p:txBody>
-      </p:sp>
-      <p:sp>
-        <p:nvSpPr>
-          <p:cNvPr id="136" name="CustomShape 5"/>
+              <a:rPr b="0" lang="en-US" sz="1200" spc="-1" strike="noStrike">
+                <a:solidFill>
+                  <a:srgbClr val="000000"/>
+                </a:solidFill>
+                <a:latin typeface="Arial"/>
+                <a:ea typeface="DejaVu Sans"/>
+              </a:rPr>
+              <a:t>DigiBP</a:t>
+            </a:r>
+            <a:r>
+              <a:rPr b="0" lang="en-US" sz="1200" spc="-1" strike="noStrike">
+                <a:solidFill>
+                  <a:srgbClr val="000000"/>
+                </a:solidFill>
+                <a:latin typeface="Arial"/>
+                <a:ea typeface="DejaVu Sans"/>
+              </a:rPr>
+              <a:t>	</a:t>
+            </a:r>
+            <a:r>
+              <a:rPr b="0" lang="en-US" sz="1200" spc="-1" strike="noStrike">
+                <a:solidFill>
+                  <a:srgbClr val="000000"/>
+                </a:solidFill>
+                <a:latin typeface="Arial"/>
+                <a:ea typeface="DejaVu Sans"/>
+              </a:rPr>
+              <a:t>Pamela Streisguth, Sebastian Kluthe, Teyfik Agac</a:t>
+            </a:r>
+            <a:endParaRPr b="0" lang="en-US" sz="1200" spc="-1" strike="noStrike">
+              <a:latin typeface="Arial"/>
+            </a:endParaRPr>
+          </a:p>
+        </p:txBody>
+      </p:sp>
+      <p:sp>
+        <p:nvSpPr>
+          <p:cNvPr id="148" name="CustomShape 5"/>
           <p:cNvSpPr/>
           <p:nvPr/>
         </p:nvSpPr>
         <p:spPr>
           <a:xfrm>
             <a:off x="9086760" y="7197840"/>
-            <a:ext cx="862920" cy="178560"/>
+            <a:ext cx="862560" cy="178200"/>
           </a:xfrm>
           <a:prstGeom prst="rect">
             <a:avLst/>
@@ -5131,67 +4596,53 @@
           </a:ln>
         </p:spPr>
         <p:style>
-          <a:lnRef idx="0">
-            <a:scrgbClr r="0" g="0" b="0"/>
-          </a:lnRef>
-          <a:fillRef idx="0">
-            <a:scrgbClr r="0" g="0" b="0"/>
-          </a:fillRef>
-          <a:effectRef idx="0">
-            <a:scrgbClr r="0" g="0" b="0"/>
-          </a:effectRef>
+          <a:lnRef idx="0"/>
+          <a:fillRef idx="0"/>
+          <a:effectRef idx="0"/>
           <a:fontRef idx="minor"/>
         </p:style>
         <p:txBody>
-          <a:bodyPr lIns="0" tIns="0" rIns="0" bIns="0" anchor="b"/>
-          <a:lstStyle/>
+          <a:bodyPr lIns="0" rIns="0" tIns="0" bIns="0" anchor="b"/>
           <a:p>
             <a:pPr algn="r">
               <a:lnSpc>
                 <a:spcPct val="100000"/>
               </a:lnSpc>
             </a:pPr>
-            <a:fld id="{87CE54F6-6672-4793-961F-9DAD0EA46DDB}" type="slidenum">
-              <a:rPr lang="en-US" sz="1200" b="0" strike="noStrike" spc="-1">
-                <a:solidFill>
-                  <a:srgbClr val="000000"/>
-                </a:solidFill>
-                <a:latin typeface="Arial"/>
-              </a:rPr>
-              <a:t>11</a:t>
+            <a:fld id="{D9A4007B-5B80-4163-80FA-8E411138EAA0}" type="slidenum">
+              <a:rPr b="0" lang="en-US" sz="1200" spc="-1" strike="noStrike">
+                <a:solidFill>
+                  <a:srgbClr val="000000"/>
+                </a:solidFill>
+                <a:latin typeface="Arial"/>
+                <a:ea typeface="DejaVu Sans"/>
+              </a:rPr>
+              <a:t>&lt;number&gt;</a:t>
             </a:fld>
-            <a:endParaRPr lang="en-US" sz="1200" b="0" strike="noStrike" spc="-1">
+            <a:endParaRPr b="0" lang="en-US" sz="1200" spc="-1" strike="noStrike">
               <a:latin typeface="Arial"/>
             </a:endParaRPr>
           </a:p>
         </p:txBody>
       </p:sp>
     </p:spTree>
-    <p:extLst>
-      <p:ext uri="{BB962C8B-B14F-4D97-AF65-F5344CB8AC3E}">
-        <p14:creationId xmlns:p14="http://schemas.microsoft.com/office/powerpoint/2010/main" val="2840440419"/>
-      </p:ext>
-    </p:extLst>
   </p:cSld>
-  <p:clrMapOvr>
-    <a:masterClrMapping/>
-  </p:clrMapOvr>
   <p:timing>
     <p:tnLst>
       <p:par>
-        <p:cTn id="1" dur="indefinite" restart="never" nodeType="tmRoot">
+        <p:cTn id="21" dur="indefinite" restart="never" nodeType="tmRoot">
           <p:childTnLst>
             <p:seq>
-              <p:cTn id="2" dur="indefinite" nodeType="mainSeq"/>
+              <p:cTn id="22" dur="indefinite" nodeType="mainSeq"/>
               <p:prevCondLst>
-                <p:cond evt="onPrev" delay="0">
+                <p:cond delay="0" evt="onPrev">
                   <p:tgtEl>
                     <p:sldTgt/>
                   </p:tgtEl>
                 </p:cond>
               </p:prevCondLst>
               <p:nextCondLst>
-                <p:cond evt="onNext" delay="0">
+                <p:cond delay="0" evt="onNext">
                   <p:tgtEl>
                     <p:sldTgt/>
                   </p:tgtEl>
@@ -5207,7 +4658,7 @@
 </file>
 
 <file path=ppt/slides/slide2.xml><?xml version="1.0" encoding="utf-8"?>
-<p:sld xmlns:a="http://schemas.openxmlformats.org/drawingml/2006/main" xmlns:r="http://schemas.openxmlformats.org/officeDocument/2006/relationships" xmlns:p="http://schemas.openxmlformats.org/presentationml/2006/main">
+<p:sld xmlns:a="http://schemas.openxmlformats.org/drawingml/2006/main" xmlns:p="http://schemas.openxmlformats.org/presentationml/2006/main" xmlns:r="http://schemas.openxmlformats.org/officeDocument/2006/relationships" xmlns:p14="http://schemas.microsoft.com/office/powerpoint/2010/main" xmlns:p15="http://schemas.microsoft.com/office/powerpoint/2012/main" xmlns:mc="http://schemas.openxmlformats.org/markup-compatibility/2006">
   <p:cSld>
     <p:spTree>
       <p:nvGrpSpPr>
@@ -5232,7 +4683,7 @@
         <p:spPr>
           <a:xfrm>
             <a:off x="8221680" y="7197840"/>
-            <a:ext cx="864360" cy="178560"/>
+            <a:ext cx="864000" cy="178200"/>
           </a:xfrm>
           <a:prstGeom prst="rect">
             <a:avLst/>
@@ -5243,36 +4694,30 @@
           </a:ln>
         </p:spPr>
         <p:style>
-          <a:lnRef idx="0">
-            <a:scrgbClr r="0" g="0" b="0"/>
-          </a:lnRef>
-          <a:fillRef idx="0">
-            <a:scrgbClr r="0" g="0" b="0"/>
-          </a:fillRef>
-          <a:effectRef idx="0">
-            <a:scrgbClr r="0" g="0" b="0"/>
-          </a:effectRef>
+          <a:lnRef idx="0"/>
+          <a:fillRef idx="0"/>
+          <a:effectRef idx="0"/>
           <a:fontRef idx="minor"/>
         </p:style>
         <p:txBody>
-          <a:bodyPr lIns="0" tIns="0" rIns="0" bIns="0" anchor="b"/>
-          <a:lstStyle/>
+          <a:bodyPr lIns="0" rIns="0" tIns="0" bIns="0" anchor="b"/>
           <a:p>
             <a:pPr>
               <a:lnSpc>
                 <a:spcPct val="100000"/>
               </a:lnSpc>
             </a:pPr>
-            <a:fld id="{8397366E-2B6E-4BF1-B3B6-39176F261B9A}" type="datetime1">
-              <a:rPr lang="en-US" sz="1200" b="0" strike="noStrike" spc="-1">
-                <a:solidFill>
-                  <a:srgbClr val="000000"/>
-                </a:solidFill>
-                <a:latin typeface="Arial"/>
+            <a:fld id="{D9716544-CE02-4EEA-91D8-92A56782C20F}" type="datetime1">
+              <a:rPr b="0" lang="en-US" sz="1200" spc="-1" strike="noStrike">
+                <a:solidFill>
+                  <a:srgbClr val="000000"/>
+                </a:solidFill>
+                <a:latin typeface="Arial"/>
+                <a:ea typeface="DejaVu Sans"/>
               </a:rPr>
               <a:t>12/18/2019</a:t>
             </a:fld>
-            <a:endParaRPr lang="en-US" sz="1200" b="0" strike="noStrike" spc="-1">
+            <a:endParaRPr b="0" lang="en-US" sz="1200" spc="-1" strike="noStrike">
               <a:latin typeface="Arial"/>
             </a:endParaRPr>
           </a:p>
@@ -5287,7 +4732,7 @@
         <p:spPr>
           <a:xfrm>
             <a:off x="736560" y="7197840"/>
-            <a:ext cx="7484400" cy="178560"/>
+            <a:ext cx="7484040" cy="178200"/>
           </a:xfrm>
           <a:prstGeom prst="rect">
             <a:avLst/>
@@ -5298,20 +4743,13 @@
           </a:ln>
         </p:spPr>
         <p:style>
-          <a:lnRef idx="0">
-            <a:scrgbClr r="0" g="0" b="0"/>
-          </a:lnRef>
-          <a:fillRef idx="0">
-            <a:scrgbClr r="0" g="0" b="0"/>
-          </a:fillRef>
-          <a:effectRef idx="0">
-            <a:scrgbClr r="0" g="0" b="0"/>
-          </a:effectRef>
+          <a:lnRef idx="0"/>
+          <a:fillRef idx="0"/>
+          <a:effectRef idx="0"/>
           <a:fontRef idx="minor"/>
         </p:style>
         <p:txBody>
-          <a:bodyPr lIns="0" tIns="0" rIns="0" bIns="0" anchor="b"/>
-          <a:lstStyle/>
+          <a:bodyPr lIns="0" rIns="0" tIns="0" bIns="0" anchor="b"/>
           <a:p>
             <a:pPr>
               <a:lnSpc>
@@ -5319,15 +4757,36 @@
               </a:lnSpc>
             </a:pPr>
             <a:r>
-              <a:rPr lang="en-US" sz="1200" b="0" strike="noStrike" spc="-1">
-                <a:solidFill>
-                  <a:srgbClr val="000000"/>
-                </a:solidFill>
-                <a:latin typeface="Arial"/>
-              </a:rPr>
-              <a:t>DigiBP	Pamela Streisguth, Sebastian Kluthe, Teyfik Agac</a:t>
-            </a:r>
-            <a:endParaRPr lang="en-US" sz="1200" b="0" strike="noStrike" spc="-1">
+              <a:rPr b="0" lang="en-US" sz="1200" spc="-1" strike="noStrike">
+                <a:solidFill>
+                  <a:srgbClr val="000000"/>
+                </a:solidFill>
+                <a:latin typeface="Arial"/>
+                <a:ea typeface="DejaVu Sans"/>
+              </a:rPr>
+              <a:t>DigiBP</a:t>
+            </a:r>
+            <a:r>
+              <a:rPr b="0" lang="en-US" sz="1200" spc="-1" strike="noStrike">
+                <a:solidFill>
+                  <a:srgbClr val="000000"/>
+                </a:solidFill>
+                <a:latin typeface="Arial"/>
+                <a:ea typeface="DejaVu Sans"/>
+              </a:rPr>
+              <a:t>	</a:t>
+            </a:r>
+            <a:r>
+              <a:rPr b="0" lang="en-US" sz="1200" spc="-1" strike="noStrike">
+                <a:solidFill>
+                  <a:srgbClr val="000000"/>
+                </a:solidFill>
+                <a:latin typeface="Arial"/>
+                <a:ea typeface="DejaVu Sans"/>
+              </a:rPr>
+              <a:t>Pamela Streisguth, Sebastian Kluthe, Teyfik Agac</a:t>
+            </a:r>
+            <a:endParaRPr b="0" lang="en-US" sz="1200" spc="-1" strike="noStrike">
               <a:latin typeface="Arial"/>
             </a:endParaRPr>
           </a:p>
@@ -5342,7 +4801,7 @@
         <p:spPr>
           <a:xfrm>
             <a:off x="9086760" y="7197840"/>
-            <a:ext cx="862920" cy="178560"/>
+            <a:ext cx="862560" cy="178200"/>
           </a:xfrm>
           <a:prstGeom prst="rect">
             <a:avLst/>
@@ -5353,36 +4812,30 @@
           </a:ln>
         </p:spPr>
         <p:style>
-          <a:lnRef idx="0">
-            <a:scrgbClr r="0" g="0" b="0"/>
-          </a:lnRef>
-          <a:fillRef idx="0">
-            <a:scrgbClr r="0" g="0" b="0"/>
-          </a:fillRef>
-          <a:effectRef idx="0">
-            <a:scrgbClr r="0" g="0" b="0"/>
-          </a:effectRef>
+          <a:lnRef idx="0"/>
+          <a:fillRef idx="0"/>
+          <a:effectRef idx="0"/>
           <a:fontRef idx="minor"/>
         </p:style>
         <p:txBody>
-          <a:bodyPr lIns="0" tIns="0" rIns="0" bIns="0" anchor="b"/>
-          <a:lstStyle/>
+          <a:bodyPr lIns="0" rIns="0" tIns="0" bIns="0" anchor="b"/>
           <a:p>
             <a:pPr algn="r">
               <a:lnSpc>
                 <a:spcPct val="100000"/>
               </a:lnSpc>
             </a:pPr>
-            <a:fld id="{C7A1C28C-6553-48F5-BD6C-94D133FC8F17}" type="slidenum">
-              <a:rPr lang="en-US" sz="1200" b="0" strike="noStrike" spc="-1">
-                <a:solidFill>
-                  <a:srgbClr val="000000"/>
-                </a:solidFill>
-                <a:latin typeface="Arial"/>
-              </a:rPr>
-              <a:t>2</a:t>
+            <a:fld id="{E543EDC4-2688-4AFB-B0C1-0827090BB9E8}" type="slidenum">
+              <a:rPr b="0" lang="en-US" sz="1200" spc="-1" strike="noStrike">
+                <a:solidFill>
+                  <a:srgbClr val="000000"/>
+                </a:solidFill>
+                <a:latin typeface="Arial"/>
+                <a:ea typeface="DejaVu Sans"/>
+              </a:rPr>
+              <a:t>1</a:t>
             </a:fld>
-            <a:endParaRPr lang="en-US" sz="1200" b="0" strike="noStrike" spc="-1">
+            <a:endParaRPr b="0" lang="en-US" sz="1200" spc="-1" strike="noStrike">
               <a:latin typeface="Arial"/>
             </a:endParaRPr>
           </a:p>
@@ -5397,7 +4850,7 @@
         <p:spPr>
           <a:xfrm>
             <a:off x="736560" y="1509840"/>
-            <a:ext cx="9213120" cy="361080"/>
+            <a:ext cx="9212760" cy="360720"/>
           </a:xfrm>
           <a:prstGeom prst="rect">
             <a:avLst/>
@@ -5408,20 +4861,13 @@
           </a:ln>
         </p:spPr>
         <p:style>
-          <a:lnRef idx="0">
-            <a:scrgbClr r="0" g="0" b="0"/>
-          </a:lnRef>
-          <a:fillRef idx="0">
-            <a:scrgbClr r="0" g="0" b="0"/>
-          </a:fillRef>
-          <a:effectRef idx="0">
-            <a:scrgbClr r="0" g="0" b="0"/>
-          </a:effectRef>
+          <a:lnRef idx="0"/>
+          <a:fillRef idx="0"/>
+          <a:effectRef idx="0"/>
           <a:fontRef idx="minor"/>
         </p:style>
         <p:txBody>
-          <a:bodyPr lIns="0" tIns="0" rIns="0" bIns="0"/>
-          <a:lstStyle/>
+          <a:bodyPr lIns="0" rIns="0" tIns="0" bIns="0"/>
           <a:p>
             <a:pPr>
               <a:lnSpc>
@@ -5429,15 +4875,16 @@
               </a:lnSpc>
             </a:pPr>
             <a:r>
-              <a:rPr lang="en-US" sz="2000" b="1" strike="noStrike" spc="-1">
-                <a:solidFill>
-                  <a:srgbClr val="000000"/>
-                </a:solidFill>
-                <a:latin typeface="Arial"/>
+              <a:rPr b="1" lang="en-US" sz="2000" spc="-1" strike="noStrike">
+                <a:solidFill>
+                  <a:srgbClr val="000000"/>
+                </a:solidFill>
+                <a:latin typeface="Arial"/>
+                <a:ea typeface="DejaVu Sans"/>
               </a:rPr>
               <a:t>Introduction</a:t>
             </a:r>
-            <a:endParaRPr lang="en-US" sz="2000" b="0" strike="noStrike" spc="-1">
+            <a:endParaRPr b="0" lang="en-US" sz="2000" spc="-1" strike="noStrike">
               <a:latin typeface="Arial"/>
             </a:endParaRPr>
           </a:p>
@@ -5452,7 +4899,7 @@
         <p:spPr>
           <a:xfrm>
             <a:off x="731520" y="2103120"/>
-            <a:ext cx="9213120" cy="1814040"/>
+            <a:ext cx="9212760" cy="1813680"/>
           </a:xfrm>
           <a:prstGeom prst="rect">
             <a:avLst/>
@@ -5463,22 +4910,15 @@
           </a:ln>
         </p:spPr>
         <p:style>
-          <a:lnRef idx="0">
-            <a:scrgbClr r="0" g="0" b="0"/>
-          </a:lnRef>
-          <a:fillRef idx="0">
-            <a:scrgbClr r="0" g="0" b="0"/>
-          </a:fillRef>
-          <a:effectRef idx="0">
-            <a:scrgbClr r="0" g="0" b="0"/>
-          </a:effectRef>
+          <a:lnRef idx="0"/>
+          <a:fillRef idx="0"/>
+          <a:effectRef idx="0"/>
           <a:fontRef idx="minor"/>
         </p:style>
         <p:txBody>
-          <a:bodyPr lIns="0" tIns="0" rIns="0" bIns="0"/>
-          <a:lstStyle/>
-          <a:p>
-            <a:pPr marL="343080" indent="-342360">
+          <a:bodyPr lIns="0" rIns="0" tIns="0" bIns="0"/>
+          <a:p>
+            <a:pPr marL="343080" indent="-342000">
               <a:lnSpc>
                 <a:spcPct val="115000"/>
               </a:lnSpc>
@@ -5492,20 +4932,21 @@
               <a:buChar char="-"/>
             </a:pPr>
             <a:r>
-              <a:rPr lang="en-US" sz="2000" b="0" strike="noStrike" spc="-1" dirty="0">
-                <a:solidFill>
-                  <a:srgbClr val="000000"/>
-                </a:solidFill>
-                <a:latin typeface="Arial"/>
+              <a:rPr b="0" lang="en-US" sz="2000" spc="-1" strike="noStrike">
+                <a:solidFill>
+                  <a:srgbClr val="000000"/>
+                </a:solidFill>
+                <a:latin typeface="Arial"/>
+                <a:ea typeface="DejaVu Sans"/>
               </a:rPr>
               <a:t>Optimization of recruitment-process</a:t>
             </a:r>
-            <a:endParaRPr lang="en-US" sz="2000" b="0" strike="noStrike" spc="-1" dirty="0">
-              <a:latin typeface="Arial"/>
-            </a:endParaRPr>
-          </a:p>
-          <a:p>
-            <a:pPr marL="343080" indent="-342360">
+            <a:endParaRPr b="0" lang="en-US" sz="2000" spc="-1" strike="noStrike">
+              <a:latin typeface="Arial"/>
+            </a:endParaRPr>
+          </a:p>
+          <a:p>
+            <a:pPr marL="343080" indent="-342000">
               <a:lnSpc>
                 <a:spcPct val="115000"/>
               </a:lnSpc>
@@ -5519,20 +4960,21 @@
               <a:buChar char="-"/>
             </a:pPr>
             <a:r>
-              <a:rPr lang="en-US" sz="2000" b="0" strike="noStrike" spc="-1" dirty="0">
-                <a:solidFill>
-                  <a:srgbClr val="000000"/>
-                </a:solidFill>
-                <a:latin typeface="Arial"/>
+              <a:rPr b="0" lang="en-US" sz="2000" spc="-1" strike="noStrike">
+                <a:solidFill>
+                  <a:srgbClr val="000000"/>
+                </a:solidFill>
+                <a:latin typeface="Arial"/>
+                <a:ea typeface="DejaVu Sans"/>
               </a:rPr>
               <a:t>Developed two platforms:</a:t>
             </a:r>
-            <a:endParaRPr lang="en-US" sz="2000" b="0" strike="noStrike" spc="-1" dirty="0">
-              <a:latin typeface="Arial"/>
-            </a:endParaRPr>
-          </a:p>
-          <a:p>
-            <a:pPr marL="864000" lvl="1" indent="-323640">
+            <a:endParaRPr b="0" lang="en-US" sz="2000" spc="-1" strike="noStrike">
+              <a:latin typeface="Arial"/>
+            </a:endParaRPr>
+          </a:p>
+          <a:p>
+            <a:pPr lvl="1" marL="864000" indent="-323280">
               <a:lnSpc>
                 <a:spcPct val="100000"/>
               </a:lnSpc>
@@ -5547,20 +4989,21 @@
               <a:buChar char=""/>
             </a:pPr>
             <a:r>
-              <a:rPr lang="en-US" sz="2000" b="0" strike="noStrike" spc="-1" dirty="0">
-                <a:solidFill>
-                  <a:srgbClr val="000000"/>
-                </a:solidFill>
-                <a:latin typeface="Arial"/>
+              <a:rPr b="0" lang="en-US" sz="2000" spc="-1" strike="noStrike">
+                <a:solidFill>
+                  <a:srgbClr val="000000"/>
+                </a:solidFill>
+                <a:latin typeface="Arial"/>
+                <a:ea typeface="DejaVu Sans"/>
               </a:rPr>
               <a:t>Applicant-side</a:t>
             </a:r>
-            <a:endParaRPr lang="en-US" sz="2000" b="0" strike="noStrike" spc="-1" dirty="0">
-              <a:latin typeface="Arial"/>
-            </a:endParaRPr>
-          </a:p>
-          <a:p>
-            <a:pPr marL="864000" lvl="1" indent="-323640">
+            <a:endParaRPr b="0" lang="en-US" sz="2000" spc="-1" strike="noStrike">
+              <a:latin typeface="Arial"/>
+            </a:endParaRPr>
+          </a:p>
+          <a:p>
+            <a:pPr lvl="1" marL="864000" indent="-323280">
               <a:lnSpc>
                 <a:spcPct val="100000"/>
               </a:lnSpc>
@@ -5575,24 +5018,16 @@
               <a:buChar char=""/>
             </a:pPr>
             <a:r>
-              <a:rPr lang="en-US" sz="2000" b="0" strike="noStrike" spc="-1" dirty="0">
-                <a:solidFill>
-                  <a:srgbClr val="000000"/>
-                </a:solidFill>
-                <a:latin typeface="Arial"/>
-              </a:rPr>
-              <a:t>Human Resources T</a:t>
-            </a:r>
-            <a:r>
-              <a:rPr lang="en-US" sz="2000" spc="-1" dirty="0">
-                <a:solidFill>
-                  <a:srgbClr val="000000"/>
-                </a:solidFill>
-                <a:latin typeface="Arial"/>
-              </a:rPr>
-              <a:t>ool</a:t>
-            </a:r>
-            <a:endParaRPr lang="en-US" sz="2000" b="0" strike="noStrike" spc="-1" dirty="0">
+              <a:rPr b="0" lang="en-US" sz="2000" spc="-1" strike="noStrike">
+                <a:solidFill>
+                  <a:srgbClr val="000000"/>
+                </a:solidFill>
+                <a:latin typeface="Arial"/>
+                <a:ea typeface="DejaVu Sans"/>
+              </a:rPr>
+              <a:t>Human Resources Tool</a:t>
+            </a:r>
+            <a:endParaRPr b="0" lang="en-US" sz="2000" spc="-1" strike="noStrike">
               <a:latin typeface="Arial"/>
             </a:endParaRPr>
           </a:p>
@@ -5605,7 +5040,7 @@
                 <a:spcPts val="1199"/>
               </a:spcBef>
             </a:pPr>
-            <a:endParaRPr lang="en-US" sz="2000" b="0" strike="noStrike" spc="-1" dirty="0">
+            <a:endParaRPr b="0" lang="en-US" sz="2000" spc="-1" strike="noStrike">
               <a:latin typeface="Arial"/>
             </a:endParaRPr>
           </a:p>
@@ -5613,7 +5048,30 @@
       </p:sp>
       <p:pic>
         <p:nvPicPr>
-          <p:cNvPr id="91" name="Grafik 90"/>
+          <p:cNvPr id="91" name="Grafik 90" descr=""/>
+          <p:cNvPicPr/>
+          <p:nvPr/>
+        </p:nvPicPr>
+        <p:blipFill>
+          <a:blip r:embed="rId1"/>
+          <a:stretch/>
+        </p:blipFill>
+        <p:spPr>
+          <a:xfrm>
+            <a:off x="5212080" y="4206240"/>
+            <a:ext cx="5028480" cy="2561400"/>
+          </a:xfrm>
+          <a:prstGeom prst="rect">
+            <a:avLst/>
+          </a:prstGeom>
+          <a:ln>
+            <a:noFill/>
+          </a:ln>
+        </p:spPr>
+      </p:pic>
+      <p:pic>
+        <p:nvPicPr>
+          <p:cNvPr id="92" name="Grafik 91" descr=""/>
           <p:cNvPicPr/>
           <p:nvPr/>
         </p:nvPicPr>
@@ -5623,8 +5081,8 @@
         </p:blipFill>
         <p:spPr>
           <a:xfrm>
-            <a:off x="5212080" y="4206240"/>
-            <a:ext cx="5028840" cy="2561760"/>
+            <a:off x="457200" y="4206240"/>
+            <a:ext cx="4571640" cy="2593800"/>
           </a:xfrm>
           <a:prstGeom prst="rect">
             <a:avLst/>
@@ -5634,50 +5092,24 @@
           </a:ln>
         </p:spPr>
       </p:pic>
-      <p:pic>
-        <p:nvPicPr>
-          <p:cNvPr id="92" name="Grafik 91"/>
-          <p:cNvPicPr/>
-          <p:nvPr/>
-        </p:nvPicPr>
-        <p:blipFill>
-          <a:blip r:embed="rId3"/>
-          <a:stretch/>
-        </p:blipFill>
-        <p:spPr>
-          <a:xfrm>
-            <a:off x="457200" y="4206240"/>
-            <a:ext cx="4572000" cy="2594160"/>
-          </a:xfrm>
-          <a:prstGeom prst="rect">
-            <a:avLst/>
-          </a:prstGeom>
-          <a:ln>
-            <a:noFill/>
-          </a:ln>
-        </p:spPr>
-      </p:pic>
     </p:spTree>
   </p:cSld>
-  <p:clrMapOvr>
-    <a:masterClrMapping/>
-  </p:clrMapOvr>
   <p:timing>
     <p:tnLst>
       <p:par>
-        <p:cTn id="1" dur="indefinite" restart="never" nodeType="tmRoot">
+        <p:cTn id="3" dur="indefinite" restart="never" nodeType="tmRoot">
           <p:childTnLst>
             <p:seq>
-              <p:cTn id="2" dur="indefinite" nodeType="mainSeq"/>
+              <p:cTn id="4" dur="indefinite" nodeType="mainSeq"/>
               <p:prevCondLst>
-                <p:cond evt="onPrev" delay="0">
+                <p:cond delay="0" evt="onPrev">
                   <p:tgtEl>
                     <p:sldTgt/>
                   </p:tgtEl>
                 </p:cond>
               </p:prevCondLst>
               <p:nextCondLst>
-                <p:cond evt="onNext" delay="0">
+                <p:cond delay="0" evt="onNext">
                   <p:tgtEl>
                     <p:sldTgt/>
                   </p:tgtEl>
@@ -5693,7 +5125,7 @@
 </file>
 
 <file path=ppt/slides/slide3.xml><?xml version="1.0" encoding="utf-8"?>
-<p:sld xmlns:a="http://schemas.openxmlformats.org/drawingml/2006/main" xmlns:r="http://schemas.openxmlformats.org/officeDocument/2006/relationships" xmlns:p="http://schemas.openxmlformats.org/presentationml/2006/main">
+<p:sld xmlns:a="http://schemas.openxmlformats.org/drawingml/2006/main" xmlns:p="http://schemas.openxmlformats.org/presentationml/2006/main" xmlns:r="http://schemas.openxmlformats.org/officeDocument/2006/relationships" xmlns:p14="http://schemas.microsoft.com/office/powerpoint/2010/main" xmlns:p15="http://schemas.microsoft.com/office/powerpoint/2012/main" xmlns:mc="http://schemas.openxmlformats.org/markup-compatibility/2006">
   <p:cSld>
     <p:spTree>
       <p:nvGrpSpPr>
@@ -5718,7 +5150,7 @@
         <p:spPr>
           <a:xfrm>
             <a:off x="8221680" y="7197840"/>
-            <a:ext cx="864360" cy="178560"/>
+            <a:ext cx="864000" cy="178200"/>
           </a:xfrm>
           <a:prstGeom prst="rect">
             <a:avLst/>
@@ -5729,36 +5161,30 @@
           </a:ln>
         </p:spPr>
         <p:style>
-          <a:lnRef idx="0">
-            <a:scrgbClr r="0" g="0" b="0"/>
-          </a:lnRef>
-          <a:fillRef idx="0">
-            <a:scrgbClr r="0" g="0" b="0"/>
-          </a:fillRef>
-          <a:effectRef idx="0">
-            <a:scrgbClr r="0" g="0" b="0"/>
-          </a:effectRef>
+          <a:lnRef idx="0"/>
+          <a:fillRef idx="0"/>
+          <a:effectRef idx="0"/>
           <a:fontRef idx="minor"/>
         </p:style>
         <p:txBody>
-          <a:bodyPr lIns="0" tIns="0" rIns="0" bIns="0" anchor="b"/>
-          <a:lstStyle/>
+          <a:bodyPr lIns="0" rIns="0" tIns="0" bIns="0" anchor="b"/>
           <a:p>
             <a:pPr>
               <a:lnSpc>
                 <a:spcPct val="100000"/>
               </a:lnSpc>
             </a:pPr>
-            <a:fld id="{DDC33EE5-7E49-48AE-9771-31E7C9671A20}" type="datetime1">
-              <a:rPr lang="en-US" sz="1200" b="0" strike="noStrike" spc="-1">
-                <a:solidFill>
-                  <a:srgbClr val="000000"/>
-                </a:solidFill>
-                <a:latin typeface="Arial"/>
+            <a:fld id="{80A17B37-1256-4685-9008-D88E3EDF0419}" type="datetime1">
+              <a:rPr b="0" lang="en-US" sz="1200" spc="-1" strike="noStrike">
+                <a:solidFill>
+                  <a:srgbClr val="000000"/>
+                </a:solidFill>
+                <a:latin typeface="Arial"/>
+                <a:ea typeface="DejaVu Sans"/>
               </a:rPr>
               <a:t>12/18/2019</a:t>
             </a:fld>
-            <a:endParaRPr lang="en-US" sz="1200" b="0" strike="noStrike" spc="-1">
+            <a:endParaRPr b="0" lang="en-US" sz="1200" spc="-1" strike="noStrike">
               <a:latin typeface="Arial"/>
             </a:endParaRPr>
           </a:p>
@@ -5773,7 +5199,7 @@
         <p:spPr>
           <a:xfrm>
             <a:off x="736560" y="7197840"/>
-            <a:ext cx="7484400" cy="178560"/>
+            <a:ext cx="7484040" cy="178200"/>
           </a:xfrm>
           <a:prstGeom prst="rect">
             <a:avLst/>
@@ -5784,20 +5210,13 @@
           </a:ln>
         </p:spPr>
         <p:style>
-          <a:lnRef idx="0">
-            <a:scrgbClr r="0" g="0" b="0"/>
-          </a:lnRef>
-          <a:fillRef idx="0">
-            <a:scrgbClr r="0" g="0" b="0"/>
-          </a:fillRef>
-          <a:effectRef idx="0">
-            <a:scrgbClr r="0" g="0" b="0"/>
-          </a:effectRef>
+          <a:lnRef idx="0"/>
+          <a:fillRef idx="0"/>
+          <a:effectRef idx="0"/>
           <a:fontRef idx="minor"/>
         </p:style>
         <p:txBody>
-          <a:bodyPr lIns="0" tIns="0" rIns="0" bIns="0" anchor="b"/>
-          <a:lstStyle/>
+          <a:bodyPr lIns="0" rIns="0" tIns="0" bIns="0" anchor="b"/>
           <a:p>
             <a:pPr>
               <a:lnSpc>
@@ -5805,15 +5224,36 @@
               </a:lnSpc>
             </a:pPr>
             <a:r>
-              <a:rPr lang="en-US" sz="1200" b="0" strike="noStrike" spc="-1">
-                <a:solidFill>
-                  <a:srgbClr val="000000"/>
-                </a:solidFill>
-                <a:latin typeface="Arial"/>
-              </a:rPr>
-              <a:t>DigiBP	Pamela Streisguth, Sebastian Kluthe, Teyfik Agac</a:t>
-            </a:r>
-            <a:endParaRPr lang="en-US" sz="1200" b="0" strike="noStrike" spc="-1">
+              <a:rPr b="0" lang="en-US" sz="1200" spc="-1" strike="noStrike">
+                <a:solidFill>
+                  <a:srgbClr val="000000"/>
+                </a:solidFill>
+                <a:latin typeface="Arial"/>
+                <a:ea typeface="DejaVu Sans"/>
+              </a:rPr>
+              <a:t>DigiBP</a:t>
+            </a:r>
+            <a:r>
+              <a:rPr b="0" lang="en-US" sz="1200" spc="-1" strike="noStrike">
+                <a:solidFill>
+                  <a:srgbClr val="000000"/>
+                </a:solidFill>
+                <a:latin typeface="Arial"/>
+                <a:ea typeface="DejaVu Sans"/>
+              </a:rPr>
+              <a:t>	</a:t>
+            </a:r>
+            <a:r>
+              <a:rPr b="0" lang="en-US" sz="1200" spc="-1" strike="noStrike">
+                <a:solidFill>
+                  <a:srgbClr val="000000"/>
+                </a:solidFill>
+                <a:latin typeface="Arial"/>
+                <a:ea typeface="DejaVu Sans"/>
+              </a:rPr>
+              <a:t>Pamela Streisguth, Sebastian Kluthe, Teyfik Agac</a:t>
+            </a:r>
+            <a:endParaRPr b="0" lang="en-US" sz="1200" spc="-1" strike="noStrike">
               <a:latin typeface="Arial"/>
             </a:endParaRPr>
           </a:p>
@@ -5828,7 +5268,7 @@
         <p:spPr>
           <a:xfrm>
             <a:off x="9086760" y="7197840"/>
-            <a:ext cx="862920" cy="178560"/>
+            <a:ext cx="862560" cy="178200"/>
           </a:xfrm>
           <a:prstGeom prst="rect">
             <a:avLst/>
@@ -5839,36 +5279,30 @@
           </a:ln>
         </p:spPr>
         <p:style>
-          <a:lnRef idx="0">
-            <a:scrgbClr r="0" g="0" b="0"/>
-          </a:lnRef>
-          <a:fillRef idx="0">
-            <a:scrgbClr r="0" g="0" b="0"/>
-          </a:fillRef>
-          <a:effectRef idx="0">
-            <a:scrgbClr r="0" g="0" b="0"/>
-          </a:effectRef>
+          <a:lnRef idx="0"/>
+          <a:fillRef idx="0"/>
+          <a:effectRef idx="0"/>
           <a:fontRef idx="minor"/>
         </p:style>
         <p:txBody>
-          <a:bodyPr lIns="0" tIns="0" rIns="0" bIns="0" anchor="b"/>
-          <a:lstStyle/>
+          <a:bodyPr lIns="0" rIns="0" tIns="0" bIns="0" anchor="b"/>
           <a:p>
             <a:pPr algn="r">
               <a:lnSpc>
                 <a:spcPct val="100000"/>
               </a:lnSpc>
             </a:pPr>
-            <a:fld id="{E3734C1D-EA82-4367-BA34-92DB3D315F2D}" type="slidenum">
-              <a:rPr lang="en-US" sz="1200" b="0" strike="noStrike" spc="-1">
-                <a:solidFill>
-                  <a:srgbClr val="000000"/>
-                </a:solidFill>
-                <a:latin typeface="Arial"/>
-              </a:rPr>
-              <a:t>3</a:t>
+            <a:fld id="{49CBBAF4-72DD-4D87-A780-66DA87DD34FD}" type="slidenum">
+              <a:rPr b="0" lang="en-US" sz="1200" spc="-1" strike="noStrike">
+                <a:solidFill>
+                  <a:srgbClr val="000000"/>
+                </a:solidFill>
+                <a:latin typeface="Arial"/>
+                <a:ea typeface="DejaVu Sans"/>
+              </a:rPr>
+              <a:t>1</a:t>
             </a:fld>
-            <a:endParaRPr lang="en-US" sz="1200" b="0" strike="noStrike" spc="-1">
+            <a:endParaRPr b="0" lang="en-US" sz="1200" spc="-1" strike="noStrike">
               <a:latin typeface="Arial"/>
             </a:endParaRPr>
           </a:p>
@@ -5883,7 +5317,7 @@
         <p:spPr>
           <a:xfrm>
             <a:off x="736560" y="1509840"/>
-            <a:ext cx="9213120" cy="361080"/>
+            <a:ext cx="9212760" cy="360720"/>
           </a:xfrm>
           <a:prstGeom prst="rect">
             <a:avLst/>
@@ -5894,20 +5328,13 @@
           </a:ln>
         </p:spPr>
         <p:style>
-          <a:lnRef idx="0">
-            <a:scrgbClr r="0" g="0" b="0"/>
-          </a:lnRef>
-          <a:fillRef idx="0">
-            <a:scrgbClr r="0" g="0" b="0"/>
-          </a:fillRef>
-          <a:effectRef idx="0">
-            <a:scrgbClr r="0" g="0" b="0"/>
-          </a:effectRef>
+          <a:lnRef idx="0"/>
+          <a:fillRef idx="0"/>
+          <a:effectRef idx="0"/>
           <a:fontRef idx="minor"/>
         </p:style>
         <p:txBody>
-          <a:bodyPr lIns="0" tIns="0" rIns="0" bIns="0"/>
-          <a:lstStyle/>
+          <a:bodyPr lIns="0" rIns="0" tIns="0" bIns="0"/>
           <a:p>
             <a:pPr>
               <a:lnSpc>
@@ -5915,15 +5342,16 @@
               </a:lnSpc>
             </a:pPr>
             <a:r>
-              <a:rPr lang="en-US" sz="2000" b="1" strike="noStrike" spc="-1">
-                <a:solidFill>
-                  <a:srgbClr val="000000"/>
-                </a:solidFill>
-                <a:latin typeface="Arial"/>
+              <a:rPr b="1" lang="en-US" sz="2000" spc="-1" strike="noStrike">
+                <a:solidFill>
+                  <a:srgbClr val="000000"/>
+                </a:solidFill>
+                <a:latin typeface="Arial"/>
+                <a:ea typeface="DejaVu Sans"/>
               </a:rPr>
               <a:t>As-Is</a:t>
             </a:r>
-            <a:endParaRPr lang="en-US" sz="2000" b="0" strike="noStrike" spc="-1">
+            <a:endParaRPr b="0" lang="en-US" sz="2000" spc="-1" strike="noStrike">
               <a:latin typeface="Arial"/>
             </a:endParaRPr>
           </a:p>
@@ -5938,7 +5366,7 @@
         <p:spPr>
           <a:xfrm>
             <a:off x="738360" y="5292720"/>
-            <a:ext cx="9213120" cy="1367640"/>
+            <a:ext cx="9212760" cy="1367280"/>
           </a:xfrm>
           <a:prstGeom prst="rect">
             <a:avLst/>
@@ -5949,22 +5377,15 @@
           </a:ln>
         </p:spPr>
         <p:style>
-          <a:lnRef idx="0">
-            <a:scrgbClr r="0" g="0" b="0"/>
-          </a:lnRef>
-          <a:fillRef idx="0">
-            <a:scrgbClr r="0" g="0" b="0"/>
-          </a:fillRef>
-          <a:effectRef idx="0">
-            <a:scrgbClr r="0" g="0" b="0"/>
-          </a:effectRef>
+          <a:lnRef idx="0"/>
+          <a:fillRef idx="0"/>
+          <a:effectRef idx="0"/>
           <a:fontRef idx="minor"/>
         </p:style>
         <p:txBody>
-          <a:bodyPr lIns="0" tIns="0" rIns="0" bIns="0"/>
-          <a:lstStyle/>
-          <a:p>
-            <a:pPr marL="343080" indent="-342360">
+          <a:bodyPr lIns="0" rIns="0" tIns="0" bIns="0"/>
+          <a:p>
+            <a:pPr marL="343080" indent="-342000">
               <a:lnSpc>
                 <a:spcPct val="115000"/>
               </a:lnSpc>
@@ -5978,20 +5399,21 @@
               <a:buChar char="-"/>
             </a:pPr>
             <a:r>
-              <a:rPr lang="en-US" sz="2000" b="0" strike="noStrike" spc="-1">
-                <a:solidFill>
-                  <a:srgbClr val="000000"/>
-                </a:solidFill>
-                <a:latin typeface="Arial"/>
-              </a:rPr>
-              <a:t>Short description of the process</a:t>
-            </a:r>
-            <a:endParaRPr lang="en-US" sz="2000" b="0" strike="noStrike" spc="-1">
-              <a:latin typeface="Arial"/>
-            </a:endParaRPr>
-          </a:p>
-          <a:p>
-            <a:pPr marL="343080" indent="-342360">
+              <a:rPr b="0" lang="en-US" sz="2000" spc="-1" strike="noStrike">
+                <a:solidFill>
+                  <a:srgbClr val="000000"/>
+                </a:solidFill>
+                <a:latin typeface="Arial"/>
+                <a:ea typeface="DejaVu Sans"/>
+              </a:rPr>
+              <a:t>Analyze the given process</a:t>
+            </a:r>
+            <a:endParaRPr b="0" lang="en-US" sz="2000" spc="-1" strike="noStrike">
+              <a:latin typeface="Arial"/>
+            </a:endParaRPr>
+          </a:p>
+          <a:p>
+            <a:pPr marL="343080" indent="-342000">
               <a:lnSpc>
                 <a:spcPct val="115000"/>
               </a:lnSpc>
@@ -6005,28 +5427,57 @@
               <a:buChar char="-"/>
             </a:pPr>
             <a:r>
-              <a:rPr lang="en-US" sz="2000" b="0" strike="noStrike" spc="-1">
-                <a:solidFill>
-                  <a:srgbClr val="000000"/>
-                </a:solidFill>
-                <a:latin typeface="Arial"/>
-              </a:rPr>
-              <a:t>Intended to create an overview of the whole process</a:t>
-            </a:r>
-            <a:endParaRPr lang="en-US" sz="2000" b="0" strike="noStrike" spc="-1">
-              <a:latin typeface="Arial"/>
-            </a:endParaRPr>
-          </a:p>
-          <a:p>
-            <a:pPr>
+              <a:rPr b="0" lang="en-US" sz="2000" spc="-1" strike="noStrike">
+                <a:solidFill>
+                  <a:srgbClr val="000000"/>
+                </a:solidFill>
+                <a:latin typeface="Arial"/>
+                <a:ea typeface="DejaVu Sans"/>
+              </a:rPr>
+              <a:t>Two lanes on company side</a:t>
+            </a:r>
+            <a:endParaRPr b="0" lang="en-US" sz="2000" spc="-1" strike="noStrike">
+              <a:latin typeface="Arial"/>
+            </a:endParaRPr>
+          </a:p>
+          <a:p>
+            <a:pPr marL="343080" indent="-342000">
               <a:lnSpc>
                 <a:spcPct val="115000"/>
               </a:lnSpc>
               <a:spcBef>
                 <a:spcPts val="1199"/>
               </a:spcBef>
-            </a:pPr>
-            <a:endParaRPr lang="en-US" sz="2000" b="0" strike="noStrike" spc="-1">
+              <a:buClr>
+                <a:srgbClr val="000000"/>
+              </a:buClr>
+              <a:buFont typeface="StarSymbol"/>
+              <a:buChar char="-"/>
+            </a:pPr>
+            <a:r>
+              <a:rPr b="0" lang="en-US" sz="2000" spc="-1" strike="noStrike">
+                <a:solidFill>
+                  <a:srgbClr val="000000"/>
+                </a:solidFill>
+                <a:latin typeface="Arial"/>
+                <a:ea typeface="DejaVu Sans"/>
+              </a:rPr>
+              <a:t>One lane for the applicant</a:t>
+            </a:r>
+            <a:endParaRPr b="0" lang="en-US" sz="2000" spc="-1" strike="noStrike">
+              <a:latin typeface="Arial"/>
+            </a:endParaRPr>
+          </a:p>
+          <a:p>
+            <a:pPr>
+              <a:lnSpc>
+                <a:spcPct val="115000"/>
+              </a:lnSpc>
+              <a:spcBef>
+                <a:spcPts val="1199"/>
+              </a:spcBef>
+            </a:pPr>
+            <a:endParaRPr b="0" lang="en-US" sz="2000" spc="-1" strike="noStrike">
               <a:latin typeface="Arial"/>
             </a:endParaRPr>
           </a:p>
@@ -6034,18 +5485,18 @@
       </p:sp>
       <p:pic>
         <p:nvPicPr>
-          <p:cNvPr id="98" name="Picture 2"/>
+          <p:cNvPr id="98" name="Picture 2" descr=""/>
           <p:cNvPicPr/>
           <p:nvPr/>
         </p:nvPicPr>
         <p:blipFill>
-          <a:blip r:embed="rId2"/>
+          <a:blip r:embed="rId1"/>
           <a:stretch/>
         </p:blipFill>
         <p:spPr>
           <a:xfrm>
             <a:off x="690120" y="2052360"/>
-            <a:ext cx="9306360" cy="2907720"/>
+            <a:ext cx="9306000" cy="2907360"/>
           </a:xfrm>
           <a:prstGeom prst="rect">
             <a:avLst/>
@@ -6057,25 +5508,22 @@
       </p:pic>
     </p:spTree>
   </p:cSld>
-  <p:clrMapOvr>
-    <a:masterClrMapping/>
-  </p:clrMapOvr>
   <p:timing>
     <p:tnLst>
       <p:par>
-        <p:cTn id="1" dur="indefinite" restart="never" nodeType="tmRoot">
+        <p:cTn id="5" dur="indefinite" restart="never" nodeType="tmRoot">
           <p:childTnLst>
             <p:seq>
-              <p:cTn id="2" dur="indefinite" nodeType="mainSeq"/>
+              <p:cTn id="6" dur="indefinite" nodeType="mainSeq"/>
               <p:prevCondLst>
-                <p:cond evt="onPrev" delay="0">
+                <p:cond delay="0" evt="onPrev">
                   <p:tgtEl>
                     <p:sldTgt/>
                   </p:tgtEl>
                 </p:cond>
               </p:prevCondLst>
               <p:nextCondLst>
-                <p:cond evt="onNext" delay="0">
+                <p:cond delay="0" evt="onNext">
                   <p:tgtEl>
                     <p:sldTgt/>
                   </p:tgtEl>
@@ -6091,7 +5539,7 @@
 </file>
 
 <file path=ppt/slides/slide4.xml><?xml version="1.0" encoding="utf-8"?>
-<p:sld xmlns:a="http://schemas.openxmlformats.org/drawingml/2006/main" xmlns:r="http://schemas.openxmlformats.org/officeDocument/2006/relationships" xmlns:p="http://schemas.openxmlformats.org/presentationml/2006/main">
+<p:sld xmlns:a="http://schemas.openxmlformats.org/drawingml/2006/main" xmlns:p="http://schemas.openxmlformats.org/presentationml/2006/main" xmlns:r="http://schemas.openxmlformats.org/officeDocument/2006/relationships" xmlns:p14="http://schemas.microsoft.com/office/powerpoint/2010/main" xmlns:p15="http://schemas.microsoft.com/office/powerpoint/2012/main" xmlns:mc="http://schemas.openxmlformats.org/markup-compatibility/2006">
   <p:cSld>
     <p:spTree>
       <p:nvGrpSpPr>
@@ -6116,7 +5564,7 @@
         <p:spPr>
           <a:xfrm>
             <a:off x="736560" y="1509840"/>
-            <a:ext cx="9213120" cy="361080"/>
+            <a:ext cx="9212760" cy="360720"/>
           </a:xfrm>
           <a:prstGeom prst="rect">
             <a:avLst/>
@@ -6127,20 +5575,13 @@
           </a:ln>
         </p:spPr>
         <p:style>
-          <a:lnRef idx="0">
-            <a:scrgbClr r="0" g="0" b="0"/>
-          </a:lnRef>
-          <a:fillRef idx="0">
-            <a:scrgbClr r="0" g="0" b="0"/>
-          </a:fillRef>
-          <a:effectRef idx="0">
-            <a:scrgbClr r="0" g="0" b="0"/>
-          </a:effectRef>
+          <a:lnRef idx="0"/>
+          <a:fillRef idx="0"/>
+          <a:effectRef idx="0"/>
           <a:fontRef idx="minor"/>
         </p:style>
         <p:txBody>
-          <a:bodyPr lIns="0" tIns="0" rIns="0" bIns="0"/>
-          <a:lstStyle/>
+          <a:bodyPr lIns="0" rIns="0" tIns="0" bIns="0"/>
           <a:p>
             <a:pPr>
               <a:lnSpc>
@@ -6148,15 +5589,16 @@
               </a:lnSpc>
             </a:pPr>
             <a:r>
-              <a:rPr lang="en-US" sz="2000" b="1" strike="noStrike" spc="-1">
-                <a:solidFill>
-                  <a:srgbClr val="000000"/>
-                </a:solidFill>
-                <a:latin typeface="Arial"/>
+              <a:rPr b="1" lang="en-US" sz="2000" spc="-1" strike="noStrike">
+                <a:solidFill>
+                  <a:srgbClr val="000000"/>
+                </a:solidFill>
+                <a:latin typeface="Arial"/>
+                <a:ea typeface="DejaVu Sans"/>
               </a:rPr>
               <a:t>Methods</a:t>
             </a:r>
-            <a:endParaRPr lang="en-US" sz="2000" b="0" strike="noStrike" spc="-1">
+            <a:endParaRPr b="0" lang="en-US" sz="2000" spc="-1" strike="noStrike">
               <a:latin typeface="Arial"/>
             </a:endParaRPr>
           </a:p>
@@ -6171,7 +5613,7 @@
         <p:spPr>
           <a:xfrm>
             <a:off x="738360" y="2197080"/>
-            <a:ext cx="9213120" cy="4463280"/>
+            <a:ext cx="9212760" cy="4462920"/>
           </a:xfrm>
           <a:prstGeom prst="rect">
             <a:avLst/>
@@ -6182,22 +5624,15 @@
           </a:ln>
         </p:spPr>
         <p:style>
-          <a:lnRef idx="0">
-            <a:scrgbClr r="0" g="0" b="0"/>
-          </a:lnRef>
-          <a:fillRef idx="0">
-            <a:scrgbClr r="0" g="0" b="0"/>
-          </a:fillRef>
-          <a:effectRef idx="0">
-            <a:scrgbClr r="0" g="0" b="0"/>
-          </a:effectRef>
+          <a:lnRef idx="0"/>
+          <a:fillRef idx="0"/>
+          <a:effectRef idx="0"/>
           <a:fontRef idx="minor"/>
         </p:style>
         <p:txBody>
-          <a:bodyPr lIns="0" tIns="0" rIns="0" bIns="0"/>
-          <a:lstStyle/>
-          <a:p>
-            <a:pPr marL="343080" indent="-342360">
+          <a:bodyPr lIns="0" rIns="0" tIns="0" bIns="0"/>
+          <a:p>
+            <a:pPr marL="343080" indent="-342000">
               <a:lnSpc>
                 <a:spcPct val="115000"/>
               </a:lnSpc>
@@ -6211,15 +5646,16 @@
               <a:buChar char="-"/>
             </a:pPr>
             <a:r>
-              <a:rPr lang="en-US" sz="1800" b="0" strike="noStrike" spc="-1">
-                <a:solidFill>
-                  <a:srgbClr val="000000"/>
-                </a:solidFill>
-                <a:latin typeface="Arial"/>
+              <a:rPr b="0" lang="en-US" sz="1800" spc="-1" strike="noStrike">
+                <a:solidFill>
+                  <a:srgbClr val="000000"/>
+                </a:solidFill>
+                <a:latin typeface="Arial"/>
+                <a:ea typeface="DejaVu Sans"/>
               </a:rPr>
               <a:t>Taking each step of As-Is and investigate on optimization potential</a:t>
             </a:r>
-            <a:endParaRPr lang="en-US" sz="1800" b="0" strike="noStrike" spc="-1">
+            <a:endParaRPr b="0" lang="en-US" sz="1800" spc="-1" strike="noStrike">
               <a:latin typeface="Arial"/>
             </a:endParaRPr>
           </a:p>
@@ -6232,7 +5668,7 @@
                 <a:spcPts val="1199"/>
               </a:spcBef>
             </a:pPr>
-            <a:endParaRPr lang="en-US" sz="1800" b="0" strike="noStrike" spc="-1">
+            <a:endParaRPr b="0" lang="en-US" sz="1800" spc="-1" strike="noStrike">
               <a:latin typeface="Arial"/>
             </a:endParaRPr>
           </a:p>
@@ -6245,7 +5681,7 @@
                 <a:spcPts val="1199"/>
               </a:spcBef>
             </a:pPr>
-            <a:endParaRPr lang="en-US" sz="1800" b="0" strike="noStrike" spc="-1">
+            <a:endParaRPr b="0" lang="en-US" sz="1800" spc="-1" strike="noStrike">
               <a:latin typeface="Arial"/>
             </a:endParaRPr>
           </a:p>
@@ -6258,7 +5694,7 @@
                 <a:spcPts val="1199"/>
               </a:spcBef>
             </a:pPr>
-            <a:endParaRPr lang="en-US" sz="1800" b="0" strike="noStrike" spc="-1">
+            <a:endParaRPr b="0" lang="en-US" sz="1800" spc="-1" strike="noStrike">
               <a:latin typeface="Arial"/>
             </a:endParaRPr>
           </a:p>
@@ -6271,12 +5707,12 @@
                 <a:spcPts val="1199"/>
               </a:spcBef>
             </a:pPr>
-            <a:endParaRPr lang="en-US" sz="1800" b="0" strike="noStrike" spc="-1">
-              <a:latin typeface="Arial"/>
-            </a:endParaRPr>
-          </a:p>
-          <a:p>
-            <a:pPr marL="343080" indent="-342360">
+            <a:endParaRPr b="0" lang="en-US" sz="1800" spc="-1" strike="noStrike">
+              <a:latin typeface="Arial"/>
+            </a:endParaRPr>
+          </a:p>
+          <a:p>
+            <a:pPr marL="343080" indent="-342000">
               <a:lnSpc>
                 <a:spcPct val="115000"/>
               </a:lnSpc>
@@ -6290,15 +5726,16 @@
               <a:buChar char="-"/>
             </a:pPr>
             <a:r>
-              <a:rPr lang="en-US" sz="1800" b="0" strike="noStrike" spc="-1">
-                <a:solidFill>
-                  <a:srgbClr val="000000"/>
-                </a:solidFill>
-                <a:latin typeface="Arial"/>
+              <a:rPr b="0" lang="en-US" sz="1800" spc="-1" strike="noStrike">
+                <a:solidFill>
+                  <a:srgbClr val="000000"/>
+                </a:solidFill>
+                <a:latin typeface="Arial"/>
+                <a:ea typeface="DejaVu Sans"/>
               </a:rPr>
               <a:t>Some steps were added to the process which allow automation/improvement</a:t>
             </a:r>
-            <a:endParaRPr lang="en-US" sz="1800" b="0" strike="noStrike" spc="-1">
+            <a:endParaRPr b="0" lang="en-US" sz="1800" spc="-1" strike="noStrike">
               <a:latin typeface="Arial"/>
             </a:endParaRPr>
           </a:p>
@@ -6311,7 +5748,7 @@
                 <a:spcPts val="1199"/>
               </a:spcBef>
             </a:pPr>
-            <a:endParaRPr lang="en-US" sz="1800" b="0" strike="noStrike" spc="-1">
+            <a:endParaRPr b="0" lang="en-US" sz="1800" spc="-1" strike="noStrike">
               <a:latin typeface="Arial"/>
             </a:endParaRPr>
           </a:p>
@@ -6324,7 +5761,7 @@
                 <a:spcPts val="1199"/>
               </a:spcBef>
             </a:pPr>
-            <a:endParaRPr lang="en-US" sz="1800" b="0" strike="noStrike" spc="-1">
+            <a:endParaRPr b="0" lang="en-US" sz="1800" spc="-1" strike="noStrike">
               <a:latin typeface="Arial"/>
             </a:endParaRPr>
           </a:p>
@@ -6332,7 +5769,30 @@
       </p:sp>
       <p:pic>
         <p:nvPicPr>
-          <p:cNvPr id="101" name="Grafik 6"/>
+          <p:cNvPr id="101" name="Grafik 6" descr=""/>
+          <p:cNvPicPr/>
+          <p:nvPr/>
+        </p:nvPicPr>
+        <p:blipFill>
+          <a:blip r:embed="rId1"/>
+          <a:stretch/>
+        </p:blipFill>
+        <p:spPr>
+          <a:xfrm>
+            <a:off x="1690560" y="2666880"/>
+            <a:ext cx="7314120" cy="1761120"/>
+          </a:xfrm>
+          <a:prstGeom prst="rect">
+            <a:avLst/>
+          </a:prstGeom>
+          <a:ln>
+            <a:noFill/>
+          </a:ln>
+        </p:spPr>
+      </p:pic>
+      <p:pic>
+        <p:nvPicPr>
+          <p:cNvPr id="102" name="Grafik 7" descr=""/>
           <p:cNvPicPr/>
           <p:nvPr/>
         </p:nvPicPr>
@@ -6342,8 +5802,8 @@
         </p:blipFill>
         <p:spPr>
           <a:xfrm>
-            <a:off x="1690560" y="2666880"/>
-            <a:ext cx="7314480" cy="1761480"/>
+            <a:off x="1681200" y="5076720"/>
+            <a:ext cx="7323480" cy="1722960"/>
           </a:xfrm>
           <a:prstGeom prst="rect">
             <a:avLst/>
@@ -6353,29 +5813,6 @@
           </a:ln>
         </p:spPr>
       </p:pic>
-      <p:pic>
-        <p:nvPicPr>
-          <p:cNvPr id="102" name="Grafik 7"/>
-          <p:cNvPicPr/>
-          <p:nvPr/>
-        </p:nvPicPr>
-        <p:blipFill>
-          <a:blip r:embed="rId3"/>
-          <a:stretch/>
-        </p:blipFill>
-        <p:spPr>
-          <a:xfrm>
-            <a:off x="1681200" y="5076720"/>
-            <a:ext cx="7323840" cy="1723320"/>
-          </a:xfrm>
-          <a:prstGeom prst="rect">
-            <a:avLst/>
-          </a:prstGeom>
-          <a:ln>
-            <a:noFill/>
-          </a:ln>
-        </p:spPr>
-      </p:pic>
       <p:sp>
         <p:nvSpPr>
           <p:cNvPr id="103" name="CustomShape 3"/>
@@ -6385,7 +5822,7 @@
         <p:spPr>
           <a:xfrm>
             <a:off x="8221680" y="7197840"/>
-            <a:ext cx="864360" cy="178560"/>
+            <a:ext cx="864000" cy="178200"/>
           </a:xfrm>
           <a:prstGeom prst="rect">
             <a:avLst/>
@@ -6396,36 +5833,30 @@
           </a:ln>
         </p:spPr>
         <p:style>
-          <a:lnRef idx="0">
-            <a:scrgbClr r="0" g="0" b="0"/>
-          </a:lnRef>
-          <a:fillRef idx="0">
-            <a:scrgbClr r="0" g="0" b="0"/>
-          </a:fillRef>
-          <a:effectRef idx="0">
-            <a:scrgbClr r="0" g="0" b="0"/>
-          </a:effectRef>
+          <a:lnRef idx="0"/>
+          <a:fillRef idx="0"/>
+          <a:effectRef idx="0"/>
           <a:fontRef idx="minor"/>
         </p:style>
         <p:txBody>
-          <a:bodyPr lIns="0" tIns="0" rIns="0" bIns="0" anchor="b"/>
-          <a:lstStyle/>
+          <a:bodyPr lIns="0" rIns="0" tIns="0" bIns="0" anchor="b"/>
           <a:p>
             <a:pPr>
               <a:lnSpc>
                 <a:spcPct val="100000"/>
               </a:lnSpc>
             </a:pPr>
-            <a:fld id="{39E612B5-673E-41B1-B385-F890427F39F6}" type="datetime1">
-              <a:rPr lang="en-US" sz="1200" b="0" strike="noStrike" spc="-1">
-                <a:solidFill>
-                  <a:srgbClr val="000000"/>
-                </a:solidFill>
-                <a:latin typeface="Arial"/>
+            <a:fld id="{B5813088-2F0A-4E0D-982A-CEDC2CAD5FED}" type="datetime1">
+              <a:rPr b="0" lang="en-US" sz="1200" spc="-1" strike="noStrike">
+                <a:solidFill>
+                  <a:srgbClr val="000000"/>
+                </a:solidFill>
+                <a:latin typeface="Arial"/>
+                <a:ea typeface="DejaVu Sans"/>
               </a:rPr>
               <a:t>12/18/2019</a:t>
             </a:fld>
-            <a:endParaRPr lang="en-US" sz="1200" b="0" strike="noStrike" spc="-1">
+            <a:endParaRPr b="0" lang="en-US" sz="1200" spc="-1" strike="noStrike">
               <a:latin typeface="Arial"/>
             </a:endParaRPr>
           </a:p>
@@ -6440,7 +5871,7 @@
         <p:spPr>
           <a:xfrm>
             <a:off x="736560" y="7197840"/>
-            <a:ext cx="7484400" cy="178560"/>
+            <a:ext cx="7484040" cy="178200"/>
           </a:xfrm>
           <a:prstGeom prst="rect">
             <a:avLst/>
@@ -6451,20 +5882,13 @@
           </a:ln>
         </p:spPr>
         <p:style>
-          <a:lnRef idx="0">
-            <a:scrgbClr r="0" g="0" b="0"/>
-          </a:lnRef>
-          <a:fillRef idx="0">
-            <a:scrgbClr r="0" g="0" b="0"/>
-          </a:fillRef>
-          <a:effectRef idx="0">
-            <a:scrgbClr r="0" g="0" b="0"/>
-          </a:effectRef>
+          <a:lnRef idx="0"/>
+          <a:fillRef idx="0"/>
+          <a:effectRef idx="0"/>
           <a:fontRef idx="minor"/>
         </p:style>
         <p:txBody>
-          <a:bodyPr lIns="0" tIns="0" rIns="0" bIns="0" anchor="b"/>
-          <a:lstStyle/>
+          <a:bodyPr lIns="0" rIns="0" tIns="0" bIns="0" anchor="b"/>
           <a:p>
             <a:pPr>
               <a:lnSpc>
@@ -6472,15 +5896,36 @@
               </a:lnSpc>
             </a:pPr>
             <a:r>
-              <a:rPr lang="en-US" sz="1200" b="0" strike="noStrike" spc="-1">
-                <a:solidFill>
-                  <a:srgbClr val="000000"/>
-                </a:solidFill>
-                <a:latin typeface="Arial"/>
-              </a:rPr>
-              <a:t>DigiBP	Pamela Streisguth, Sebastian Kluthe, Teyfik Agac</a:t>
-            </a:r>
-            <a:endParaRPr lang="en-US" sz="1200" b="0" strike="noStrike" spc="-1">
+              <a:rPr b="0" lang="en-US" sz="1200" spc="-1" strike="noStrike">
+                <a:solidFill>
+                  <a:srgbClr val="000000"/>
+                </a:solidFill>
+                <a:latin typeface="Arial"/>
+                <a:ea typeface="DejaVu Sans"/>
+              </a:rPr>
+              <a:t>DigiBP</a:t>
+            </a:r>
+            <a:r>
+              <a:rPr b="0" lang="en-US" sz="1200" spc="-1" strike="noStrike">
+                <a:solidFill>
+                  <a:srgbClr val="000000"/>
+                </a:solidFill>
+                <a:latin typeface="Arial"/>
+                <a:ea typeface="DejaVu Sans"/>
+              </a:rPr>
+              <a:t>	</a:t>
+            </a:r>
+            <a:r>
+              <a:rPr b="0" lang="en-US" sz="1200" spc="-1" strike="noStrike">
+                <a:solidFill>
+                  <a:srgbClr val="000000"/>
+                </a:solidFill>
+                <a:latin typeface="Arial"/>
+                <a:ea typeface="DejaVu Sans"/>
+              </a:rPr>
+              <a:t>Pamela Streisguth, Sebastian Kluthe, Teyfik Agac</a:t>
+            </a:r>
+            <a:endParaRPr b="0" lang="en-US" sz="1200" spc="-1" strike="noStrike">
               <a:latin typeface="Arial"/>
             </a:endParaRPr>
           </a:p>
@@ -6495,7 +5940,7 @@
         <p:spPr>
           <a:xfrm>
             <a:off x="9086760" y="7197840"/>
-            <a:ext cx="862920" cy="178560"/>
+            <a:ext cx="862560" cy="178200"/>
           </a:xfrm>
           <a:prstGeom prst="rect">
             <a:avLst/>
@@ -6506,36 +5951,30 @@
           </a:ln>
         </p:spPr>
         <p:style>
-          <a:lnRef idx="0">
-            <a:scrgbClr r="0" g="0" b="0"/>
-          </a:lnRef>
-          <a:fillRef idx="0">
-            <a:scrgbClr r="0" g="0" b="0"/>
-          </a:fillRef>
-          <a:effectRef idx="0">
-            <a:scrgbClr r="0" g="0" b="0"/>
-          </a:effectRef>
+          <a:lnRef idx="0"/>
+          <a:fillRef idx="0"/>
+          <a:effectRef idx="0"/>
           <a:fontRef idx="minor"/>
         </p:style>
         <p:txBody>
-          <a:bodyPr lIns="0" tIns="0" rIns="0" bIns="0" anchor="b"/>
-          <a:lstStyle/>
+          <a:bodyPr lIns="0" rIns="0" tIns="0" bIns="0" anchor="b"/>
           <a:p>
             <a:pPr algn="r">
               <a:lnSpc>
                 <a:spcPct val="100000"/>
               </a:lnSpc>
             </a:pPr>
-            <a:fld id="{DD171270-6D6A-4D1A-80A6-76BAE7AE659A}" type="slidenum">
-              <a:rPr lang="en-US" sz="1200" b="0" strike="noStrike" spc="-1">
-                <a:solidFill>
-                  <a:srgbClr val="000000"/>
-                </a:solidFill>
-                <a:latin typeface="Arial"/>
-              </a:rPr>
-              <a:t>4</a:t>
+            <a:fld id="{CF64F9DC-C4AE-4D30-81CA-29A6F17FAFF1}" type="slidenum">
+              <a:rPr b="0" lang="en-US" sz="1200" spc="-1" strike="noStrike">
+                <a:solidFill>
+                  <a:srgbClr val="000000"/>
+                </a:solidFill>
+                <a:latin typeface="Arial"/>
+                <a:ea typeface="DejaVu Sans"/>
+              </a:rPr>
+              <a:t>1</a:t>
             </a:fld>
-            <a:endParaRPr lang="en-US" sz="1200" b="0" strike="noStrike" spc="-1">
+            <a:endParaRPr b="0" lang="en-US" sz="1200" spc="-1" strike="noStrike">
               <a:latin typeface="Arial"/>
             </a:endParaRPr>
           </a:p>
@@ -6543,25 +5982,22 @@
       </p:sp>
     </p:spTree>
   </p:cSld>
-  <p:clrMapOvr>
-    <a:masterClrMapping/>
-  </p:clrMapOvr>
   <p:timing>
     <p:tnLst>
       <p:par>
-        <p:cTn id="1" dur="indefinite" restart="never" nodeType="tmRoot">
+        <p:cTn id="7" dur="indefinite" restart="never" nodeType="tmRoot">
           <p:childTnLst>
             <p:seq>
-              <p:cTn id="2" dur="indefinite" nodeType="mainSeq"/>
+              <p:cTn id="8" dur="indefinite" nodeType="mainSeq"/>
               <p:prevCondLst>
-                <p:cond evt="onPrev" delay="0">
+                <p:cond delay="0" evt="onPrev">
                   <p:tgtEl>
                     <p:sldTgt/>
                   </p:tgtEl>
                 </p:cond>
               </p:prevCondLst>
               <p:nextCondLst>
-                <p:cond evt="onNext" delay="0">
+                <p:cond delay="0" evt="onNext">
                   <p:tgtEl>
                     <p:sldTgt/>
                   </p:tgtEl>
@@ -6577,7 +6013,7 @@
 </file>
 
 <file path=ppt/slides/slide5.xml><?xml version="1.0" encoding="utf-8"?>
-<p:sld xmlns:a="http://schemas.openxmlformats.org/drawingml/2006/main" xmlns:r="http://schemas.openxmlformats.org/officeDocument/2006/relationships" xmlns:p="http://schemas.openxmlformats.org/presentationml/2006/main">
+<p:sld xmlns:a="http://schemas.openxmlformats.org/drawingml/2006/main" xmlns:p="http://schemas.openxmlformats.org/presentationml/2006/main" xmlns:r="http://schemas.openxmlformats.org/officeDocument/2006/relationships" xmlns:p14="http://schemas.microsoft.com/office/powerpoint/2010/main" xmlns:p15="http://schemas.microsoft.com/office/powerpoint/2012/main" xmlns:mc="http://schemas.openxmlformats.org/markup-compatibility/2006">
   <p:cSld>
     <p:spTree>
       <p:nvGrpSpPr>
@@ -6602,7 +6038,7 @@
         <p:spPr>
           <a:xfrm>
             <a:off x="736560" y="1509840"/>
-            <a:ext cx="9213120" cy="361080"/>
+            <a:ext cx="9212760" cy="360720"/>
           </a:xfrm>
           <a:prstGeom prst="rect">
             <a:avLst/>
@@ -6613,20 +6049,13 @@
           </a:ln>
         </p:spPr>
         <p:style>
-          <a:lnRef idx="0">
-            <a:scrgbClr r="0" g="0" b="0"/>
-          </a:lnRef>
-          <a:fillRef idx="0">
-            <a:scrgbClr r="0" g="0" b="0"/>
-          </a:fillRef>
-          <a:effectRef idx="0">
-            <a:scrgbClr r="0" g="0" b="0"/>
-          </a:effectRef>
+          <a:lnRef idx="0"/>
+          <a:fillRef idx="0"/>
+          <a:effectRef idx="0"/>
           <a:fontRef idx="minor"/>
         </p:style>
         <p:txBody>
-          <a:bodyPr lIns="0" tIns="0" rIns="0" bIns="0"/>
-          <a:lstStyle/>
+          <a:bodyPr lIns="0" rIns="0" tIns="0" bIns="0"/>
           <a:p>
             <a:pPr>
               <a:lnSpc>
@@ -6634,15 +6063,16 @@
               </a:lnSpc>
             </a:pPr>
             <a:r>
-              <a:rPr lang="en-US" sz="2000" b="1" strike="noStrike" spc="-1">
-                <a:solidFill>
-                  <a:srgbClr val="000000"/>
-                </a:solidFill>
-                <a:latin typeface="Arial"/>
+              <a:rPr b="1" lang="en-US" sz="2000" spc="-1" strike="noStrike">
+                <a:solidFill>
+                  <a:srgbClr val="000000"/>
+                </a:solidFill>
+                <a:latin typeface="Arial"/>
+                <a:ea typeface="DejaVu Sans"/>
               </a:rPr>
               <a:t>To-Be</a:t>
             </a:r>
-            <a:endParaRPr lang="en-US" sz="2000" b="0" strike="noStrike" spc="-1">
+            <a:endParaRPr b="0" lang="en-US" sz="2000" spc="-1" strike="noStrike">
               <a:latin typeface="Arial"/>
             </a:endParaRPr>
           </a:p>
@@ -6656,8 +6086,8 @@
         </p:nvSpPr>
         <p:spPr>
           <a:xfrm>
-            <a:off x="632388" y="2023200"/>
-            <a:ext cx="2697251" cy="4463280"/>
+            <a:off x="632520" y="2023200"/>
+            <a:ext cx="2696760" cy="4462920"/>
           </a:xfrm>
           <a:prstGeom prst="rect">
             <a:avLst/>
@@ -6668,56 +6098,66 @@
           </a:ln>
         </p:spPr>
         <p:style>
-          <a:lnRef idx="0">
-            <a:scrgbClr r="0" g="0" b="0"/>
-          </a:lnRef>
-          <a:fillRef idx="0">
-            <a:scrgbClr r="0" g="0" b="0"/>
-          </a:fillRef>
-          <a:effectRef idx="0">
-            <a:scrgbClr r="0" g="0" b="0"/>
-          </a:effectRef>
+          <a:lnRef idx="0"/>
+          <a:fillRef idx="0"/>
+          <a:effectRef idx="0"/>
           <a:fontRef idx="minor"/>
         </p:style>
         <p:txBody>
-          <a:bodyPr lIns="0" tIns="0" rIns="0" bIns="0"/>
-          <a:lstStyle/>
-          <a:p>
-            <a:pPr marL="342900" indent="-342900">
+          <a:bodyPr lIns="0" rIns="0" tIns="0" bIns="0"/>
+          <a:p>
+            <a:pPr marL="343080" indent="-342720">
               <a:lnSpc>
                 <a:spcPct val="115000"/>
               </a:lnSpc>
               <a:spcBef>
                 <a:spcPts val="1199"/>
               </a:spcBef>
-              <a:buFontTx/>
+              <a:buClr>
+                <a:srgbClr val="000000"/>
+              </a:buClr>
+              <a:buFont typeface="StarSymbol"/>
               <a:buChar char="-"/>
             </a:pPr>
             <a:r>
-              <a:rPr lang="en-US" sz="2000" b="0" strike="noStrike" spc="-1" dirty="0">
-                <a:latin typeface="Arial"/>
+              <a:rPr b="0" lang="en-US" sz="2000" spc="-1" strike="noStrike">
+                <a:solidFill>
+                  <a:srgbClr val="000000"/>
+                </a:solidFill>
+                <a:latin typeface="Arial"/>
+                <a:ea typeface="DejaVu Sans"/>
               </a:rPr>
               <a:t>Clear separation of individual steps</a:t>
             </a:r>
-          </a:p>
-          <a:p>
-            <a:pPr marL="342900" indent="-342900">
+            <a:endParaRPr b="0" lang="en-US" sz="2000" spc="-1" strike="noStrike">
+              <a:latin typeface="Arial"/>
+            </a:endParaRPr>
+          </a:p>
+          <a:p>
+            <a:pPr marL="343080" indent="-342720">
               <a:lnSpc>
                 <a:spcPct val="115000"/>
               </a:lnSpc>
               <a:spcBef>
                 <a:spcPts val="1199"/>
               </a:spcBef>
-              <a:buFontTx/>
+              <a:buClr>
+                <a:srgbClr val="000000"/>
+              </a:buClr>
+              <a:buFont typeface="StarSymbol"/>
               <a:buChar char="-"/>
             </a:pPr>
             <a:r>
-              <a:rPr lang="en-US" sz="2000" spc="-1" dirty="0">
-                <a:latin typeface="Arial"/>
+              <a:rPr b="0" lang="en-US" sz="2000" spc="-1" strike="noStrike">
+                <a:solidFill>
+                  <a:srgbClr val="000000"/>
+                </a:solidFill>
+                <a:latin typeface="Arial"/>
+                <a:ea typeface="DejaVu Sans"/>
               </a:rPr>
               <a:t>Larger model for a faster and more efficient process</a:t>
             </a:r>
-            <a:endParaRPr lang="en-US" sz="2000" b="0" strike="noStrike" spc="-1" dirty="0">
+            <a:endParaRPr b="0" lang="en-US" sz="2000" spc="-1" strike="noStrike">
               <a:latin typeface="Arial"/>
             </a:endParaRPr>
           </a:p>
@@ -6725,19 +6165,43 @@
       </p:sp>
       <p:pic>
         <p:nvPicPr>
-          <p:cNvPr id="108" name="Picture 2"/>
+          <p:cNvPr id="108" name="Picture 2" descr=""/>
+          <p:cNvPicPr/>
+          <p:nvPr/>
+        </p:nvPicPr>
+        <p:blipFill>
+          <a:blip r:embed="rId1"/>
+          <a:srcRect l="0" t="0" r="55665" b="0"/>
+          <a:stretch/>
+        </p:blipFill>
+        <p:spPr>
+          <a:xfrm>
+            <a:off x="3461400" y="972360"/>
+            <a:ext cx="6488280" cy="3052080"/>
+          </a:xfrm>
+          <a:prstGeom prst="rect">
+            <a:avLst/>
+          </a:prstGeom>
+          <a:ln>
+            <a:noFill/>
+          </a:ln>
+        </p:spPr>
+      </p:pic>
+      <p:pic>
+        <p:nvPicPr>
+          <p:cNvPr id="109" name="Picture 4" descr=""/>
           <p:cNvPicPr/>
           <p:nvPr/>
         </p:nvPicPr>
         <p:blipFill>
           <a:blip r:embed="rId2"/>
-          <a:srcRect r="55665"/>
+          <a:srcRect l="44425" t="0" r="0" b="0"/>
           <a:stretch/>
         </p:blipFill>
         <p:spPr>
           <a:xfrm>
-            <a:off x="3461400" y="972360"/>
-            <a:ext cx="6488640" cy="3052440"/>
+            <a:off x="2157840" y="4145040"/>
+            <a:ext cx="7814160" cy="2931840"/>
           </a:xfrm>
           <a:prstGeom prst="rect">
             <a:avLst/>
@@ -6747,30 +6211,6 @@
           </a:ln>
         </p:spPr>
       </p:pic>
-      <p:pic>
-        <p:nvPicPr>
-          <p:cNvPr id="109" name="Picture 4"/>
-          <p:cNvPicPr/>
-          <p:nvPr/>
-        </p:nvPicPr>
-        <p:blipFill>
-          <a:blip r:embed="rId3"/>
-          <a:srcRect l="44425"/>
-          <a:stretch/>
-        </p:blipFill>
-        <p:spPr>
-          <a:xfrm>
-            <a:off x="2157840" y="4145040"/>
-            <a:ext cx="7814520" cy="2932200"/>
-          </a:xfrm>
-          <a:prstGeom prst="rect">
-            <a:avLst/>
-          </a:prstGeom>
-          <a:ln>
-            <a:noFill/>
-          </a:ln>
-        </p:spPr>
-      </p:pic>
       <p:sp>
         <p:nvSpPr>
           <p:cNvPr id="110" name="CustomShape 3"/>
@@ -6780,7 +6220,7 @@
         <p:spPr>
           <a:xfrm>
             <a:off x="8221680" y="7197840"/>
-            <a:ext cx="864360" cy="178560"/>
+            <a:ext cx="864000" cy="178200"/>
           </a:xfrm>
           <a:prstGeom prst="rect">
             <a:avLst/>
@@ -6791,36 +6231,30 @@
           </a:ln>
         </p:spPr>
         <p:style>
-          <a:lnRef idx="0">
-            <a:scrgbClr r="0" g="0" b="0"/>
-          </a:lnRef>
-          <a:fillRef idx="0">
-            <a:scrgbClr r="0" g="0" b="0"/>
-          </a:fillRef>
-          <a:effectRef idx="0">
-            <a:scrgbClr r="0" g="0" b="0"/>
-          </a:effectRef>
+          <a:lnRef idx="0"/>
+          <a:fillRef idx="0"/>
+          <a:effectRef idx="0"/>
           <a:fontRef idx="minor"/>
         </p:style>
         <p:txBody>
-          <a:bodyPr lIns="0" tIns="0" rIns="0" bIns="0" anchor="b"/>
-          <a:lstStyle/>
+          <a:bodyPr lIns="0" rIns="0" tIns="0" bIns="0" anchor="b"/>
           <a:p>
             <a:pPr>
               <a:lnSpc>
                 <a:spcPct val="100000"/>
               </a:lnSpc>
             </a:pPr>
-            <a:fld id="{AD6D188E-744E-4F81-9C66-CEE008DDE65A}" type="datetime1">
-              <a:rPr lang="en-US" sz="1200" b="0" strike="noStrike" spc="-1">
-                <a:solidFill>
-                  <a:srgbClr val="000000"/>
-                </a:solidFill>
-                <a:latin typeface="Arial"/>
+            <a:fld id="{8D571D4A-EBBC-4A01-9D26-0AB598147CA4}" type="datetime1">
+              <a:rPr b="0" lang="en-US" sz="1200" spc="-1" strike="noStrike">
+                <a:solidFill>
+                  <a:srgbClr val="000000"/>
+                </a:solidFill>
+                <a:latin typeface="Arial"/>
+                <a:ea typeface="DejaVu Sans"/>
               </a:rPr>
               <a:t>12/18/2019</a:t>
             </a:fld>
-            <a:endParaRPr lang="en-US" sz="1200" b="0" strike="noStrike" spc="-1">
+            <a:endParaRPr b="0" lang="en-US" sz="1200" spc="-1" strike="noStrike">
               <a:latin typeface="Arial"/>
             </a:endParaRPr>
           </a:p>
@@ -6835,7 +6269,7 @@
         <p:spPr>
           <a:xfrm>
             <a:off x="736560" y="7197840"/>
-            <a:ext cx="7484400" cy="178560"/>
+            <a:ext cx="7484040" cy="178200"/>
           </a:xfrm>
           <a:prstGeom prst="rect">
             <a:avLst/>
@@ -6846,20 +6280,13 @@
           </a:ln>
         </p:spPr>
         <p:style>
-          <a:lnRef idx="0">
-            <a:scrgbClr r="0" g="0" b="0"/>
-          </a:lnRef>
-          <a:fillRef idx="0">
-            <a:scrgbClr r="0" g="0" b="0"/>
-          </a:fillRef>
-          <a:effectRef idx="0">
-            <a:scrgbClr r="0" g="0" b="0"/>
-          </a:effectRef>
+          <a:lnRef idx="0"/>
+          <a:fillRef idx="0"/>
+          <a:effectRef idx="0"/>
           <a:fontRef idx="minor"/>
         </p:style>
         <p:txBody>
-          <a:bodyPr lIns="0" tIns="0" rIns="0" bIns="0" anchor="b"/>
-          <a:lstStyle/>
+          <a:bodyPr lIns="0" rIns="0" tIns="0" bIns="0" anchor="b"/>
           <a:p>
             <a:pPr>
               <a:lnSpc>
@@ -6867,15 +6294,36 @@
               </a:lnSpc>
             </a:pPr>
             <a:r>
-              <a:rPr lang="en-US" sz="1200" b="0" strike="noStrike" spc="-1">
-                <a:solidFill>
-                  <a:srgbClr val="000000"/>
-                </a:solidFill>
-                <a:latin typeface="Arial"/>
-              </a:rPr>
-              <a:t>DigiBP	Pamela Streisguth, Sebastian Kluthe, Teyfik Agac</a:t>
-            </a:r>
-            <a:endParaRPr lang="en-US" sz="1200" b="0" strike="noStrike" spc="-1">
+              <a:rPr b="0" lang="en-US" sz="1200" spc="-1" strike="noStrike">
+                <a:solidFill>
+                  <a:srgbClr val="000000"/>
+                </a:solidFill>
+                <a:latin typeface="Arial"/>
+                <a:ea typeface="DejaVu Sans"/>
+              </a:rPr>
+              <a:t>DigiBP</a:t>
+            </a:r>
+            <a:r>
+              <a:rPr b="0" lang="en-US" sz="1200" spc="-1" strike="noStrike">
+                <a:solidFill>
+                  <a:srgbClr val="000000"/>
+                </a:solidFill>
+                <a:latin typeface="Arial"/>
+                <a:ea typeface="DejaVu Sans"/>
+              </a:rPr>
+              <a:t>	</a:t>
+            </a:r>
+            <a:r>
+              <a:rPr b="0" lang="en-US" sz="1200" spc="-1" strike="noStrike">
+                <a:solidFill>
+                  <a:srgbClr val="000000"/>
+                </a:solidFill>
+                <a:latin typeface="Arial"/>
+                <a:ea typeface="DejaVu Sans"/>
+              </a:rPr>
+              <a:t>Pamela Streisguth, Sebastian Kluthe, Teyfik Agac</a:t>
+            </a:r>
+            <a:endParaRPr b="0" lang="en-US" sz="1200" spc="-1" strike="noStrike">
               <a:latin typeface="Arial"/>
             </a:endParaRPr>
           </a:p>
@@ -6890,7 +6338,7 @@
         <p:spPr>
           <a:xfrm>
             <a:off x="9086760" y="7197840"/>
-            <a:ext cx="862920" cy="178560"/>
+            <a:ext cx="862560" cy="178200"/>
           </a:xfrm>
           <a:prstGeom prst="rect">
             <a:avLst/>
@@ -6901,36 +6349,30 @@
           </a:ln>
         </p:spPr>
         <p:style>
-          <a:lnRef idx="0">
-            <a:scrgbClr r="0" g="0" b="0"/>
-          </a:lnRef>
-          <a:fillRef idx="0">
-            <a:scrgbClr r="0" g="0" b="0"/>
-          </a:fillRef>
-          <a:effectRef idx="0">
-            <a:scrgbClr r="0" g="0" b="0"/>
-          </a:effectRef>
+          <a:lnRef idx="0"/>
+          <a:fillRef idx="0"/>
+          <a:effectRef idx="0"/>
           <a:fontRef idx="minor"/>
         </p:style>
         <p:txBody>
-          <a:bodyPr lIns="0" tIns="0" rIns="0" bIns="0" anchor="b"/>
-          <a:lstStyle/>
+          <a:bodyPr lIns="0" rIns="0" tIns="0" bIns="0" anchor="b"/>
           <a:p>
             <a:pPr algn="r">
               <a:lnSpc>
                 <a:spcPct val="100000"/>
               </a:lnSpc>
             </a:pPr>
-            <a:fld id="{C8915FF4-BE35-426C-882E-A371CFE85537}" type="slidenum">
-              <a:rPr lang="en-US" sz="1200" b="0" strike="noStrike" spc="-1">
-                <a:solidFill>
-                  <a:srgbClr val="000000"/>
-                </a:solidFill>
-                <a:latin typeface="Arial"/>
-              </a:rPr>
-              <a:t>5</a:t>
+            <a:fld id="{00360D2B-B20A-484E-A7FA-6D75A81CECAD}" type="slidenum">
+              <a:rPr b="0" lang="en-US" sz="1200" spc="-1" strike="noStrike">
+                <a:solidFill>
+                  <a:srgbClr val="000000"/>
+                </a:solidFill>
+                <a:latin typeface="Arial"/>
+                <a:ea typeface="DejaVu Sans"/>
+              </a:rPr>
+              <a:t>1</a:t>
             </a:fld>
-            <a:endParaRPr lang="en-US" sz="1200" b="0" strike="noStrike" spc="-1">
+            <a:endParaRPr b="0" lang="en-US" sz="1200" spc="-1" strike="noStrike">
               <a:latin typeface="Arial"/>
             </a:endParaRPr>
           </a:p>
@@ -6938,25 +6380,22 @@
       </p:sp>
     </p:spTree>
   </p:cSld>
-  <p:clrMapOvr>
-    <a:masterClrMapping/>
-  </p:clrMapOvr>
   <p:timing>
     <p:tnLst>
       <p:par>
-        <p:cTn id="1" dur="indefinite" restart="never" nodeType="tmRoot">
+        <p:cTn id="9" dur="indefinite" restart="never" nodeType="tmRoot">
           <p:childTnLst>
             <p:seq>
-              <p:cTn id="2" dur="indefinite" nodeType="mainSeq"/>
+              <p:cTn id="10" dur="indefinite" nodeType="mainSeq"/>
               <p:prevCondLst>
-                <p:cond evt="onPrev" delay="0">
+                <p:cond delay="0" evt="onPrev">
                   <p:tgtEl>
                     <p:sldTgt/>
                   </p:tgtEl>
                 </p:cond>
               </p:prevCondLst>
               <p:nextCondLst>
-                <p:cond evt="onNext" delay="0">
+                <p:cond delay="0" evt="onNext">
                   <p:tgtEl>
                     <p:sldTgt/>
                   </p:tgtEl>
@@ -6972,7 +6411,7 @@
 </file>
 
 <file path=ppt/slides/slide6.xml><?xml version="1.0" encoding="utf-8"?>
-<p:sld xmlns:a="http://schemas.openxmlformats.org/drawingml/2006/main" xmlns:r="http://schemas.openxmlformats.org/officeDocument/2006/relationships" xmlns:p="http://schemas.openxmlformats.org/presentationml/2006/main">
+<p:sld xmlns:a="http://schemas.openxmlformats.org/drawingml/2006/main" xmlns:p="http://schemas.openxmlformats.org/presentationml/2006/main" xmlns:r="http://schemas.openxmlformats.org/officeDocument/2006/relationships" xmlns:p14="http://schemas.microsoft.com/office/powerpoint/2010/main" xmlns:p15="http://schemas.microsoft.com/office/powerpoint/2012/main" xmlns:mc="http://schemas.openxmlformats.org/markup-compatibility/2006">
   <p:cSld>
     <p:spTree>
       <p:nvGrpSpPr>
@@ -6997,7 +6436,7 @@
         <p:spPr>
           <a:xfrm>
             <a:off x="736560" y="1509840"/>
-            <a:ext cx="9213120" cy="361080"/>
+            <a:ext cx="9212760" cy="360720"/>
           </a:xfrm>
           <a:prstGeom prst="rect">
             <a:avLst/>
@@ -7008,20 +6447,13 @@
           </a:ln>
         </p:spPr>
         <p:style>
-          <a:lnRef idx="0">
-            <a:scrgbClr r="0" g="0" b="0"/>
-          </a:lnRef>
-          <a:fillRef idx="0">
-            <a:scrgbClr r="0" g="0" b="0"/>
-          </a:fillRef>
-          <a:effectRef idx="0">
-            <a:scrgbClr r="0" g="0" b="0"/>
-          </a:effectRef>
+          <a:lnRef idx="0"/>
+          <a:fillRef idx="0"/>
+          <a:effectRef idx="0"/>
           <a:fontRef idx="minor"/>
         </p:style>
         <p:txBody>
-          <a:bodyPr lIns="0" tIns="0" rIns="0" bIns="0"/>
-          <a:lstStyle/>
+          <a:bodyPr lIns="0" rIns="0" tIns="0" bIns="0"/>
           <a:p>
             <a:pPr>
               <a:lnSpc>
@@ -7029,15 +6461,16 @@
               </a:lnSpc>
             </a:pPr>
             <a:r>
-              <a:rPr lang="en-US" sz="2000" b="1" strike="noStrike" spc="-1">
-                <a:solidFill>
-                  <a:srgbClr val="000000"/>
-                </a:solidFill>
-                <a:latin typeface="Arial"/>
+              <a:rPr b="1" lang="en-US" sz="2000" spc="-1" strike="noStrike">
+                <a:solidFill>
+                  <a:srgbClr val="000000"/>
+                </a:solidFill>
+                <a:latin typeface="Arial"/>
+                <a:ea typeface="DejaVu Sans"/>
               </a:rPr>
               <a:t>Focus</a:t>
             </a:r>
-            <a:endParaRPr lang="en-US" sz="2000" b="0" strike="noStrike" spc="-1">
+            <a:endParaRPr b="0" lang="en-US" sz="2000" spc="-1" strike="noStrike">
               <a:latin typeface="Arial"/>
             </a:endParaRPr>
           </a:p>
@@ -7052,7 +6485,7 @@
         <p:spPr>
           <a:xfrm>
             <a:off x="731520" y="2028960"/>
-            <a:ext cx="3291840" cy="4463280"/>
+            <a:ext cx="3291480" cy="4462920"/>
           </a:xfrm>
           <a:prstGeom prst="rect">
             <a:avLst/>
@@ -7063,22 +6496,15 @@
           </a:ln>
         </p:spPr>
         <p:style>
-          <a:lnRef idx="0">
-            <a:scrgbClr r="0" g="0" b="0"/>
-          </a:lnRef>
-          <a:fillRef idx="0">
-            <a:scrgbClr r="0" g="0" b="0"/>
-          </a:fillRef>
-          <a:effectRef idx="0">
-            <a:scrgbClr r="0" g="0" b="0"/>
-          </a:effectRef>
+          <a:lnRef idx="0"/>
+          <a:fillRef idx="0"/>
+          <a:effectRef idx="0"/>
           <a:fontRef idx="minor"/>
         </p:style>
         <p:txBody>
-          <a:bodyPr lIns="0" tIns="0" rIns="0" bIns="0"/>
-          <a:lstStyle/>
-          <a:p>
-            <a:pPr marL="343080" indent="-342360">
+          <a:bodyPr lIns="0" rIns="0" tIns="0" bIns="0"/>
+          <a:p>
+            <a:pPr marL="343080" indent="-342000">
               <a:lnSpc>
                 <a:spcPct val="115000"/>
               </a:lnSpc>
@@ -7092,20 +6518,34 @@
               <a:buChar char="-"/>
             </a:pPr>
             <a:r>
-              <a:rPr lang="en-US" sz="2000" b="0" strike="noStrike" spc="-1">
-                <a:solidFill>
-                  <a:srgbClr val="000000"/>
-                </a:solidFill>
-                <a:latin typeface="Arial"/>
+              <a:rPr b="0" lang="en-US" sz="2000" spc="-1" strike="noStrike">
+                <a:solidFill>
+                  <a:srgbClr val="000000"/>
+                </a:solidFill>
+                <a:latin typeface="Arial"/>
+                <a:ea typeface="DejaVu Sans"/>
               </a:rPr>
               <a:t>Evaluating the potential for automation</a:t>
             </a:r>
-            <a:endParaRPr lang="en-US" sz="2000" b="0" strike="noStrike" spc="-1">
-              <a:latin typeface="Arial"/>
-            </a:endParaRPr>
-          </a:p>
-          <a:p>
-            <a:pPr marL="343080" indent="-342360">
+            <a:endParaRPr b="0" lang="en-US" sz="2000" spc="-1" strike="noStrike">
+              <a:latin typeface="Arial"/>
+            </a:endParaRPr>
+          </a:p>
+          <a:p>
+            <a:pPr>
+              <a:lnSpc>
+                <a:spcPct val="115000"/>
+              </a:lnSpc>
+              <a:spcBef>
+                <a:spcPts val="1199"/>
+              </a:spcBef>
+            </a:pPr>
+            <a:endParaRPr b="0" lang="en-US" sz="2000" spc="-1" strike="noStrike">
+              <a:latin typeface="Arial"/>
+            </a:endParaRPr>
+          </a:p>
+          <a:p>
+            <a:pPr marL="343080" indent="-342000">
               <a:lnSpc>
                 <a:spcPct val="115000"/>
               </a:lnSpc>
@@ -7118,12 +6558,22 @@
               <a:buFont typeface="StarSymbol"/>
               <a:buChar char="-"/>
             </a:pPr>
-            <a:endParaRPr lang="en-US" sz="2000" b="0" strike="noStrike" spc="-1">
-              <a:latin typeface="Arial"/>
-            </a:endParaRPr>
-          </a:p>
-          <a:p>
-            <a:pPr marL="343080" indent="-342360">
+            <a:r>
+              <a:rPr b="0" lang="en-US" sz="2000" spc="-1" strike="noStrike">
+                <a:solidFill>
+                  <a:srgbClr val="000000"/>
+                </a:solidFill>
+                <a:latin typeface="Arial"/>
+                <a:ea typeface="DejaVu Sans"/>
+              </a:rPr>
+              <a:t>Focus on application part of the whole process</a:t>
+            </a:r>
+            <a:endParaRPr b="0" lang="en-US" sz="2000" spc="-1" strike="noStrike">
+              <a:latin typeface="Arial"/>
+            </a:endParaRPr>
+          </a:p>
+          <a:p>
+            <a:pPr lvl="1" marL="432000" indent="-215640">
               <a:lnSpc>
                 <a:spcPct val="115000"/>
               </a:lnSpc>
@@ -7133,24 +6583,26 @@
               <a:buClr>
                 <a:srgbClr val="000000"/>
               </a:buClr>
-              <a:buFont typeface="StarSymbol"/>
-              <a:buChar char="-"/>
-            </a:pPr>
-            <a:r>
-              <a:rPr lang="en-US" sz="2000" b="0" strike="noStrike" spc="-1">
-                <a:solidFill>
-                  <a:srgbClr val="000000"/>
-                </a:solidFill>
-                <a:latin typeface="Arial"/>
-              </a:rPr>
-              <a:t>Focus on application part of the whole process</a:t>
-            </a:r>
-            <a:endParaRPr lang="en-US" sz="2000" b="0" strike="noStrike" spc="-1">
-              <a:latin typeface="Arial"/>
-            </a:endParaRPr>
-          </a:p>
-          <a:p>
-            <a:pPr marL="432000" lvl="1" indent="-216000">
+              <a:buSzPct val="45000"/>
+              <a:buFont typeface="Wingdings" charset="2"/>
+              <a:buChar char=""/>
+            </a:pPr>
+            <a:r>
+              <a:rPr b="0" lang="en-US" sz="2000" spc="-1" strike="noStrike">
+                <a:solidFill>
+                  <a:srgbClr val="000000"/>
+                </a:solidFill>
+                <a:latin typeface="Arial"/>
+                <a:ea typeface="DejaVu Sans"/>
+              </a:rPr>
+              <a:t>Lots of repetition</a:t>
+            </a:r>
+            <a:endParaRPr b="0" lang="en-US" sz="2000" spc="-1" strike="noStrike">
+              <a:latin typeface="Arial"/>
+            </a:endParaRPr>
+          </a:p>
+          <a:p>
+            <a:pPr lvl="1" marL="432000" indent="-215640">
               <a:lnSpc>
                 <a:spcPct val="115000"/>
               </a:lnSpc>
@@ -7165,20 +6617,21 @@
               <a:buChar char=""/>
             </a:pPr>
             <a:r>
-              <a:rPr lang="en-US" sz="2000" b="0" strike="noStrike" spc="-1">
-                <a:solidFill>
-                  <a:srgbClr val="000000"/>
-                </a:solidFill>
-                <a:latin typeface="Arial"/>
-              </a:rPr>
-              <a:t>Lots of repetition</a:t>
-            </a:r>
-            <a:endParaRPr lang="en-US" sz="2000" b="0" strike="noStrike" spc="-1">
-              <a:latin typeface="Arial"/>
-            </a:endParaRPr>
-          </a:p>
-          <a:p>
-            <a:pPr marL="432000" lvl="1" indent="-216000">
+              <a:rPr b="0" lang="en-US" sz="2000" spc="-1" strike="noStrike">
+                <a:solidFill>
+                  <a:srgbClr val="000000"/>
+                </a:solidFill>
+                <a:latin typeface="Arial"/>
+                <a:ea typeface="DejaVu Sans"/>
+              </a:rPr>
+              <a:t>Most used steps of the process</a:t>
+            </a:r>
+            <a:endParaRPr b="0" lang="en-US" sz="2000" spc="-1" strike="noStrike">
+              <a:latin typeface="Arial"/>
+            </a:endParaRPr>
+          </a:p>
+          <a:p>
+            <a:pPr lvl="1" marL="432000" indent="-215640">
               <a:lnSpc>
                 <a:spcPct val="115000"/>
               </a:lnSpc>
@@ -7193,56 +6646,29 @@
               <a:buChar char=""/>
             </a:pPr>
             <a:r>
-              <a:rPr lang="en-US" sz="2000" b="0" strike="noStrike" spc="-1">
-                <a:solidFill>
-                  <a:srgbClr val="000000"/>
-                </a:solidFill>
-                <a:latin typeface="Arial"/>
-              </a:rPr>
-              <a:t>Most used steps of the process</a:t>
-            </a:r>
-            <a:endParaRPr lang="en-US" sz="2000" b="0" strike="noStrike" spc="-1">
-              <a:latin typeface="Arial"/>
-            </a:endParaRPr>
-          </a:p>
-          <a:p>
-            <a:pPr marL="432000" lvl="1" indent="-216000">
+              <a:rPr b="0" lang="en-US" sz="2000" spc="-1" strike="noStrike">
+                <a:solidFill>
+                  <a:srgbClr val="000000"/>
+                </a:solidFill>
+                <a:latin typeface="Arial"/>
+                <a:ea typeface="DejaVu Sans"/>
+              </a:rPr>
+              <a:t>Limited potential for automation in later parts of the recruitment </a:t>
+            </a:r>
+            <a:endParaRPr b="0" lang="en-US" sz="2000" spc="-1" strike="noStrike">
+              <a:latin typeface="Arial"/>
+            </a:endParaRPr>
+          </a:p>
+          <a:p>
+            <a:pPr>
               <a:lnSpc>
                 <a:spcPct val="115000"/>
               </a:lnSpc>
               <a:spcBef>
                 <a:spcPts val="1199"/>
               </a:spcBef>
-              <a:buClr>
-                <a:srgbClr val="000000"/>
-              </a:buClr>
-              <a:buSzPct val="45000"/>
-              <a:buFont typeface="Wingdings" charset="2"/>
-              <a:buChar char=""/>
-            </a:pPr>
-            <a:r>
-              <a:rPr lang="en-US" sz="2000" b="0" strike="noStrike" spc="-1">
-                <a:solidFill>
-                  <a:srgbClr val="000000"/>
-                </a:solidFill>
-                <a:latin typeface="Arial"/>
-              </a:rPr>
-              <a:t>Limited potential for automation in later parts of the recruitment </a:t>
-            </a:r>
-            <a:endParaRPr lang="en-US" sz="2000" b="0" strike="noStrike" spc="-1">
-              <a:latin typeface="Arial"/>
-            </a:endParaRPr>
-          </a:p>
-          <a:p>
-            <a:pPr>
-              <a:lnSpc>
-                <a:spcPct val="115000"/>
-              </a:lnSpc>
-              <a:spcBef>
-                <a:spcPts val="1199"/>
-              </a:spcBef>
-            </a:pPr>
-            <a:endParaRPr lang="en-US" sz="2000" b="0" strike="noStrike" spc="-1">
+            </a:pPr>
+            <a:endParaRPr b="0" lang="en-US" sz="2000" spc="-1" strike="noStrike">
               <a:latin typeface="Arial"/>
             </a:endParaRPr>
           </a:p>
@@ -7257,7 +6683,7 @@
         <p:spPr>
           <a:xfrm>
             <a:off x="8221680" y="7197840"/>
-            <a:ext cx="864360" cy="178560"/>
+            <a:ext cx="864000" cy="178200"/>
           </a:xfrm>
           <a:prstGeom prst="rect">
             <a:avLst/>
@@ -7268,36 +6694,30 @@
           </a:ln>
         </p:spPr>
         <p:style>
-          <a:lnRef idx="0">
-            <a:scrgbClr r="0" g="0" b="0"/>
-          </a:lnRef>
-          <a:fillRef idx="0">
-            <a:scrgbClr r="0" g="0" b="0"/>
-          </a:fillRef>
-          <a:effectRef idx="0">
-            <a:scrgbClr r="0" g="0" b="0"/>
-          </a:effectRef>
+          <a:lnRef idx="0"/>
+          <a:fillRef idx="0"/>
+          <a:effectRef idx="0"/>
           <a:fontRef idx="minor"/>
         </p:style>
         <p:txBody>
-          <a:bodyPr lIns="0" tIns="0" rIns="0" bIns="0" anchor="b"/>
-          <a:lstStyle/>
+          <a:bodyPr lIns="0" rIns="0" tIns="0" bIns="0" anchor="b"/>
           <a:p>
             <a:pPr>
               <a:lnSpc>
                 <a:spcPct val="100000"/>
               </a:lnSpc>
             </a:pPr>
-            <a:fld id="{3E73BE77-B179-4E18-B0AA-0D2DCF136786}" type="datetime1">
-              <a:rPr lang="en-US" sz="1200" b="0" strike="noStrike" spc="-1">
-                <a:solidFill>
-                  <a:srgbClr val="000000"/>
-                </a:solidFill>
-                <a:latin typeface="Arial"/>
+            <a:fld id="{354D1C18-2517-407D-A3C8-97ACCB677E9B}" type="datetime1">
+              <a:rPr b="0" lang="en-US" sz="1200" spc="-1" strike="noStrike">
+                <a:solidFill>
+                  <a:srgbClr val="000000"/>
+                </a:solidFill>
+                <a:latin typeface="Arial"/>
+                <a:ea typeface="DejaVu Sans"/>
               </a:rPr>
               <a:t>12/18/2019</a:t>
             </a:fld>
-            <a:endParaRPr lang="en-US" sz="1200" b="0" strike="noStrike" spc="-1">
+            <a:endParaRPr b="0" lang="en-US" sz="1200" spc="-1" strike="noStrike">
               <a:latin typeface="Arial"/>
             </a:endParaRPr>
           </a:p>
@@ -7312,7 +6732,7 @@
         <p:spPr>
           <a:xfrm>
             <a:off x="736560" y="7197840"/>
-            <a:ext cx="7484400" cy="178560"/>
+            <a:ext cx="7484040" cy="178200"/>
           </a:xfrm>
           <a:prstGeom prst="rect">
             <a:avLst/>
@@ -7323,20 +6743,13 @@
           </a:ln>
         </p:spPr>
         <p:style>
-          <a:lnRef idx="0">
-            <a:scrgbClr r="0" g="0" b="0"/>
-          </a:lnRef>
-          <a:fillRef idx="0">
-            <a:scrgbClr r="0" g="0" b="0"/>
-          </a:fillRef>
-          <a:effectRef idx="0">
-            <a:scrgbClr r="0" g="0" b="0"/>
-          </a:effectRef>
+          <a:lnRef idx="0"/>
+          <a:fillRef idx="0"/>
+          <a:effectRef idx="0"/>
           <a:fontRef idx="minor"/>
         </p:style>
         <p:txBody>
-          <a:bodyPr lIns="0" tIns="0" rIns="0" bIns="0" anchor="b"/>
-          <a:lstStyle/>
+          <a:bodyPr lIns="0" rIns="0" tIns="0" bIns="0" anchor="b"/>
           <a:p>
             <a:pPr>
               <a:lnSpc>
@@ -7344,15 +6757,36 @@
               </a:lnSpc>
             </a:pPr>
             <a:r>
-              <a:rPr lang="en-US" sz="1200" b="0" strike="noStrike" spc="-1">
-                <a:solidFill>
-                  <a:srgbClr val="000000"/>
-                </a:solidFill>
-                <a:latin typeface="Arial"/>
-              </a:rPr>
-              <a:t>DigiBP	Pamela Streisguth, Sebastian Kluthe, Teyfik Agac</a:t>
-            </a:r>
-            <a:endParaRPr lang="en-US" sz="1200" b="0" strike="noStrike" spc="-1">
+              <a:rPr b="0" lang="en-US" sz="1200" spc="-1" strike="noStrike">
+                <a:solidFill>
+                  <a:srgbClr val="000000"/>
+                </a:solidFill>
+                <a:latin typeface="Arial"/>
+                <a:ea typeface="DejaVu Sans"/>
+              </a:rPr>
+              <a:t>DigiBP</a:t>
+            </a:r>
+            <a:r>
+              <a:rPr b="0" lang="en-US" sz="1200" spc="-1" strike="noStrike">
+                <a:solidFill>
+                  <a:srgbClr val="000000"/>
+                </a:solidFill>
+                <a:latin typeface="Arial"/>
+                <a:ea typeface="DejaVu Sans"/>
+              </a:rPr>
+              <a:t>	</a:t>
+            </a:r>
+            <a:r>
+              <a:rPr b="0" lang="en-US" sz="1200" spc="-1" strike="noStrike">
+                <a:solidFill>
+                  <a:srgbClr val="000000"/>
+                </a:solidFill>
+                <a:latin typeface="Arial"/>
+                <a:ea typeface="DejaVu Sans"/>
+              </a:rPr>
+              <a:t>Pamela Streisguth, Sebastian Kluthe, Teyfik Agac</a:t>
+            </a:r>
+            <a:endParaRPr b="0" lang="en-US" sz="1200" spc="-1" strike="noStrike">
               <a:latin typeface="Arial"/>
             </a:endParaRPr>
           </a:p>
@@ -7367,7 +6801,7 @@
         <p:spPr>
           <a:xfrm>
             <a:off x="9086760" y="7197840"/>
-            <a:ext cx="862920" cy="178560"/>
+            <a:ext cx="862560" cy="178200"/>
           </a:xfrm>
           <a:prstGeom prst="rect">
             <a:avLst/>
@@ -7378,36 +6812,30 @@
           </a:ln>
         </p:spPr>
         <p:style>
-          <a:lnRef idx="0">
-            <a:scrgbClr r="0" g="0" b="0"/>
-          </a:lnRef>
-          <a:fillRef idx="0">
-            <a:scrgbClr r="0" g="0" b="0"/>
-          </a:fillRef>
-          <a:effectRef idx="0">
-            <a:scrgbClr r="0" g="0" b="0"/>
-          </a:effectRef>
+          <a:lnRef idx="0"/>
+          <a:fillRef idx="0"/>
+          <a:effectRef idx="0"/>
           <a:fontRef idx="minor"/>
         </p:style>
         <p:txBody>
-          <a:bodyPr lIns="0" tIns="0" rIns="0" bIns="0" anchor="b"/>
-          <a:lstStyle/>
+          <a:bodyPr lIns="0" rIns="0" tIns="0" bIns="0" anchor="b"/>
           <a:p>
             <a:pPr algn="r">
               <a:lnSpc>
                 <a:spcPct val="100000"/>
               </a:lnSpc>
             </a:pPr>
-            <a:fld id="{597538E4-9DEC-49F3-A6E8-154AF42BEC13}" type="slidenum">
-              <a:rPr lang="en-US" sz="1200" b="0" strike="noStrike" spc="-1">
-                <a:solidFill>
-                  <a:srgbClr val="000000"/>
-                </a:solidFill>
-                <a:latin typeface="Arial"/>
-              </a:rPr>
-              <a:t>6</a:t>
+            <a:fld id="{5C5EEAB1-12A8-4F70-9E27-16F78D7FACFD}" type="slidenum">
+              <a:rPr b="0" lang="en-US" sz="1200" spc="-1" strike="noStrike">
+                <a:solidFill>
+                  <a:srgbClr val="000000"/>
+                </a:solidFill>
+                <a:latin typeface="Arial"/>
+                <a:ea typeface="DejaVu Sans"/>
+              </a:rPr>
+              <a:t>1</a:t>
             </a:fld>
-            <a:endParaRPr lang="en-US" sz="1200" b="0" strike="noStrike" spc="-1">
+            <a:endParaRPr b="0" lang="en-US" sz="1200" spc="-1" strike="noStrike">
               <a:latin typeface="Arial"/>
             </a:endParaRPr>
           </a:p>
@@ -7415,18 +6843,18 @@
       </p:sp>
       <p:pic>
         <p:nvPicPr>
-          <p:cNvPr id="118" name="Grafik 117"/>
+          <p:cNvPr id="118" name="Grafik 117" descr=""/>
           <p:cNvPicPr/>
           <p:nvPr/>
         </p:nvPicPr>
         <p:blipFill>
-          <a:blip r:embed="rId2"/>
+          <a:blip r:embed="rId1"/>
           <a:stretch/>
         </p:blipFill>
         <p:spPr>
           <a:xfrm>
             <a:off x="4173480" y="2103120"/>
-            <a:ext cx="6159240" cy="4398120"/>
+            <a:ext cx="6158880" cy="4397760"/>
           </a:xfrm>
           <a:prstGeom prst="rect">
             <a:avLst/>
@@ -7445,54 +6873,45 @@
         <p:spPr>
           <a:xfrm>
             <a:off x="10149840" y="3566160"/>
-            <a:ext cx="457200" cy="321120"/>
+            <a:ext cx="456840" cy="320760"/>
           </a:xfrm>
           <a:prstGeom prst="rect">
             <a:avLst/>
           </a:prstGeom>
           <a:solidFill>
-            <a:srgbClr val="FFFFFF"/>
+            <a:srgbClr val="ffffff"/>
           </a:solidFill>
           <a:ln>
             <a:solidFill>
-              <a:srgbClr val="FFFFFF"/>
+              <a:srgbClr val="ffffff"/>
             </a:solidFill>
           </a:ln>
         </p:spPr>
         <p:style>
-          <a:lnRef idx="0">
-            <a:scrgbClr r="0" g="0" b="0"/>
-          </a:lnRef>
-          <a:fillRef idx="0">
-            <a:scrgbClr r="0" g="0" b="0"/>
-          </a:fillRef>
-          <a:effectRef idx="0">
-            <a:scrgbClr r="0" g="0" b="0"/>
-          </a:effectRef>
+          <a:lnRef idx="0"/>
+          <a:fillRef idx="0"/>
+          <a:effectRef idx="0"/>
           <a:fontRef idx="minor"/>
         </p:style>
       </p:sp>
     </p:spTree>
   </p:cSld>
-  <p:clrMapOvr>
-    <a:masterClrMapping/>
-  </p:clrMapOvr>
   <p:timing>
     <p:tnLst>
       <p:par>
-        <p:cTn id="1" dur="indefinite" restart="never" nodeType="tmRoot">
+        <p:cTn id="11" dur="indefinite" restart="never" nodeType="tmRoot">
           <p:childTnLst>
             <p:seq>
-              <p:cTn id="2" dur="indefinite" nodeType="mainSeq"/>
+              <p:cTn id="12" dur="indefinite" nodeType="mainSeq"/>
               <p:prevCondLst>
-                <p:cond evt="onPrev" delay="0">
+                <p:cond delay="0" evt="onPrev">
                   <p:tgtEl>
                     <p:sldTgt/>
                   </p:tgtEl>
                 </p:cond>
               </p:prevCondLst>
               <p:nextCondLst>
-                <p:cond evt="onNext" delay="0">
+                <p:cond delay="0" evt="onNext">
                   <p:tgtEl>
                     <p:sldTgt/>
                   </p:tgtEl>
@@ -7508,7 +6927,7 @@
 </file>
 
 <file path=ppt/slides/slide7.xml><?xml version="1.0" encoding="utf-8"?>
-<p:sld xmlns:a="http://schemas.openxmlformats.org/drawingml/2006/main" xmlns:r="http://schemas.openxmlformats.org/officeDocument/2006/relationships" xmlns:p="http://schemas.openxmlformats.org/presentationml/2006/main">
+<p:sld xmlns:a="http://schemas.openxmlformats.org/drawingml/2006/main" xmlns:p="http://schemas.openxmlformats.org/presentationml/2006/main" xmlns:r="http://schemas.openxmlformats.org/officeDocument/2006/relationships" xmlns:p14="http://schemas.microsoft.com/office/powerpoint/2010/main" xmlns:p15="http://schemas.microsoft.com/office/powerpoint/2012/main" xmlns:mc="http://schemas.openxmlformats.org/markup-compatibility/2006">
   <p:cSld>
     <p:spTree>
       <p:nvGrpSpPr>
@@ -7533,7 +6952,7 @@
         <p:spPr>
           <a:xfrm>
             <a:off x="8221680" y="7197840"/>
-            <a:ext cx="864360" cy="178560"/>
+            <a:ext cx="864000" cy="178200"/>
           </a:xfrm>
           <a:prstGeom prst="rect">
             <a:avLst/>
@@ -7544,36 +6963,30 @@
           </a:ln>
         </p:spPr>
         <p:style>
-          <a:lnRef idx="0">
-            <a:scrgbClr r="0" g="0" b="0"/>
-          </a:lnRef>
-          <a:fillRef idx="0">
-            <a:scrgbClr r="0" g="0" b="0"/>
-          </a:fillRef>
-          <a:effectRef idx="0">
-            <a:scrgbClr r="0" g="0" b="0"/>
-          </a:effectRef>
+          <a:lnRef idx="0"/>
+          <a:fillRef idx="0"/>
+          <a:effectRef idx="0"/>
           <a:fontRef idx="minor"/>
         </p:style>
         <p:txBody>
-          <a:bodyPr lIns="0" tIns="0" rIns="0" bIns="0" anchor="b"/>
-          <a:lstStyle/>
+          <a:bodyPr lIns="0" rIns="0" tIns="0" bIns="0" anchor="b"/>
           <a:p>
             <a:pPr>
               <a:lnSpc>
                 <a:spcPct val="100000"/>
               </a:lnSpc>
             </a:pPr>
-            <a:fld id="{BFB90D1C-7145-4EB4-88B8-5AC86557587E}" type="datetime1">
-              <a:rPr lang="en-US" sz="1200" b="0" strike="noStrike" spc="-1">
-                <a:solidFill>
-                  <a:srgbClr val="000000"/>
-                </a:solidFill>
-                <a:latin typeface="Arial"/>
+            <a:fld id="{F6E7084A-95EE-4399-8E48-25523122EDDA}" type="datetime1">
+              <a:rPr b="0" lang="en-US" sz="1200" spc="-1" strike="noStrike">
+                <a:solidFill>
+                  <a:srgbClr val="000000"/>
+                </a:solidFill>
+                <a:latin typeface="Arial"/>
+                <a:ea typeface="DejaVu Sans"/>
               </a:rPr>
               <a:t>12/18/2019</a:t>
             </a:fld>
-            <a:endParaRPr lang="en-US" sz="1200" b="0" strike="noStrike" spc="-1">
+            <a:endParaRPr b="0" lang="en-US" sz="1200" spc="-1" strike="noStrike">
               <a:latin typeface="Arial"/>
             </a:endParaRPr>
           </a:p>
@@ -7588,7 +7001,7 @@
         <p:spPr>
           <a:xfrm>
             <a:off x="736560" y="7197840"/>
-            <a:ext cx="7484400" cy="178560"/>
+            <a:ext cx="7484040" cy="178200"/>
           </a:xfrm>
           <a:prstGeom prst="rect">
             <a:avLst/>
@@ -7599,20 +7012,13 @@
           </a:ln>
         </p:spPr>
         <p:style>
-          <a:lnRef idx="0">
-            <a:scrgbClr r="0" g="0" b="0"/>
-          </a:lnRef>
-          <a:fillRef idx="0">
-            <a:scrgbClr r="0" g="0" b="0"/>
-          </a:fillRef>
-          <a:effectRef idx="0">
-            <a:scrgbClr r="0" g="0" b="0"/>
-          </a:effectRef>
+          <a:lnRef idx="0"/>
+          <a:fillRef idx="0"/>
+          <a:effectRef idx="0"/>
           <a:fontRef idx="minor"/>
         </p:style>
         <p:txBody>
-          <a:bodyPr lIns="0" tIns="0" rIns="0" bIns="0" anchor="b"/>
-          <a:lstStyle/>
+          <a:bodyPr lIns="0" rIns="0" tIns="0" bIns="0" anchor="b"/>
           <a:p>
             <a:pPr>
               <a:lnSpc>
@@ -7620,15 +7026,36 @@
               </a:lnSpc>
             </a:pPr>
             <a:r>
-              <a:rPr lang="en-US" sz="1200" b="0" strike="noStrike" spc="-1">
-                <a:solidFill>
-                  <a:srgbClr val="000000"/>
-                </a:solidFill>
-                <a:latin typeface="Arial"/>
-              </a:rPr>
-              <a:t>DigiBP	Pamela Streisguth, Sebastian Kluthe, Teyfik Agac</a:t>
-            </a:r>
-            <a:endParaRPr lang="en-US" sz="1200" b="0" strike="noStrike" spc="-1">
+              <a:rPr b="0" lang="en-US" sz="1200" spc="-1" strike="noStrike">
+                <a:solidFill>
+                  <a:srgbClr val="000000"/>
+                </a:solidFill>
+                <a:latin typeface="Arial"/>
+                <a:ea typeface="DejaVu Sans"/>
+              </a:rPr>
+              <a:t>DigiBP</a:t>
+            </a:r>
+            <a:r>
+              <a:rPr b="0" lang="en-US" sz="1200" spc="-1" strike="noStrike">
+                <a:solidFill>
+                  <a:srgbClr val="000000"/>
+                </a:solidFill>
+                <a:latin typeface="Arial"/>
+                <a:ea typeface="DejaVu Sans"/>
+              </a:rPr>
+              <a:t>	</a:t>
+            </a:r>
+            <a:r>
+              <a:rPr b="0" lang="en-US" sz="1200" spc="-1" strike="noStrike">
+                <a:solidFill>
+                  <a:srgbClr val="000000"/>
+                </a:solidFill>
+                <a:latin typeface="Arial"/>
+                <a:ea typeface="DejaVu Sans"/>
+              </a:rPr>
+              <a:t>Pamela Streisguth, Sebastian Kluthe, Teyfik Agac</a:t>
+            </a:r>
+            <a:endParaRPr b="0" lang="en-US" sz="1200" spc="-1" strike="noStrike">
               <a:latin typeface="Arial"/>
             </a:endParaRPr>
           </a:p>
@@ -7643,7 +7070,7 @@
         <p:spPr>
           <a:xfrm>
             <a:off x="9086760" y="7197840"/>
-            <a:ext cx="862920" cy="178560"/>
+            <a:ext cx="862560" cy="178200"/>
           </a:xfrm>
           <a:prstGeom prst="rect">
             <a:avLst/>
@@ -7654,36 +7081,30 @@
           </a:ln>
         </p:spPr>
         <p:style>
-          <a:lnRef idx="0">
-            <a:scrgbClr r="0" g="0" b="0"/>
-          </a:lnRef>
-          <a:fillRef idx="0">
-            <a:scrgbClr r="0" g="0" b="0"/>
-          </a:fillRef>
-          <a:effectRef idx="0">
-            <a:scrgbClr r="0" g="0" b="0"/>
-          </a:effectRef>
+          <a:lnRef idx="0"/>
+          <a:fillRef idx="0"/>
+          <a:effectRef idx="0"/>
           <a:fontRef idx="minor"/>
         </p:style>
         <p:txBody>
-          <a:bodyPr lIns="0" tIns="0" rIns="0" bIns="0" anchor="b"/>
-          <a:lstStyle/>
+          <a:bodyPr lIns="0" rIns="0" tIns="0" bIns="0" anchor="b"/>
           <a:p>
             <a:pPr algn="r">
               <a:lnSpc>
                 <a:spcPct val="100000"/>
               </a:lnSpc>
             </a:pPr>
-            <a:fld id="{C602589C-118F-416D-A5C0-6F7515DFD1C0}" type="slidenum">
-              <a:rPr lang="en-US" sz="1200" b="0" strike="noStrike" spc="-1">
-                <a:solidFill>
-                  <a:srgbClr val="000000"/>
-                </a:solidFill>
-                <a:latin typeface="Arial"/>
-              </a:rPr>
-              <a:t>7</a:t>
+            <a:fld id="{EAB2E0A4-FCFB-4840-AF8A-F87D75DA6E48}" type="slidenum">
+              <a:rPr b="0" lang="en-US" sz="1200" spc="-1" strike="noStrike">
+                <a:solidFill>
+                  <a:srgbClr val="000000"/>
+                </a:solidFill>
+                <a:latin typeface="Arial"/>
+                <a:ea typeface="DejaVu Sans"/>
+              </a:rPr>
+              <a:t>1</a:t>
             </a:fld>
-            <a:endParaRPr lang="en-US" sz="1200" b="0" strike="noStrike" spc="-1">
+            <a:endParaRPr b="0" lang="en-US" sz="1200" spc="-1" strike="noStrike">
               <a:latin typeface="Arial"/>
             </a:endParaRPr>
           </a:p>
@@ -7698,7 +7119,7 @@
         <p:spPr>
           <a:xfrm>
             <a:off x="736560" y="1509840"/>
-            <a:ext cx="9213120" cy="361080"/>
+            <a:ext cx="9212760" cy="360720"/>
           </a:xfrm>
           <a:prstGeom prst="rect">
             <a:avLst/>
@@ -7709,20 +7130,13 @@
           </a:ln>
         </p:spPr>
         <p:style>
-          <a:lnRef idx="0">
-            <a:scrgbClr r="0" g="0" b="0"/>
-          </a:lnRef>
-          <a:fillRef idx="0">
-            <a:scrgbClr r="0" g="0" b="0"/>
-          </a:fillRef>
-          <a:effectRef idx="0">
-            <a:scrgbClr r="0" g="0" b="0"/>
-          </a:effectRef>
+          <a:lnRef idx="0"/>
+          <a:fillRef idx="0"/>
+          <a:effectRef idx="0"/>
           <a:fontRef idx="minor"/>
         </p:style>
         <p:txBody>
-          <a:bodyPr lIns="0" tIns="0" rIns="0" bIns="0"/>
-          <a:lstStyle/>
+          <a:bodyPr lIns="0" rIns="0" tIns="0" bIns="0"/>
           <a:p>
             <a:pPr>
               <a:lnSpc>
@@ -7730,15 +7144,16 @@
               </a:lnSpc>
             </a:pPr>
             <a:r>
-              <a:rPr lang="en-US" sz="2000" b="1" strike="noStrike" spc="-1" dirty="0">
-                <a:solidFill>
-                  <a:srgbClr val="000000"/>
-                </a:solidFill>
-                <a:latin typeface="Arial"/>
+              <a:rPr b="1" lang="en-US" sz="2000" spc="-1" strike="noStrike">
+                <a:solidFill>
+                  <a:srgbClr val="000000"/>
+                </a:solidFill>
+                <a:latin typeface="Arial"/>
+                <a:ea typeface="DejaVu Sans"/>
               </a:rPr>
               <a:t>Applicant-side</a:t>
             </a:r>
-            <a:endParaRPr lang="en-US" sz="2000" b="0" strike="noStrike" spc="-1" dirty="0">
+            <a:endParaRPr b="0" lang="en-US" sz="2000" spc="-1" strike="noStrike">
               <a:latin typeface="Arial"/>
             </a:endParaRPr>
           </a:p>
@@ -7753,7 +7168,7 @@
         <p:spPr>
           <a:xfrm>
             <a:off x="731520" y="2103120"/>
-            <a:ext cx="5394960" cy="4754880"/>
+            <a:ext cx="5394600" cy="4754520"/>
           </a:xfrm>
           <a:prstGeom prst="rect">
             <a:avLst/>
@@ -7764,22 +7179,15 @@
           </a:ln>
         </p:spPr>
         <p:style>
-          <a:lnRef idx="0">
-            <a:scrgbClr r="0" g="0" b="0"/>
-          </a:lnRef>
-          <a:fillRef idx="0">
-            <a:scrgbClr r="0" g="0" b="0"/>
-          </a:fillRef>
-          <a:effectRef idx="0">
-            <a:scrgbClr r="0" g="0" b="0"/>
-          </a:effectRef>
+          <a:lnRef idx="0"/>
+          <a:fillRef idx="0"/>
+          <a:effectRef idx="0"/>
           <a:fontRef idx="minor"/>
         </p:style>
         <p:txBody>
-          <a:bodyPr lIns="0" tIns="0" rIns="0" bIns="0"/>
-          <a:lstStyle/>
-          <a:p>
-            <a:pPr marL="343080" indent="-342360">
+          <a:bodyPr lIns="0" rIns="0" tIns="0" bIns="0"/>
+          <a:p>
+            <a:pPr marL="343080" indent="-342000">
               <a:lnSpc>
                 <a:spcPct val="115000"/>
               </a:lnSpc>
@@ -7793,38 +7201,34 @@
               <a:buChar char="-"/>
             </a:pPr>
             <a:r>
-              <a:rPr lang="en-US" sz="2000" b="0" strike="noStrike" spc="-1">
-                <a:solidFill>
-                  <a:srgbClr val="000000"/>
-                </a:solidFill>
-                <a:latin typeface="Arial"/>
+              <a:rPr b="0" lang="en-US" sz="2000" spc="-1" strike="noStrike">
+                <a:solidFill>
+                  <a:srgbClr val="000000"/>
+                </a:solidFill>
+                <a:latin typeface="Arial"/>
+                <a:ea typeface="DejaVu Sans"/>
               </a:rPr>
               <a:t>Applicants can apply via Google form</a:t>
             </a:r>
-            <a:endParaRPr lang="en-US" sz="2000" b="0" strike="noStrike" spc="-1">
-              <a:latin typeface="Arial"/>
-            </a:endParaRPr>
-          </a:p>
-          <a:p>
-            <a:pPr marL="343080" indent="-342360">
+            <a:endParaRPr b="0" lang="en-US" sz="2000" spc="-1" strike="noStrike">
+              <a:latin typeface="Arial"/>
+            </a:endParaRPr>
+          </a:p>
+          <a:p>
+            <a:pPr>
               <a:lnSpc>
                 <a:spcPct val="115000"/>
               </a:lnSpc>
               <a:spcBef>
                 <a:spcPts val="1199"/>
               </a:spcBef>
-              <a:buClr>
-                <a:srgbClr val="000000"/>
-              </a:buClr>
-              <a:buFont typeface="StarSymbol"/>
-              <a:buChar char="-"/>
-            </a:pPr>
-            <a:endParaRPr lang="en-US" sz="2000" b="0" strike="noStrike" spc="-1">
-              <a:latin typeface="Arial"/>
-            </a:endParaRPr>
-          </a:p>
-          <a:p>
-            <a:pPr marL="343080" indent="-342360">
+            </a:pPr>
+            <a:endParaRPr b="0" lang="en-US" sz="2000" spc="-1" strike="noStrike">
+              <a:latin typeface="Arial"/>
+            </a:endParaRPr>
+          </a:p>
+          <a:p>
+            <a:pPr marL="343080" indent="-342000">
               <a:lnSpc>
                 <a:spcPct val="100000"/>
               </a:lnSpc>
@@ -7838,20 +7242,34 @@
               <a:buChar char="-"/>
             </a:pPr>
             <a:r>
-              <a:rPr lang="en-US" sz="2000" b="0" strike="noStrike" spc="-1">
-                <a:solidFill>
-                  <a:srgbClr val="000000"/>
-                </a:solidFill>
-                <a:latin typeface="Arial"/>
+              <a:rPr b="0" lang="en-US" sz="2000" spc="-1" strike="noStrike">
+                <a:solidFill>
+                  <a:srgbClr val="000000"/>
+                </a:solidFill>
+                <a:latin typeface="Arial"/>
+                <a:ea typeface="DejaVu Sans"/>
               </a:rPr>
               <a:t>Ensure getting a complete application by labeling the fields as mandatory</a:t>
             </a:r>
-            <a:endParaRPr lang="en-US" sz="2000" b="0" strike="noStrike" spc="-1">
-              <a:latin typeface="Arial"/>
-            </a:endParaRPr>
-          </a:p>
-          <a:p>
-            <a:pPr marL="343080" indent="-342360">
+            <a:endParaRPr b="0" lang="en-US" sz="2000" spc="-1" strike="noStrike">
+              <a:latin typeface="Arial"/>
+            </a:endParaRPr>
+          </a:p>
+          <a:p>
+            <a:pPr>
+              <a:lnSpc>
+                <a:spcPct val="100000"/>
+              </a:lnSpc>
+              <a:spcBef>
+                <a:spcPts val="1134"/>
+              </a:spcBef>
+            </a:pPr>
+            <a:endParaRPr b="0" lang="en-US" sz="2000" spc="-1" strike="noStrike">
+              <a:latin typeface="Arial"/>
+            </a:endParaRPr>
+          </a:p>
+          <a:p>
+            <a:pPr marL="343080" indent="-342000">
               <a:lnSpc>
                 <a:spcPct val="100000"/>
               </a:lnSpc>
@@ -7864,34 +7282,17 @@
               <a:buFont typeface="StarSymbol"/>
               <a:buChar char="-"/>
             </a:pPr>
-            <a:endParaRPr lang="en-US" sz="2000" b="0" strike="noStrike" spc="-1">
-              <a:latin typeface="Arial"/>
-            </a:endParaRPr>
-          </a:p>
-          <a:p>
-            <a:pPr marL="343080" indent="-342360">
-              <a:lnSpc>
-                <a:spcPct val="100000"/>
-              </a:lnSpc>
-              <a:spcBef>
-                <a:spcPts val="1134"/>
-              </a:spcBef>
-              <a:buClr>
-                <a:srgbClr val="000000"/>
-              </a:buClr>
-              <a:buFont typeface="StarSymbol"/>
-              <a:buChar char="-"/>
-            </a:pPr>
-            <a:r>
-              <a:rPr lang="en-US" sz="2000" b="0" strike="noStrike" spc="-1">
-                <a:solidFill>
-                  <a:srgbClr val="000000"/>
-                </a:solidFill>
-                <a:latin typeface="Arial"/>
+            <a:r>
+              <a:rPr b="0" lang="en-US" sz="2000" spc="-1" strike="noStrike">
+                <a:solidFill>
+                  <a:srgbClr val="000000"/>
+                </a:solidFill>
+                <a:latin typeface="Arial"/>
+                <a:ea typeface="DejaVu Sans"/>
               </a:rPr>
               <a:t>Application with attachments gets automatically transferred to a storage and a database is updated with the new entries to the storage</a:t>
             </a:r>
-            <a:endParaRPr lang="en-US" sz="2000" b="0" strike="noStrike" spc="-1">
+            <a:endParaRPr b="0" lang="en-US" sz="2000" spc="-1" strike="noStrike">
               <a:latin typeface="Arial"/>
             </a:endParaRPr>
           </a:p>
@@ -7904,7 +7305,7 @@
                 <a:spcPts val="1199"/>
               </a:spcBef>
             </a:pPr>
-            <a:endParaRPr lang="en-US" sz="2000" b="0" strike="noStrike" spc="-1">
+            <a:endParaRPr b="0" lang="en-US" sz="2000" spc="-1" strike="noStrike">
               <a:latin typeface="Arial"/>
             </a:endParaRPr>
           </a:p>
@@ -7912,18 +7313,18 @@
       </p:sp>
       <p:pic>
         <p:nvPicPr>
-          <p:cNvPr id="125" name="Grafik 124"/>
+          <p:cNvPr id="125" name="Grafik 124" descr=""/>
           <p:cNvPicPr/>
           <p:nvPr/>
         </p:nvPicPr>
         <p:blipFill>
-          <a:blip r:embed="rId2"/>
+          <a:blip r:embed="rId1"/>
           <a:stretch/>
         </p:blipFill>
         <p:spPr>
           <a:xfrm>
             <a:off x="6568560" y="548640"/>
-            <a:ext cx="3398400" cy="6475320"/>
+            <a:ext cx="3398040" cy="6474960"/>
           </a:xfrm>
           <a:prstGeom prst="rect">
             <a:avLst/>
@@ -7935,25 +7336,22 @@
       </p:pic>
     </p:spTree>
   </p:cSld>
-  <p:clrMapOvr>
-    <a:masterClrMapping/>
-  </p:clrMapOvr>
   <p:timing>
     <p:tnLst>
       <p:par>
-        <p:cTn id="1" dur="indefinite" restart="never" nodeType="tmRoot">
+        <p:cTn id="13" dur="indefinite" restart="never" nodeType="tmRoot">
           <p:childTnLst>
             <p:seq>
-              <p:cTn id="2" dur="indefinite" nodeType="mainSeq"/>
+              <p:cTn id="14" dur="indefinite" nodeType="mainSeq"/>
               <p:prevCondLst>
-                <p:cond evt="onPrev" delay="0">
+                <p:cond delay="0" evt="onPrev">
                   <p:tgtEl>
                     <p:sldTgt/>
                   </p:tgtEl>
                 </p:cond>
               </p:prevCondLst>
               <p:nextCondLst>
-                <p:cond evt="onNext" delay="0">
+                <p:cond delay="0" evt="onNext">
                   <p:tgtEl>
                     <p:sldTgt/>
                   </p:tgtEl>
@@ -7969,7 +7367,7 @@
 </file>
 
 <file path=ppt/slides/slide8.xml><?xml version="1.0" encoding="utf-8"?>
-<p:sld xmlns:a="http://schemas.openxmlformats.org/drawingml/2006/main" xmlns:r="http://schemas.openxmlformats.org/officeDocument/2006/relationships" xmlns:p="http://schemas.openxmlformats.org/presentationml/2006/main">
+<p:sld xmlns:a="http://schemas.openxmlformats.org/drawingml/2006/main" xmlns:p="http://schemas.openxmlformats.org/presentationml/2006/main" xmlns:r="http://schemas.openxmlformats.org/officeDocument/2006/relationships" xmlns:p14="http://schemas.microsoft.com/office/powerpoint/2010/main" xmlns:p15="http://schemas.microsoft.com/office/powerpoint/2012/main" xmlns:mc="http://schemas.openxmlformats.org/markup-compatibility/2006">
   <p:cSld>
     <p:spTree>
       <p:nvGrpSpPr>
@@ -7994,7 +7392,7 @@
         <p:spPr>
           <a:xfrm>
             <a:off x="736560" y="1509840"/>
-            <a:ext cx="9213120" cy="361080"/>
+            <a:ext cx="9212760" cy="360720"/>
           </a:xfrm>
           <a:prstGeom prst="rect">
             <a:avLst/>
@@ -8005,20 +7403,13 @@
           </a:ln>
         </p:spPr>
         <p:style>
-          <a:lnRef idx="0">
-            <a:scrgbClr r="0" g="0" b="0"/>
-          </a:lnRef>
-          <a:fillRef idx="0">
-            <a:scrgbClr r="0" g="0" b="0"/>
-          </a:fillRef>
-          <a:effectRef idx="0">
-            <a:scrgbClr r="0" g="0" b="0"/>
-          </a:effectRef>
+          <a:lnRef idx="0"/>
+          <a:fillRef idx="0"/>
+          <a:effectRef idx="0"/>
           <a:fontRef idx="minor"/>
         </p:style>
         <p:txBody>
-          <a:bodyPr lIns="0" tIns="0" rIns="0" bIns="0"/>
-          <a:lstStyle/>
+          <a:bodyPr lIns="0" rIns="0" tIns="0" bIns="0"/>
           <a:p>
             <a:pPr>
               <a:lnSpc>
@@ -8026,15 +7417,16 @@
               </a:lnSpc>
             </a:pPr>
             <a:r>
-              <a:rPr lang="en-US" sz="2000" b="1" strike="noStrike" spc="-1" dirty="0">
-                <a:solidFill>
-                  <a:srgbClr val="000000"/>
-                </a:solidFill>
-                <a:latin typeface="Arial"/>
+              <a:rPr b="1" lang="en-US" sz="2000" spc="-1" strike="noStrike">
+                <a:solidFill>
+                  <a:srgbClr val="000000"/>
+                </a:solidFill>
+                <a:latin typeface="Arial"/>
+                <a:ea typeface="DejaVu Sans"/>
               </a:rPr>
               <a:t>Human Resources Tool </a:t>
             </a:r>
-            <a:endParaRPr lang="en-US" sz="2000" b="0" strike="noStrike" spc="-1" dirty="0">
+            <a:endParaRPr b="0" lang="en-US" sz="2000" spc="-1" strike="noStrike">
               <a:latin typeface="Arial"/>
             </a:endParaRPr>
           </a:p>
@@ -8049,7 +7441,7 @@
         <p:spPr>
           <a:xfrm>
             <a:off x="738360" y="2197080"/>
-            <a:ext cx="9213120" cy="4463280"/>
+            <a:ext cx="9212760" cy="4462920"/>
           </a:xfrm>
           <a:prstGeom prst="rect">
             <a:avLst/>
@@ -8060,22 +7452,15 @@
           </a:ln>
         </p:spPr>
         <p:style>
-          <a:lnRef idx="0">
-            <a:scrgbClr r="0" g="0" b="0"/>
-          </a:lnRef>
-          <a:fillRef idx="0">
-            <a:scrgbClr r="0" g="0" b="0"/>
-          </a:fillRef>
-          <a:effectRef idx="0">
-            <a:scrgbClr r="0" g="0" b="0"/>
-          </a:effectRef>
+          <a:lnRef idx="0"/>
+          <a:fillRef idx="0"/>
+          <a:effectRef idx="0"/>
           <a:fontRef idx="minor"/>
         </p:style>
         <p:txBody>
-          <a:bodyPr lIns="0" tIns="0" rIns="0" bIns="0"/>
-          <a:lstStyle/>
-          <a:p>
-            <a:pPr marL="343080" indent="-342360">
+          <a:bodyPr lIns="0" rIns="0" tIns="0" bIns="0"/>
+          <a:p>
+            <a:pPr marL="343080" indent="-342000">
               <a:lnSpc>
                 <a:spcPct val="115000"/>
               </a:lnSpc>
@@ -8089,20 +7474,21 @@
               <a:buChar char="-"/>
             </a:pPr>
             <a:r>
-              <a:rPr lang="en-US" sz="2000" b="0" strike="noStrike" spc="-1" dirty="0">
-                <a:solidFill>
-                  <a:srgbClr val="000000"/>
-                </a:solidFill>
-                <a:latin typeface="Arial"/>
+              <a:rPr b="0" lang="en-US" sz="2000" spc="-1" strike="noStrike">
+                <a:solidFill>
+                  <a:srgbClr val="000000"/>
+                </a:solidFill>
+                <a:latin typeface="Arial"/>
+                <a:ea typeface="DejaVu Sans"/>
               </a:rPr>
               <a:t>Job postings are added as cards in Trello</a:t>
             </a:r>
-            <a:endParaRPr lang="en-US" sz="2000" b="0" strike="noStrike" spc="-1" dirty="0">
-              <a:latin typeface="Arial"/>
-            </a:endParaRPr>
-          </a:p>
-          <a:p>
-            <a:pPr marL="343080" indent="-342360">
+            <a:endParaRPr b="0" lang="en-US" sz="2000" spc="-1" strike="noStrike">
+              <a:latin typeface="Arial"/>
+            </a:endParaRPr>
+          </a:p>
+          <a:p>
+            <a:pPr marL="343080" indent="-342000">
               <a:lnSpc>
                 <a:spcPct val="115000"/>
               </a:lnSpc>
@@ -8116,17 +7502,21 @@
               <a:buChar char="-"/>
             </a:pPr>
             <a:r>
-              <a:rPr lang="en-US" sz="2000" b="0" strike="noStrike" spc="-1" dirty="0">
-                <a:solidFill>
-                  <a:srgbClr val="000000"/>
-                </a:solidFill>
-                <a:latin typeface="Arial"/>
+              <a:rPr b="0" lang="en-US" sz="2000" spc="-1" strike="noStrike">
+                <a:solidFill>
+                  <a:srgbClr val="000000"/>
+                </a:solidFill>
+                <a:latin typeface="Arial"/>
+                <a:ea typeface="DejaVu Sans"/>
               </a:rPr>
               <a:t>New posting gets written in a Google-sheet</a:t>
             </a:r>
-          </a:p>
-          <a:p>
-            <a:pPr marL="800280" lvl="1" indent="-342360">
+            <a:endParaRPr b="0" lang="en-US" sz="2000" spc="-1" strike="noStrike">
+              <a:latin typeface="Arial"/>
+            </a:endParaRPr>
+          </a:p>
+          <a:p>
+            <a:pPr lvl="1" marL="800280" indent="-342000">
               <a:lnSpc>
                 <a:spcPct val="115000"/>
               </a:lnSpc>
@@ -8140,15 +7530,16 @@
               <a:buChar char="-"/>
             </a:pPr>
             <a:r>
-              <a:rPr lang="en-US" sz="2000" spc="-1" dirty="0">
-                <a:solidFill>
-                  <a:srgbClr val="000000"/>
-                </a:solidFill>
-                <a:latin typeface="Arial"/>
+              <a:rPr b="0" lang="en-US" sz="2000" spc="-1" strike="noStrike">
+                <a:solidFill>
+                  <a:srgbClr val="000000"/>
+                </a:solidFill>
+                <a:latin typeface="Arial"/>
+                <a:ea typeface="DejaVu Sans"/>
               </a:rPr>
               <a:t>Connected to the form for applicants</a:t>
             </a:r>
-            <a:endParaRPr lang="en-US" sz="2000" b="0" strike="noStrike" spc="-1" dirty="0">
+            <a:endParaRPr b="0" lang="en-US" sz="2000" spc="-1" strike="noStrike">
               <a:latin typeface="Arial"/>
             </a:endParaRPr>
           </a:p>
@@ -8163,7 +7554,7 @@
         <p:spPr>
           <a:xfrm>
             <a:off x="8221680" y="7197840"/>
-            <a:ext cx="864360" cy="178560"/>
+            <a:ext cx="864000" cy="178200"/>
           </a:xfrm>
           <a:prstGeom prst="rect">
             <a:avLst/>
@@ -8174,36 +7565,30 @@
           </a:ln>
         </p:spPr>
         <p:style>
-          <a:lnRef idx="0">
-            <a:scrgbClr r="0" g="0" b="0"/>
-          </a:lnRef>
-          <a:fillRef idx="0">
-            <a:scrgbClr r="0" g="0" b="0"/>
-          </a:fillRef>
-          <a:effectRef idx="0">
-            <a:scrgbClr r="0" g="0" b="0"/>
-          </a:effectRef>
+          <a:lnRef idx="0"/>
+          <a:fillRef idx="0"/>
+          <a:effectRef idx="0"/>
           <a:fontRef idx="minor"/>
         </p:style>
         <p:txBody>
-          <a:bodyPr lIns="0" tIns="0" rIns="0" bIns="0" anchor="b"/>
-          <a:lstStyle/>
+          <a:bodyPr lIns="0" rIns="0" tIns="0" bIns="0" anchor="b"/>
           <a:p>
             <a:pPr>
               <a:lnSpc>
                 <a:spcPct val="100000"/>
               </a:lnSpc>
             </a:pPr>
-            <a:fld id="{E1B65D43-8849-4F9D-8B2F-906CC3B153CB}" type="datetime1">
-              <a:rPr lang="en-US" sz="1200" b="0" strike="noStrike" spc="-1">
-                <a:solidFill>
-                  <a:srgbClr val="000000"/>
-                </a:solidFill>
-                <a:latin typeface="Arial"/>
+            <a:fld id="{EB711BFB-A531-4418-8548-C780D1C8AC1A}" type="datetime1">
+              <a:rPr b="0" lang="en-US" sz="1200" spc="-1" strike="noStrike">
+                <a:solidFill>
+                  <a:srgbClr val="000000"/>
+                </a:solidFill>
+                <a:latin typeface="Arial"/>
+                <a:ea typeface="DejaVu Sans"/>
               </a:rPr>
               <a:t>12/18/2019</a:t>
             </a:fld>
-            <a:endParaRPr lang="en-US" sz="1200" b="0" strike="noStrike" spc="-1">
+            <a:endParaRPr b="0" lang="en-US" sz="1200" spc="-1" strike="noStrike">
               <a:latin typeface="Arial"/>
             </a:endParaRPr>
           </a:p>
@@ -8218,7 +7603,7 @@
         <p:spPr>
           <a:xfrm>
             <a:off x="736560" y="7197840"/>
-            <a:ext cx="7484400" cy="178560"/>
+            <a:ext cx="7484040" cy="178200"/>
           </a:xfrm>
           <a:prstGeom prst="rect">
             <a:avLst/>
@@ -8229,20 +7614,13 @@
           </a:ln>
         </p:spPr>
         <p:style>
-          <a:lnRef idx="0">
-            <a:scrgbClr r="0" g="0" b="0"/>
-          </a:lnRef>
-          <a:fillRef idx="0">
-            <a:scrgbClr r="0" g="0" b="0"/>
-          </a:fillRef>
-          <a:effectRef idx="0">
-            <a:scrgbClr r="0" g="0" b="0"/>
-          </a:effectRef>
+          <a:lnRef idx="0"/>
+          <a:fillRef idx="0"/>
+          <a:effectRef idx="0"/>
           <a:fontRef idx="minor"/>
         </p:style>
         <p:txBody>
-          <a:bodyPr lIns="0" tIns="0" rIns="0" bIns="0" anchor="b"/>
-          <a:lstStyle/>
+          <a:bodyPr lIns="0" rIns="0" tIns="0" bIns="0" anchor="b"/>
           <a:p>
             <a:pPr>
               <a:lnSpc>
@@ -8250,15 +7628,36 @@
               </a:lnSpc>
             </a:pPr>
             <a:r>
-              <a:rPr lang="en-US" sz="1200" b="0" strike="noStrike" spc="-1">
-                <a:solidFill>
-                  <a:srgbClr val="000000"/>
-                </a:solidFill>
-                <a:latin typeface="Arial"/>
-              </a:rPr>
-              <a:t>DigiBP	Pamela Streisguth, Sebastian Kluthe, Teyfik Agac</a:t>
-            </a:r>
-            <a:endParaRPr lang="en-US" sz="1200" b="0" strike="noStrike" spc="-1">
+              <a:rPr b="0" lang="en-US" sz="1200" spc="-1" strike="noStrike">
+                <a:solidFill>
+                  <a:srgbClr val="000000"/>
+                </a:solidFill>
+                <a:latin typeface="Arial"/>
+                <a:ea typeface="DejaVu Sans"/>
+              </a:rPr>
+              <a:t>DigiBP</a:t>
+            </a:r>
+            <a:r>
+              <a:rPr b="0" lang="en-US" sz="1200" spc="-1" strike="noStrike">
+                <a:solidFill>
+                  <a:srgbClr val="000000"/>
+                </a:solidFill>
+                <a:latin typeface="Arial"/>
+                <a:ea typeface="DejaVu Sans"/>
+              </a:rPr>
+              <a:t>	</a:t>
+            </a:r>
+            <a:r>
+              <a:rPr b="0" lang="en-US" sz="1200" spc="-1" strike="noStrike">
+                <a:solidFill>
+                  <a:srgbClr val="000000"/>
+                </a:solidFill>
+                <a:latin typeface="Arial"/>
+                <a:ea typeface="DejaVu Sans"/>
+              </a:rPr>
+              <a:t>Pamela Streisguth, Sebastian Kluthe, Teyfik Agac</a:t>
+            </a:r>
+            <a:endParaRPr b="0" lang="en-US" sz="1200" spc="-1" strike="noStrike">
               <a:latin typeface="Arial"/>
             </a:endParaRPr>
           </a:p>
@@ -8273,7 +7672,7 @@
         <p:spPr>
           <a:xfrm>
             <a:off x="9086760" y="7197840"/>
-            <a:ext cx="862920" cy="178560"/>
+            <a:ext cx="862560" cy="178200"/>
           </a:xfrm>
           <a:prstGeom prst="rect">
             <a:avLst/>
@@ -8284,36 +7683,30 @@
           </a:ln>
         </p:spPr>
         <p:style>
-          <a:lnRef idx="0">
-            <a:scrgbClr r="0" g="0" b="0"/>
-          </a:lnRef>
-          <a:fillRef idx="0">
-            <a:scrgbClr r="0" g="0" b="0"/>
-          </a:fillRef>
-          <a:effectRef idx="0">
-            <a:scrgbClr r="0" g="0" b="0"/>
-          </a:effectRef>
+          <a:lnRef idx="0"/>
+          <a:fillRef idx="0"/>
+          <a:effectRef idx="0"/>
           <a:fontRef idx="minor"/>
         </p:style>
         <p:txBody>
-          <a:bodyPr lIns="0" tIns="0" rIns="0" bIns="0" anchor="b"/>
-          <a:lstStyle/>
+          <a:bodyPr lIns="0" rIns="0" tIns="0" bIns="0" anchor="b"/>
           <a:p>
             <a:pPr algn="r">
               <a:lnSpc>
                 <a:spcPct val="100000"/>
               </a:lnSpc>
             </a:pPr>
-            <a:fld id="{88285B66-E59B-4F81-A44A-EDDEC576C8A6}" type="slidenum">
-              <a:rPr lang="en-US" sz="1200" b="0" strike="noStrike" spc="-1">
-                <a:solidFill>
-                  <a:srgbClr val="000000"/>
-                </a:solidFill>
-                <a:latin typeface="Arial"/>
-              </a:rPr>
-              <a:t>8</a:t>
+            <a:fld id="{676B624C-CA6C-47FB-8CC0-33C7E2E24C74}" type="slidenum">
+              <a:rPr b="0" lang="en-US" sz="1200" spc="-1" strike="noStrike">
+                <a:solidFill>
+                  <a:srgbClr val="000000"/>
+                </a:solidFill>
+                <a:latin typeface="Arial"/>
+                <a:ea typeface="DejaVu Sans"/>
+              </a:rPr>
+              <a:t>1</a:t>
             </a:fld>
-            <a:endParaRPr lang="en-US" sz="1200" b="0" strike="noStrike" spc="-1">
+            <a:endParaRPr b="0" lang="en-US" sz="1200" spc="-1" strike="noStrike">
               <a:latin typeface="Arial"/>
             </a:endParaRPr>
           </a:p>
@@ -8321,55 +7714,45 @@
       </p:sp>
       <p:pic>
         <p:nvPicPr>
-          <p:cNvPr id="2" name="Grafik 1">
-            <a:extLst>
-              <a:ext uri="{FF2B5EF4-FFF2-40B4-BE49-F238E27FC236}">
-                <a16:creationId xmlns:a16="http://schemas.microsoft.com/office/drawing/2014/main" id="{5D884CA4-7396-4C16-BDE4-5D0ED9A8CA3E}"/>
-              </a:ext>
-            </a:extLst>
-          </p:cNvPr>
-          <p:cNvPicPr>
-            <a:picLocks noChangeAspect="1"/>
-          </p:cNvPicPr>
+          <p:cNvPr id="131" name="Grafik 1" descr=""/>
+          <p:cNvPicPr/>
           <p:nvPr/>
         </p:nvPicPr>
         <p:blipFill>
-          <a:blip r:embed="rId2"/>
-          <a:stretch>
-            <a:fillRect/>
-          </a:stretch>
+          <a:blip r:embed="rId1"/>
+          <a:stretch/>
         </p:blipFill>
         <p:spPr>
           <a:xfrm>
-            <a:off x="1927769" y="3964630"/>
-            <a:ext cx="6830701" cy="2964470"/>
-          </a:xfrm>
-          <a:prstGeom prst="rect">
-            <a:avLst/>
-          </a:prstGeom>
+            <a:off x="1927800" y="3964680"/>
+            <a:ext cx="6830280" cy="2964240"/>
+          </a:xfrm>
+          <a:prstGeom prst="rect">
+            <a:avLst/>
+          </a:prstGeom>
+          <a:ln>
+            <a:noFill/>
+          </a:ln>
         </p:spPr>
       </p:pic>
     </p:spTree>
   </p:cSld>
-  <p:clrMapOvr>
-    <a:masterClrMapping/>
-  </p:clrMapOvr>
   <p:timing>
     <p:tnLst>
       <p:par>
-        <p:cTn id="1" dur="indefinite" restart="never" nodeType="tmRoot">
+        <p:cTn id="15" dur="indefinite" restart="never" nodeType="tmRoot">
           <p:childTnLst>
             <p:seq>
-              <p:cTn id="2" dur="indefinite" nodeType="mainSeq"/>
+              <p:cTn id="16" dur="indefinite" nodeType="mainSeq"/>
               <p:prevCondLst>
-                <p:cond evt="onPrev" delay="0">
+                <p:cond delay="0" evt="onPrev">
                   <p:tgtEl>
                     <p:sldTgt/>
                   </p:tgtEl>
                 </p:cond>
               </p:prevCondLst>
               <p:nextCondLst>
-                <p:cond evt="onNext" delay="0">
+                <p:cond delay="0" evt="onNext">
                   <p:tgtEl>
                     <p:sldTgt/>
                   </p:tgtEl>
@@ -8385,7 +7768,7 @@
 </file>
 
 <file path=ppt/slides/slide9.xml><?xml version="1.0" encoding="utf-8"?>
-<p:sld xmlns:a="http://schemas.openxmlformats.org/drawingml/2006/main" xmlns:r="http://schemas.openxmlformats.org/officeDocument/2006/relationships" xmlns:p="http://schemas.openxmlformats.org/presentationml/2006/main">
+<p:sld xmlns:a="http://schemas.openxmlformats.org/drawingml/2006/main" xmlns:p="http://schemas.openxmlformats.org/presentationml/2006/main" xmlns:r="http://schemas.openxmlformats.org/officeDocument/2006/relationships" xmlns:p14="http://schemas.microsoft.com/office/powerpoint/2010/main" xmlns:p15="http://schemas.microsoft.com/office/powerpoint/2012/main" xmlns:mc="http://schemas.openxmlformats.org/markup-compatibility/2006">
   <p:cSld>
     <p:spTree>
       <p:nvGrpSpPr>
@@ -8403,14 +7786,14 @@
       </p:grpSpPr>
       <p:sp>
         <p:nvSpPr>
-          <p:cNvPr id="126" name="CustomShape 1"/>
+          <p:cNvPr id="132" name="CustomShape 1"/>
           <p:cNvSpPr/>
           <p:nvPr/>
         </p:nvSpPr>
         <p:spPr>
           <a:xfrm>
             <a:off x="736560" y="1509840"/>
-            <a:ext cx="9213120" cy="361080"/>
+            <a:ext cx="9212760" cy="360720"/>
           </a:xfrm>
           <a:prstGeom prst="rect">
             <a:avLst/>
@@ -8421,20 +7804,13 @@
           </a:ln>
         </p:spPr>
         <p:style>
-          <a:lnRef idx="0">
-            <a:scrgbClr r="0" g="0" b="0"/>
-          </a:lnRef>
-          <a:fillRef idx="0">
-            <a:scrgbClr r="0" g="0" b="0"/>
-          </a:fillRef>
-          <a:effectRef idx="0">
-            <a:scrgbClr r="0" g="0" b="0"/>
-          </a:effectRef>
+          <a:lnRef idx="0"/>
+          <a:fillRef idx="0"/>
+          <a:effectRef idx="0"/>
           <a:fontRef idx="minor"/>
         </p:style>
         <p:txBody>
-          <a:bodyPr lIns="0" tIns="0" rIns="0" bIns="0"/>
-          <a:lstStyle/>
+          <a:bodyPr lIns="0" rIns="0" tIns="0" bIns="0"/>
           <a:p>
             <a:pPr>
               <a:lnSpc>
@@ -8442,30 +7818,31 @@
               </a:lnSpc>
             </a:pPr>
             <a:r>
-              <a:rPr lang="en-US" sz="2000" b="1" strike="noStrike" spc="-1" dirty="0">
-                <a:solidFill>
-                  <a:srgbClr val="000000"/>
-                </a:solidFill>
-                <a:latin typeface="Arial"/>
+              <a:rPr b="1" lang="en-US" sz="2000" spc="-1" strike="noStrike">
+                <a:solidFill>
+                  <a:srgbClr val="000000"/>
+                </a:solidFill>
+                <a:latin typeface="Arial"/>
+                <a:ea typeface="DejaVu Sans"/>
               </a:rPr>
               <a:t>Human Resources Tool</a:t>
             </a:r>
-            <a:endParaRPr lang="en-US" sz="2000" b="0" strike="noStrike" spc="-1" dirty="0">
-              <a:latin typeface="Arial"/>
-            </a:endParaRPr>
-          </a:p>
-        </p:txBody>
-      </p:sp>
-      <p:sp>
-        <p:nvSpPr>
-          <p:cNvPr id="127" name="CustomShape 2"/>
+            <a:endParaRPr b="0" lang="en-US" sz="2000" spc="-1" strike="noStrike">
+              <a:latin typeface="Arial"/>
+            </a:endParaRPr>
+          </a:p>
+        </p:txBody>
+      </p:sp>
+      <p:sp>
+        <p:nvSpPr>
+          <p:cNvPr id="133" name="CustomShape 2"/>
           <p:cNvSpPr/>
           <p:nvPr/>
         </p:nvSpPr>
         <p:spPr>
           <a:xfrm>
             <a:off x="738360" y="2197080"/>
-            <a:ext cx="9213120" cy="4463280"/>
+            <a:ext cx="9212760" cy="4462920"/>
           </a:xfrm>
           <a:prstGeom prst="rect">
             <a:avLst/>
@@ -8476,22 +7853,15 @@
           </a:ln>
         </p:spPr>
         <p:style>
-          <a:lnRef idx="0">
-            <a:scrgbClr r="0" g="0" b="0"/>
-          </a:lnRef>
-          <a:fillRef idx="0">
-            <a:scrgbClr r="0" g="0" b="0"/>
-          </a:fillRef>
-          <a:effectRef idx="0">
-            <a:scrgbClr r="0" g="0" b="0"/>
-          </a:effectRef>
+          <a:lnRef idx="0"/>
+          <a:fillRef idx="0"/>
+          <a:effectRef idx="0"/>
           <a:fontRef idx="minor"/>
         </p:style>
         <p:txBody>
-          <a:bodyPr lIns="0" tIns="0" rIns="0" bIns="0"/>
-          <a:lstStyle/>
-          <a:p>
-            <a:pPr marL="343080" indent="-342360">
+          <a:bodyPr lIns="0" rIns="0" tIns="0" bIns="0"/>
+          <a:p>
+            <a:pPr marL="343080" indent="-342000">
               <a:lnSpc>
                 <a:spcPct val="115000"/>
               </a:lnSpc>
@@ -8505,20 +7875,21 @@
               <a:buChar char="-"/>
             </a:pPr>
             <a:r>
-              <a:rPr lang="en-US" sz="2000" b="0" strike="noStrike" spc="-1" dirty="0">
-                <a:solidFill>
-                  <a:srgbClr val="000000"/>
-                </a:solidFill>
-                <a:latin typeface="Arial"/>
+              <a:rPr b="0" lang="en-US" sz="2000" spc="-1" strike="noStrike">
+                <a:solidFill>
+                  <a:srgbClr val="000000"/>
+                </a:solidFill>
+                <a:latin typeface="Arial"/>
+                <a:ea typeface="DejaVu Sans"/>
               </a:rPr>
               <a:t>Applicant gets a confirmation via mail</a:t>
             </a:r>
-            <a:endParaRPr lang="en-US" sz="2000" b="0" strike="noStrike" spc="-1" dirty="0">
-              <a:latin typeface="Arial"/>
-            </a:endParaRPr>
-          </a:p>
-          <a:p>
-            <a:pPr marL="343080" indent="-342360">
+            <a:endParaRPr b="0" lang="en-US" sz="2000" spc="-1" strike="noStrike">
+              <a:latin typeface="Arial"/>
+            </a:endParaRPr>
+          </a:p>
+          <a:p>
+            <a:pPr marL="343080" indent="-342000">
               <a:lnSpc>
                 <a:spcPct val="115000"/>
               </a:lnSpc>
@@ -8532,30 +7903,31 @@
               <a:buChar char="-"/>
             </a:pPr>
             <a:r>
-              <a:rPr lang="en-US" sz="2000" spc="-1" dirty="0">
-                <a:solidFill>
-                  <a:srgbClr val="000000"/>
-                </a:solidFill>
-                <a:latin typeface="Arial"/>
+              <a:rPr b="0" lang="en-US" sz="2000" spc="-1" strike="noStrike">
+                <a:solidFill>
+                  <a:srgbClr val="000000"/>
+                </a:solidFill>
+                <a:latin typeface="Arial"/>
+                <a:ea typeface="DejaVu Sans"/>
               </a:rPr>
               <a:t>After applying the candidate gets access to a chatbot for a pre-interview</a:t>
             </a:r>
-            <a:endParaRPr lang="en-US" sz="2000" b="0" strike="noStrike" spc="-1" dirty="0">
-              <a:latin typeface="Arial"/>
-            </a:endParaRPr>
-          </a:p>
-        </p:txBody>
-      </p:sp>
-      <p:sp>
-        <p:nvSpPr>
-          <p:cNvPr id="128" name="CustomShape 3"/>
+            <a:endParaRPr b="0" lang="en-US" sz="2000" spc="-1" strike="noStrike">
+              <a:latin typeface="Arial"/>
+            </a:endParaRPr>
+          </a:p>
+        </p:txBody>
+      </p:sp>
+      <p:sp>
+        <p:nvSpPr>
+          <p:cNvPr id="134" name="CustomShape 3"/>
           <p:cNvSpPr/>
           <p:nvPr/>
         </p:nvSpPr>
         <p:spPr>
           <a:xfrm>
             <a:off x="8221680" y="7197840"/>
-            <a:ext cx="864360" cy="178560"/>
+            <a:ext cx="864000" cy="178200"/>
           </a:xfrm>
           <a:prstGeom prst="rect">
             <a:avLst/>
@@ -8566,51 +7938,45 @@
           </a:ln>
         </p:spPr>
         <p:style>
-          <a:lnRef idx="0">
-            <a:scrgbClr r="0" g="0" b="0"/>
-          </a:lnRef>
-          <a:fillRef idx="0">
-            <a:scrgbClr r="0" g="0" b="0"/>
-          </a:fillRef>
-          <a:effectRef idx="0">
-            <a:scrgbClr r="0" g="0" b="0"/>
-          </a:effectRef>
+          <a:lnRef idx="0"/>
+          <a:fillRef idx="0"/>
+          <a:effectRef idx="0"/>
           <a:fontRef idx="minor"/>
         </p:style>
         <p:txBody>
-          <a:bodyPr lIns="0" tIns="0" rIns="0" bIns="0" anchor="b"/>
-          <a:lstStyle/>
+          <a:bodyPr lIns="0" rIns="0" tIns="0" bIns="0" anchor="b"/>
           <a:p>
             <a:pPr>
               <a:lnSpc>
                 <a:spcPct val="100000"/>
               </a:lnSpc>
             </a:pPr>
-            <a:fld id="{E1B65D43-8849-4F9D-8B2F-906CC3B153CB}" type="datetime1">
-              <a:rPr lang="en-US" sz="1200" b="0" strike="noStrike" spc="-1">
-                <a:solidFill>
-                  <a:srgbClr val="000000"/>
-                </a:solidFill>
-                <a:latin typeface="Arial"/>
+            <a:fld id="{FDDAD60A-FD4F-4D3A-884F-5080E7CAD5E9}" type="datetime1">
+              <a:rPr b="0" lang="en-US" sz="1200" spc="-1" strike="noStrike">
+                <a:solidFill>
+                  <a:srgbClr val="000000"/>
+                </a:solidFill>
+                <a:latin typeface="Arial"/>
+                <a:ea typeface="DejaVu Sans"/>
               </a:rPr>
               <a:t>12/18/2019</a:t>
             </a:fld>
-            <a:endParaRPr lang="en-US" sz="1200" b="0" strike="noStrike" spc="-1">
-              <a:latin typeface="Arial"/>
-            </a:endParaRPr>
-          </a:p>
-        </p:txBody>
-      </p:sp>
-      <p:sp>
-        <p:nvSpPr>
-          <p:cNvPr id="129" name="CustomShape 4"/>
+            <a:endParaRPr b="0" lang="en-US" sz="1200" spc="-1" strike="noStrike">
+              <a:latin typeface="Arial"/>
+            </a:endParaRPr>
+          </a:p>
+        </p:txBody>
+      </p:sp>
+      <p:sp>
+        <p:nvSpPr>
+          <p:cNvPr id="135" name="CustomShape 4"/>
           <p:cNvSpPr/>
           <p:nvPr/>
         </p:nvSpPr>
         <p:spPr>
           <a:xfrm>
             <a:off x="736560" y="7197840"/>
-            <a:ext cx="7484400" cy="178560"/>
+            <a:ext cx="7484040" cy="178200"/>
           </a:xfrm>
           <a:prstGeom prst="rect">
             <a:avLst/>
@@ -8621,20 +7987,13 @@
           </a:ln>
         </p:spPr>
         <p:style>
-          <a:lnRef idx="0">
-            <a:scrgbClr r="0" g="0" b="0"/>
-          </a:lnRef>
-          <a:fillRef idx="0">
-            <a:scrgbClr r="0" g="0" b="0"/>
-          </a:fillRef>
-          <a:effectRef idx="0">
-            <a:scrgbClr r="0" g="0" b="0"/>
-          </a:effectRef>
+          <a:lnRef idx="0"/>
+          <a:fillRef idx="0"/>
+          <a:effectRef idx="0"/>
           <a:fontRef idx="minor"/>
         </p:style>
         <p:txBody>
-          <a:bodyPr lIns="0" tIns="0" rIns="0" bIns="0" anchor="b"/>
-          <a:lstStyle/>
+          <a:bodyPr lIns="0" rIns="0" tIns="0" bIns="0" anchor="b"/>
           <a:p>
             <a:pPr>
               <a:lnSpc>
@@ -8642,30 +8001,51 @@
               </a:lnSpc>
             </a:pPr>
             <a:r>
-              <a:rPr lang="en-US" sz="1200" b="0" strike="noStrike" spc="-1">
-                <a:solidFill>
-                  <a:srgbClr val="000000"/>
-                </a:solidFill>
-                <a:latin typeface="Arial"/>
-              </a:rPr>
-              <a:t>DigiBP	Pamela Streisguth, Sebastian Kluthe, Teyfik Agac</a:t>
-            </a:r>
-            <a:endParaRPr lang="en-US" sz="1200" b="0" strike="noStrike" spc="-1">
-              <a:latin typeface="Arial"/>
-            </a:endParaRPr>
-          </a:p>
-        </p:txBody>
-      </p:sp>
-      <p:sp>
-        <p:nvSpPr>
-          <p:cNvPr id="130" name="CustomShape 5"/>
+              <a:rPr b="0" lang="en-US" sz="1200" spc="-1" strike="noStrike">
+                <a:solidFill>
+                  <a:srgbClr val="000000"/>
+                </a:solidFill>
+                <a:latin typeface="Arial"/>
+                <a:ea typeface="DejaVu Sans"/>
+              </a:rPr>
+              <a:t>DigiBP</a:t>
+            </a:r>
+            <a:r>
+              <a:rPr b="0" lang="en-US" sz="1200" spc="-1" strike="noStrike">
+                <a:solidFill>
+                  <a:srgbClr val="000000"/>
+                </a:solidFill>
+                <a:latin typeface="Arial"/>
+                <a:ea typeface="DejaVu Sans"/>
+              </a:rPr>
+              <a:t>	</a:t>
+            </a:r>
+            <a:r>
+              <a:rPr b="0" lang="en-US" sz="1200" spc="-1" strike="noStrike">
+                <a:solidFill>
+                  <a:srgbClr val="000000"/>
+                </a:solidFill>
+                <a:latin typeface="Arial"/>
+                <a:ea typeface="DejaVu Sans"/>
+              </a:rPr>
+              <a:t>Pamela Streisguth, Sebastian Kluthe, Teyfik Agac</a:t>
+            </a:r>
+            <a:endParaRPr b="0" lang="en-US" sz="1200" spc="-1" strike="noStrike">
+              <a:latin typeface="Arial"/>
+            </a:endParaRPr>
+          </a:p>
+        </p:txBody>
+      </p:sp>
+      <p:sp>
+        <p:nvSpPr>
+          <p:cNvPr id="136" name="CustomShape 5"/>
           <p:cNvSpPr/>
           <p:nvPr/>
         </p:nvSpPr>
         <p:spPr>
           <a:xfrm>
             <a:off x="9086760" y="7197840"/>
-            <a:ext cx="862920" cy="178560"/>
+            <a:ext cx="862560" cy="178200"/>
           </a:xfrm>
           <a:prstGeom prst="rect">
             <a:avLst/>
@@ -8676,36 +8056,30 @@
           </a:ln>
         </p:spPr>
         <p:style>
-          <a:lnRef idx="0">
-            <a:scrgbClr r="0" g="0" b="0"/>
-          </a:lnRef>
-          <a:fillRef idx="0">
-            <a:scrgbClr r="0" g="0" b="0"/>
-          </a:fillRef>
-          <a:effectRef idx="0">
-            <a:scrgbClr r="0" g="0" b="0"/>
-          </a:effectRef>
+          <a:lnRef idx="0"/>
+          <a:fillRef idx="0"/>
+          <a:effectRef idx="0"/>
           <a:fontRef idx="minor"/>
         </p:style>
         <p:txBody>
-          <a:bodyPr lIns="0" tIns="0" rIns="0" bIns="0" anchor="b"/>
-          <a:lstStyle/>
+          <a:bodyPr lIns="0" rIns="0" tIns="0" bIns="0" anchor="b"/>
           <a:p>
             <a:pPr algn="r">
               <a:lnSpc>
                 <a:spcPct val="100000"/>
               </a:lnSpc>
             </a:pPr>
-            <a:fld id="{88285B66-E59B-4F81-A44A-EDDEC576C8A6}" type="slidenum">
-              <a:rPr lang="en-US" sz="1200" b="0" strike="noStrike" spc="-1">
-                <a:solidFill>
-                  <a:srgbClr val="000000"/>
-                </a:solidFill>
-                <a:latin typeface="Arial"/>
-              </a:rPr>
-              <a:t>9</a:t>
+            <a:fld id="{25BD2B6A-AE73-45A3-B4F5-99A4645FF74C}" type="slidenum">
+              <a:rPr b="0" lang="en-US" sz="1200" spc="-1" strike="noStrike">
+                <a:solidFill>
+                  <a:srgbClr val="000000"/>
+                </a:solidFill>
+                <a:latin typeface="Arial"/>
+                <a:ea typeface="DejaVu Sans"/>
+              </a:rPr>
+              <a:t>1</a:t>
             </a:fld>
-            <a:endParaRPr lang="en-US" sz="1200" b="0" strike="noStrike" spc="-1">
+            <a:endParaRPr b="0" lang="en-US" sz="1200" spc="-1" strike="noStrike">
               <a:latin typeface="Arial"/>
             </a:endParaRPr>
           </a:p>
@@ -8713,18 +8087,18 @@
       </p:sp>
       <p:pic>
         <p:nvPicPr>
-          <p:cNvPr id="131" name="Grafik 130"/>
+          <p:cNvPr id="137" name="Grafik 130" descr=""/>
           <p:cNvPicPr/>
           <p:nvPr/>
         </p:nvPicPr>
         <p:blipFill>
-          <a:blip r:embed="rId2"/>
+          <a:blip r:embed="rId1"/>
           <a:stretch/>
         </p:blipFill>
         <p:spPr>
           <a:xfrm>
-            <a:off x="1937459" y="3451693"/>
-            <a:ext cx="6811321" cy="3208667"/>
+            <a:off x="1937520" y="3451680"/>
+            <a:ext cx="6810840" cy="3208320"/>
           </a:xfrm>
           <a:prstGeom prst="rect">
             <a:avLst/>
@@ -8735,31 +8109,23 @@
         </p:spPr>
       </p:pic>
     </p:spTree>
-    <p:extLst>
-      <p:ext uri="{BB962C8B-B14F-4D97-AF65-F5344CB8AC3E}">
-        <p14:creationId xmlns:p14="http://schemas.microsoft.com/office/powerpoint/2010/main" val="376654366"/>
-      </p:ext>
-    </p:extLst>
   </p:cSld>
-  <p:clrMapOvr>
-    <a:masterClrMapping/>
-  </p:clrMapOvr>
   <p:timing>
     <p:tnLst>
       <p:par>
-        <p:cTn id="1" dur="indefinite" restart="never" nodeType="tmRoot">
+        <p:cTn id="17" dur="indefinite" restart="never" nodeType="tmRoot">
           <p:childTnLst>
             <p:seq>
-              <p:cTn id="2" dur="indefinite" nodeType="mainSeq"/>
+              <p:cTn id="18" dur="indefinite" nodeType="mainSeq"/>
               <p:prevCondLst>
-                <p:cond evt="onPrev" delay="0">
+                <p:cond delay="0" evt="onPrev">
                   <p:tgtEl>
                     <p:sldTgt/>
                   </p:tgtEl>
                 </p:cond>
               </p:prevCondLst>
               <p:nextCondLst>
-                <p:cond evt="onNext" delay="0">
+                <p:cond delay="0" evt="onNext">
                   <p:tgtEl>
                     <p:sldTgt/>
                   </p:tgtEl>
@@ -8791,28 +8157,28 @@
         <a:srgbClr val="808080"/>
       </a:lt2>
       <a:accent1>
-        <a:srgbClr val="BBE0E3"/>
+        <a:srgbClr val="bbe0e3"/>
       </a:accent1>
       <a:accent2>
         <a:srgbClr val="333399"/>
       </a:accent2>
       <a:accent3>
-        <a:srgbClr val="FFFFFF"/>
+        <a:srgbClr val="ffffff"/>
       </a:accent3>
       <a:accent4>
         <a:srgbClr val="000000"/>
       </a:accent4>
       <a:accent5>
-        <a:srgbClr val="DAEDEF"/>
+        <a:srgbClr val="daedef"/>
       </a:accent5>
       <a:accent6>
-        <a:srgbClr val="2D2D8A"/>
+        <a:srgbClr val="2d2d8a"/>
       </a:accent6>
       <a:hlink>
         <a:srgbClr val="009999"/>
       </a:hlink>
       <a:folHlink>
-        <a:srgbClr val="99CC00"/>
+        <a:srgbClr val="99cc00"/>
       </a:folHlink>
     </a:clrScheme>
     <a:fontScheme name="Office">
@@ -8994,8 +8360,6 @@
       </a:bgFillStyleLst>
     </a:fmtScheme>
   </a:themeElements>
-  <a:objectDefaults/>
-  <a:extraClrSchemeLst/>
 </a:theme>
 </file>
 
@@ -9016,28 +8380,28 @@
         <a:srgbClr val="808080"/>
       </a:lt2>
       <a:accent1>
-        <a:srgbClr val="BBE0E3"/>
+        <a:srgbClr val="bbe0e3"/>
       </a:accent1>
       <a:accent2>
         <a:srgbClr val="333399"/>
       </a:accent2>
       <a:accent3>
-        <a:srgbClr val="FFFFFF"/>
+        <a:srgbClr val="ffffff"/>
       </a:accent3>
       <a:accent4>
         <a:srgbClr val="000000"/>
       </a:accent4>
       <a:accent5>
-        <a:srgbClr val="DAEDEF"/>
+        <a:srgbClr val="daedef"/>
       </a:accent5>
       <a:accent6>
-        <a:srgbClr val="2D2D8A"/>
+        <a:srgbClr val="2d2d8a"/>
       </a:accent6>
       <a:hlink>
         <a:srgbClr val="009999"/>
       </a:hlink>
       <a:folHlink>
-        <a:srgbClr val="99CC00"/>
+        <a:srgbClr val="99cc00"/>
       </a:folHlink>
     </a:clrScheme>
     <a:fontScheme name="Office">
@@ -9219,7 +8583,5 @@
       </a:bgFillStyleLst>
     </a:fmtScheme>
   </a:themeElements>
-  <a:objectDefaults/>
-  <a:extraClrSchemeLst/>
 </a:theme>
 </file>